--- a/Final_review3741.pptx
+++ b/Final_review3741.pptx
@@ -5,35 +5,41 @@
     <p:sldMasterId id="2147483648" r:id="rId1"/>
   </p:sldMasterIdLst>
   <p:notesMasterIdLst>
-    <p:notesMasterId r:id="rId7"/>
+    <p:notesMasterId r:id="rId34"/>
   </p:notesMasterIdLst>
   <p:sldIdLst>
-    <p:sldId id="256" r:id="rId3"/>
-    <p:sldId id="257" r:id="rId4"/>
-    <p:sldId id="369" r:id="rId5"/>
-    <p:sldId id="370" r:id="rId6"/>
-    <p:sldId id="372" r:id="rId8"/>
-    <p:sldId id="388" r:id="rId9"/>
-    <p:sldId id="393" r:id="rId10"/>
-    <p:sldId id="422" r:id="rId11"/>
-    <p:sldId id="368" r:id="rId12"/>
-    <p:sldId id="379" r:id="rId13"/>
-    <p:sldId id="373" r:id="rId14"/>
-    <p:sldId id="389" r:id="rId15"/>
-    <p:sldId id="390" r:id="rId16"/>
-    <p:sldId id="391" r:id="rId17"/>
-    <p:sldId id="407" r:id="rId18"/>
-    <p:sldId id="412" r:id="rId19"/>
-    <p:sldId id="409" r:id="rId20"/>
-    <p:sldId id="413" r:id="rId21"/>
-    <p:sldId id="408" r:id="rId22"/>
-    <p:sldId id="410" r:id="rId23"/>
-    <p:sldId id="421" r:id="rId24"/>
-    <p:sldId id="440" r:id="rId25"/>
-    <p:sldId id="414" r:id="rId26"/>
-    <p:sldId id="420" r:id="rId27"/>
-    <p:sldId id="377" r:id="rId28"/>
-    <p:sldId id="371" r:id="rId29"/>
+    <p:sldId id="256" r:id="rId2"/>
+    <p:sldId id="257" r:id="rId3"/>
+    <p:sldId id="369" r:id="rId4"/>
+    <p:sldId id="370" r:id="rId5"/>
+    <p:sldId id="372" r:id="rId6"/>
+    <p:sldId id="388" r:id="rId7"/>
+    <p:sldId id="393" r:id="rId8"/>
+    <p:sldId id="422" r:id="rId9"/>
+    <p:sldId id="368" r:id="rId10"/>
+    <p:sldId id="379" r:id="rId11"/>
+    <p:sldId id="373" r:id="rId12"/>
+    <p:sldId id="389" r:id="rId13"/>
+    <p:sldId id="390" r:id="rId14"/>
+    <p:sldId id="391" r:id="rId15"/>
+    <p:sldId id="407" r:id="rId16"/>
+    <p:sldId id="412" r:id="rId17"/>
+    <p:sldId id="409" r:id="rId18"/>
+    <p:sldId id="413" r:id="rId19"/>
+    <p:sldId id="408" r:id="rId20"/>
+    <p:sldId id="410" r:id="rId21"/>
+    <p:sldId id="421" r:id="rId22"/>
+    <p:sldId id="440" r:id="rId23"/>
+    <p:sldId id="414" r:id="rId24"/>
+    <p:sldId id="441" r:id="rId25"/>
+    <p:sldId id="442" r:id="rId26"/>
+    <p:sldId id="443" r:id="rId27"/>
+    <p:sldId id="444" r:id="rId28"/>
+    <p:sldId id="445" r:id="rId29"/>
+    <p:sldId id="446" r:id="rId30"/>
+    <p:sldId id="420" r:id="rId31"/>
+    <p:sldId id="377" r:id="rId32"/>
+    <p:sldId id="371" r:id="rId33"/>
   </p:sldIdLst>
   <p:sldSz cx="12192000" cy="6858000"/>
   <p:notesSz cx="6858000" cy="9144000"/>
@@ -233,6 +239,7 @@
           <a:p>
             <a:fld id="{319E05D0-A421-4EF3-8512-AD1148C82550}" type="datetimeFigureOut">
               <a:rPr lang="en-IN" smtClean="0"/>
+              <a:t>22-11-2024</a:t>
             </a:fld>
             <a:endParaRPr lang="en-IN"/>
           </a:p>
@@ -299,7 +306,6 @@
               <a:rPr lang="en-US"/>
               <a:t>Click to edit Master text styles</a:t>
             </a:r>
-            <a:endParaRPr lang="en-US"/>
           </a:p>
           <a:p>
             <a:pPr lvl="1"/>
@@ -307,7 +313,6 @@
               <a:rPr lang="en-US"/>
               <a:t>Second level</a:t>
             </a:r>
-            <a:endParaRPr lang="en-US"/>
           </a:p>
           <a:p>
             <a:pPr lvl="2"/>
@@ -315,7 +320,6 @@
               <a:rPr lang="en-US"/>
               <a:t>Third level</a:t>
             </a:r>
-            <a:endParaRPr lang="en-US"/>
           </a:p>
           <a:p>
             <a:pPr lvl="3"/>
@@ -323,7 +327,6 @@
               <a:rPr lang="en-US"/>
               <a:t>Fourth level</a:t>
             </a:r>
-            <a:endParaRPr lang="en-US"/>
           </a:p>
           <a:p>
             <a:pPr lvl="4"/>
@@ -395,6 +398,7 @@
           <a:p>
             <a:fld id="{8A1C5D9F-5FDD-4E04-AD07-37773298FBF3}" type="slidenum">
               <a:rPr lang="en-IN" smtClean="0"/>
+              <a:t>‹#›</a:t>
             </a:fld>
             <a:endParaRPr lang="en-IN"/>
           </a:p>
@@ -563,6 +567,7 @@
           <a:p>
             <a:fld id="{8A1C5D9F-5FDD-4E04-AD07-37773298FBF3}" type="slidenum">
               <a:rPr lang="en-IN" smtClean="0"/>
+              <a:t>4</a:t>
             </a:fld>
             <a:endParaRPr lang="en-IN"/>
           </a:p>
@@ -577,7 +582,7 @@
 </file>
 
 <file path=ppt/slideLayouts/slideLayout1.xml><?xml version="1.0" encoding="utf-8"?>
-<p:sldLayout xmlns:a="http://schemas.openxmlformats.org/drawingml/2006/main" xmlns:r="http://schemas.openxmlformats.org/officeDocument/2006/relationships" xmlns:p="http://schemas.openxmlformats.org/presentationml/2006/main" type="title" preserve="1" showMasterSp="0">
+<p:sldLayout xmlns:a="http://schemas.openxmlformats.org/drawingml/2006/main" xmlns:r="http://schemas.openxmlformats.org/officeDocument/2006/relationships" xmlns:p="http://schemas.openxmlformats.org/presentationml/2006/main" showMasterSp="0" type="title" preserve="1">
   <p:cSld name="Title Slide">
     <p:spTree>
       <p:nvGrpSpPr>
@@ -725,7 +730,6 @@
               <a:rPr lang="en-US"/>
               <a:t>Click to edit Master title style</a:t>
             </a:r>
-            <a:endParaRPr lang="en-US"/>
           </a:p>
         </p:txBody>
       </p:sp>
@@ -759,7 +763,6 @@
               <a:rPr lang="en-US"/>
               <a:t>Click to edit Master subtitle style</a:t>
             </a:r>
-            <a:endParaRPr lang="en-US"/>
           </a:p>
         </p:txBody>
       </p:sp>
@@ -794,7 +797,6 @@
               <a:rPr lang="en-US"/>
               <a:t>Zeroth Review</a:t>
             </a:r>
-            <a:endParaRPr lang="en-US"/>
           </a:p>
         </p:txBody>
       </p:sp>
@@ -829,7 +831,6 @@
               <a:rPr lang="en-US"/>
               <a:t>Department of Artificial Intelligence and Data Science</a:t>
             </a:r>
-            <a:endParaRPr lang="en-US"/>
           </a:p>
         </p:txBody>
       </p:sp>
@@ -862,6 +863,7 @@
             </a:pPr>
             <a:fld id="{D8F95DA7-9E0E-467D-A139-0471DC1777CB}" type="slidenum">
               <a:rPr lang="en-US" altLang="en-US"/>
+              <a:t>‹#›</a:t>
             </a:fld>
             <a:endParaRPr lang="en-US" altLang="en-US"/>
           </a:p>
@@ -911,7 +913,6 @@
               <a:rPr lang="en-US"/>
               <a:t>Click to edit Master title style</a:t>
             </a:r>
-            <a:endParaRPr lang="en-US"/>
           </a:p>
         </p:txBody>
       </p:sp>
@@ -935,7 +936,6 @@
               <a:rPr lang="en-US"/>
               <a:t>Click to edit Master text styles</a:t>
             </a:r>
-            <a:endParaRPr lang="en-US"/>
           </a:p>
           <a:p>
             <a:pPr lvl="1"/>
@@ -943,7 +943,6 @@
               <a:rPr lang="en-US"/>
               <a:t>Second level</a:t>
             </a:r>
-            <a:endParaRPr lang="en-US"/>
           </a:p>
           <a:p>
             <a:pPr lvl="2"/>
@@ -951,7 +950,6 @@
               <a:rPr lang="en-US"/>
               <a:t>Third level</a:t>
             </a:r>
-            <a:endParaRPr lang="en-US"/>
           </a:p>
           <a:p>
             <a:pPr lvl="3"/>
@@ -959,7 +957,6 @@
               <a:rPr lang="en-US"/>
               <a:t>Fourth level</a:t>
             </a:r>
-            <a:endParaRPr lang="en-US"/>
           </a:p>
           <a:p>
             <a:pPr lvl="4"/>
@@ -967,7 +964,6 @@
               <a:rPr lang="en-US"/>
               <a:t>Fifth level</a:t>
             </a:r>
-            <a:endParaRPr lang="en-US"/>
           </a:p>
         </p:txBody>
       </p:sp>
@@ -997,7 +993,6 @@
               <a:rPr lang="en-US"/>
               <a:t>Zeroth Review</a:t>
             </a:r>
-            <a:endParaRPr lang="en-US"/>
           </a:p>
         </p:txBody>
       </p:sp>
@@ -1027,7 +1022,6 @@
               <a:rPr lang="en-US"/>
               <a:t>Department of Artificial Intelligence and Data Science</a:t>
             </a:r>
-            <a:endParaRPr lang="en-US"/>
           </a:p>
         </p:txBody>
       </p:sp>
@@ -1055,6 +1049,7 @@
             </a:pPr>
             <a:fld id="{5367E6EB-B6CA-430B-8761-75C737CF7AF1}" type="slidenum">
               <a:rPr lang="en-US" altLang="en-US"/>
+              <a:t>‹#›</a:t>
             </a:fld>
             <a:endParaRPr lang="en-US" altLang="en-US"/>
           </a:p>
@@ -1109,7 +1104,6 @@
               <a:rPr lang="en-US"/>
               <a:t>Click to edit Master title style</a:t>
             </a:r>
-            <a:endParaRPr lang="en-US"/>
           </a:p>
         </p:txBody>
       </p:sp>
@@ -1138,7 +1132,6 @@
               <a:rPr lang="en-US"/>
               <a:t>Click to edit Master text styles</a:t>
             </a:r>
-            <a:endParaRPr lang="en-US"/>
           </a:p>
           <a:p>
             <a:pPr lvl="1"/>
@@ -1146,7 +1139,6 @@
               <a:rPr lang="en-US"/>
               <a:t>Second level</a:t>
             </a:r>
-            <a:endParaRPr lang="en-US"/>
           </a:p>
           <a:p>
             <a:pPr lvl="2"/>
@@ -1154,7 +1146,6 @@
               <a:rPr lang="en-US"/>
               <a:t>Third level</a:t>
             </a:r>
-            <a:endParaRPr lang="en-US"/>
           </a:p>
           <a:p>
             <a:pPr lvl="3"/>
@@ -1162,7 +1153,6 @@
               <a:rPr lang="en-US"/>
               <a:t>Fourth level</a:t>
             </a:r>
-            <a:endParaRPr lang="en-US"/>
           </a:p>
           <a:p>
             <a:pPr lvl="4"/>
@@ -1170,7 +1160,6 @@
               <a:rPr lang="en-US"/>
               <a:t>Fifth level</a:t>
             </a:r>
-            <a:endParaRPr lang="en-US"/>
           </a:p>
         </p:txBody>
       </p:sp>
@@ -1200,7 +1189,6 @@
               <a:rPr lang="en-US"/>
               <a:t>Zeroth Review</a:t>
             </a:r>
-            <a:endParaRPr lang="en-US"/>
           </a:p>
         </p:txBody>
       </p:sp>
@@ -1230,7 +1218,6 @@
               <a:rPr lang="en-US"/>
               <a:t>Department of Artificial Intelligence and Data Science</a:t>
             </a:r>
-            <a:endParaRPr lang="en-US"/>
           </a:p>
         </p:txBody>
       </p:sp>
@@ -1258,6 +1245,7 @@
             </a:pPr>
             <a:fld id="{3031276A-AAE7-4DAF-B5DC-CD9EE96B703D}" type="slidenum">
               <a:rPr lang="en-US" altLang="en-US"/>
+              <a:t>‹#›</a:t>
             </a:fld>
             <a:endParaRPr lang="en-US" altLang="en-US"/>
           </a:p>
@@ -1307,7 +1295,6 @@
               <a:rPr lang="en-US"/>
               <a:t>Click to edit Master title style</a:t>
             </a:r>
-            <a:endParaRPr lang="en-US"/>
           </a:p>
         </p:txBody>
       </p:sp>
@@ -1331,7 +1318,6 @@
               <a:rPr lang="en-US"/>
               <a:t>Click to edit Master text styles</a:t>
             </a:r>
-            <a:endParaRPr lang="en-US"/>
           </a:p>
           <a:p>
             <a:pPr lvl="1"/>
@@ -1339,7 +1325,6 @@
               <a:rPr lang="en-US"/>
               <a:t>Second level</a:t>
             </a:r>
-            <a:endParaRPr lang="en-US"/>
           </a:p>
           <a:p>
             <a:pPr lvl="2"/>
@@ -1347,7 +1332,6 @@
               <a:rPr lang="en-US"/>
               <a:t>Third level</a:t>
             </a:r>
-            <a:endParaRPr lang="en-US"/>
           </a:p>
           <a:p>
             <a:pPr lvl="3"/>
@@ -1355,7 +1339,6 @@
               <a:rPr lang="en-US"/>
               <a:t>Fourth level</a:t>
             </a:r>
-            <a:endParaRPr lang="en-US"/>
           </a:p>
           <a:p>
             <a:pPr lvl="4"/>
@@ -1363,7 +1346,6 @@
               <a:rPr lang="en-US"/>
               <a:t>Fifth level</a:t>
             </a:r>
-            <a:endParaRPr lang="en-US"/>
           </a:p>
         </p:txBody>
       </p:sp>
@@ -1393,7 +1375,6 @@
               <a:rPr lang="en-US"/>
               <a:t>Zeroth Review</a:t>
             </a:r>
-            <a:endParaRPr lang="en-US"/>
           </a:p>
         </p:txBody>
       </p:sp>
@@ -1423,7 +1404,6 @@
               <a:rPr lang="en-US"/>
               <a:t>Department of Artificial Intelligence and Data Science</a:t>
             </a:r>
-            <a:endParaRPr lang="en-US"/>
           </a:p>
         </p:txBody>
       </p:sp>
@@ -1451,6 +1431,7 @@
             </a:pPr>
             <a:fld id="{BDC2143B-610F-499C-A392-DFFBE135A7B2}" type="slidenum">
               <a:rPr lang="en-US" altLang="en-US"/>
+              <a:t>‹#›</a:t>
             </a:fld>
             <a:endParaRPr lang="en-US" altLang="en-US"/>
           </a:p>
@@ -1509,7 +1490,6 @@
               <a:rPr lang="en-US"/>
               <a:t>Click to edit Master title style</a:t>
             </a:r>
-            <a:endParaRPr lang="en-US"/>
           </a:p>
         </p:txBody>
       </p:sp>
@@ -1575,7 +1555,6 @@
               <a:rPr lang="en-US"/>
               <a:t>Click to edit Master text styles</a:t>
             </a:r>
-            <a:endParaRPr lang="en-US"/>
           </a:p>
         </p:txBody>
       </p:sp>
@@ -1605,7 +1584,6 @@
               <a:rPr lang="en-US"/>
               <a:t>Zeroth Review</a:t>
             </a:r>
-            <a:endParaRPr lang="en-US"/>
           </a:p>
         </p:txBody>
       </p:sp>
@@ -1635,7 +1613,6 @@
               <a:rPr lang="en-US"/>
               <a:t>Department of Artificial Intelligence and Data Science</a:t>
             </a:r>
-            <a:endParaRPr lang="en-US"/>
           </a:p>
         </p:txBody>
       </p:sp>
@@ -1663,6 +1640,7 @@
             </a:pPr>
             <a:fld id="{575C213C-AC18-4D5A-BA73-4550FF50B842}" type="slidenum">
               <a:rPr lang="en-US" altLang="en-US"/>
+              <a:t>‹#›</a:t>
             </a:fld>
             <a:endParaRPr lang="en-US" altLang="en-US"/>
           </a:p>
@@ -1712,7 +1690,6 @@
               <a:rPr lang="en-US"/>
               <a:t>Click to edit Master title style</a:t>
             </a:r>
-            <a:endParaRPr lang="en-US"/>
           </a:p>
         </p:txBody>
       </p:sp>
@@ -1769,7 +1746,6 @@
               <a:rPr lang="en-US"/>
               <a:t>Click to edit Master text styles</a:t>
             </a:r>
-            <a:endParaRPr lang="en-US"/>
           </a:p>
           <a:p>
             <a:pPr lvl="1"/>
@@ -1777,7 +1753,6 @@
               <a:rPr lang="en-US"/>
               <a:t>Second level</a:t>
             </a:r>
-            <a:endParaRPr lang="en-US"/>
           </a:p>
           <a:p>
             <a:pPr lvl="2"/>
@@ -1785,7 +1760,6 @@
               <a:rPr lang="en-US"/>
               <a:t>Third level</a:t>
             </a:r>
-            <a:endParaRPr lang="en-US"/>
           </a:p>
           <a:p>
             <a:pPr lvl="3"/>
@@ -1793,7 +1767,6 @@
               <a:rPr lang="en-US"/>
               <a:t>Fourth level</a:t>
             </a:r>
-            <a:endParaRPr lang="en-US"/>
           </a:p>
           <a:p>
             <a:pPr lvl="4"/>
@@ -1801,7 +1774,6 @@
               <a:rPr lang="en-US"/>
               <a:t>Fifth level</a:t>
             </a:r>
-            <a:endParaRPr lang="en-US"/>
           </a:p>
         </p:txBody>
       </p:sp>
@@ -1858,7 +1830,6 @@
               <a:rPr lang="en-US"/>
               <a:t>Click to edit Master text styles</a:t>
             </a:r>
-            <a:endParaRPr lang="en-US"/>
           </a:p>
           <a:p>
             <a:pPr lvl="1"/>
@@ -1866,7 +1837,6 @@
               <a:rPr lang="en-US"/>
               <a:t>Second level</a:t>
             </a:r>
-            <a:endParaRPr lang="en-US"/>
           </a:p>
           <a:p>
             <a:pPr lvl="2"/>
@@ -1874,7 +1844,6 @@
               <a:rPr lang="en-US"/>
               <a:t>Third level</a:t>
             </a:r>
-            <a:endParaRPr lang="en-US"/>
           </a:p>
           <a:p>
             <a:pPr lvl="3"/>
@@ -1882,7 +1851,6 @@
               <a:rPr lang="en-US"/>
               <a:t>Fourth level</a:t>
             </a:r>
-            <a:endParaRPr lang="en-US"/>
           </a:p>
           <a:p>
             <a:pPr lvl="4"/>
@@ -1890,7 +1858,6 @@
               <a:rPr lang="en-US"/>
               <a:t>Fifth level</a:t>
             </a:r>
-            <a:endParaRPr lang="en-US"/>
           </a:p>
         </p:txBody>
       </p:sp>
@@ -1920,7 +1887,6 @@
               <a:rPr lang="en-US"/>
               <a:t>Zeroth Review</a:t>
             </a:r>
-            <a:endParaRPr lang="en-US"/>
           </a:p>
         </p:txBody>
       </p:sp>
@@ -1950,7 +1916,6 @@
               <a:rPr lang="en-US"/>
               <a:t>Department of Artificial Intelligence and Data Science</a:t>
             </a:r>
-            <a:endParaRPr lang="en-US"/>
           </a:p>
         </p:txBody>
       </p:sp>
@@ -1978,6 +1943,7 @@
             </a:pPr>
             <a:fld id="{7A8ED4EA-E359-45F1-B86A-A40772B25C23}" type="slidenum">
               <a:rPr lang="en-US" altLang="en-US"/>
+              <a:t>‹#›</a:t>
             </a:fld>
             <a:endParaRPr lang="en-US" altLang="en-US"/>
           </a:p>
@@ -2036,7 +2002,6 @@
               <a:rPr lang="en-US"/>
               <a:t>Click to edit Master title style</a:t>
             </a:r>
-            <a:endParaRPr lang="en-US"/>
           </a:p>
         </p:txBody>
       </p:sp>
@@ -2102,7 +2067,6 @@
               <a:rPr lang="en-US"/>
               <a:t>Click to edit Master text styles</a:t>
             </a:r>
-            <a:endParaRPr lang="en-US"/>
           </a:p>
         </p:txBody>
       </p:sp>
@@ -2159,7 +2123,6 @@
               <a:rPr lang="en-US"/>
               <a:t>Click to edit Master text styles</a:t>
             </a:r>
-            <a:endParaRPr lang="en-US"/>
           </a:p>
           <a:p>
             <a:pPr lvl="1"/>
@@ -2167,7 +2130,6 @@
               <a:rPr lang="en-US"/>
               <a:t>Second level</a:t>
             </a:r>
-            <a:endParaRPr lang="en-US"/>
           </a:p>
           <a:p>
             <a:pPr lvl="2"/>
@@ -2175,7 +2137,6 @@
               <a:rPr lang="en-US"/>
               <a:t>Third level</a:t>
             </a:r>
-            <a:endParaRPr lang="en-US"/>
           </a:p>
           <a:p>
             <a:pPr lvl="3"/>
@@ -2183,7 +2144,6 @@
               <a:rPr lang="en-US"/>
               <a:t>Fourth level</a:t>
             </a:r>
-            <a:endParaRPr lang="en-US"/>
           </a:p>
           <a:p>
             <a:pPr lvl="4"/>
@@ -2191,7 +2151,6 @@
               <a:rPr lang="en-US"/>
               <a:t>Fifth level</a:t>
             </a:r>
-            <a:endParaRPr lang="en-US"/>
           </a:p>
         </p:txBody>
       </p:sp>
@@ -2257,7 +2216,6 @@
               <a:rPr lang="en-US"/>
               <a:t>Click to edit Master text styles</a:t>
             </a:r>
-            <a:endParaRPr lang="en-US"/>
           </a:p>
         </p:txBody>
       </p:sp>
@@ -2314,7 +2272,6 @@
               <a:rPr lang="en-US"/>
               <a:t>Click to edit Master text styles</a:t>
             </a:r>
-            <a:endParaRPr lang="en-US"/>
           </a:p>
           <a:p>
             <a:pPr lvl="1"/>
@@ -2322,7 +2279,6 @@
               <a:rPr lang="en-US"/>
               <a:t>Second level</a:t>
             </a:r>
-            <a:endParaRPr lang="en-US"/>
           </a:p>
           <a:p>
             <a:pPr lvl="2"/>
@@ -2330,7 +2286,6 @@
               <a:rPr lang="en-US"/>
               <a:t>Third level</a:t>
             </a:r>
-            <a:endParaRPr lang="en-US"/>
           </a:p>
           <a:p>
             <a:pPr lvl="3"/>
@@ -2338,7 +2293,6 @@
               <a:rPr lang="en-US"/>
               <a:t>Fourth level</a:t>
             </a:r>
-            <a:endParaRPr lang="en-US"/>
           </a:p>
           <a:p>
             <a:pPr lvl="4"/>
@@ -2346,7 +2300,6 @@
               <a:rPr lang="en-US"/>
               <a:t>Fifth level</a:t>
             </a:r>
-            <a:endParaRPr lang="en-US"/>
           </a:p>
         </p:txBody>
       </p:sp>
@@ -2376,7 +2329,6 @@
               <a:rPr lang="en-US"/>
               <a:t>Zeroth Review</a:t>
             </a:r>
-            <a:endParaRPr lang="en-US"/>
           </a:p>
         </p:txBody>
       </p:sp>
@@ -2406,7 +2358,6 @@
               <a:rPr lang="en-US"/>
               <a:t>Department of Artificial Intelligence and Data Science</a:t>
             </a:r>
-            <a:endParaRPr lang="en-US"/>
           </a:p>
         </p:txBody>
       </p:sp>
@@ -2434,6 +2385,7 @@
             </a:pPr>
             <a:fld id="{E637AD66-1F60-49BE-A2E9-D91D10CB91F3}" type="slidenum">
               <a:rPr lang="en-US" altLang="en-US"/>
+              <a:t>‹#›</a:t>
             </a:fld>
             <a:endParaRPr lang="en-US" altLang="en-US"/>
           </a:p>
@@ -2483,7 +2435,6 @@
               <a:rPr lang="en-US"/>
               <a:t>Click to edit Master title style</a:t>
             </a:r>
-            <a:endParaRPr lang="en-US"/>
           </a:p>
         </p:txBody>
       </p:sp>
@@ -2513,7 +2464,6 @@
               <a:rPr lang="en-US"/>
               <a:t>Zeroth Review</a:t>
             </a:r>
-            <a:endParaRPr lang="en-US"/>
           </a:p>
         </p:txBody>
       </p:sp>
@@ -2543,7 +2493,6 @@
               <a:rPr lang="en-US"/>
               <a:t>Department of Artificial Intelligence and Data Science</a:t>
             </a:r>
-            <a:endParaRPr lang="en-US"/>
           </a:p>
         </p:txBody>
       </p:sp>
@@ -2571,6 +2520,7 @@
             </a:pPr>
             <a:fld id="{F583B680-F650-469F-A231-392F163461F6}" type="slidenum">
               <a:rPr lang="en-US" altLang="en-US"/>
+              <a:t>‹#›</a:t>
             </a:fld>
             <a:endParaRPr lang="en-US" altLang="en-US"/>
           </a:p>
@@ -2627,7 +2577,6 @@
               <a:rPr lang="en-US"/>
               <a:t>Zeroth Review</a:t>
             </a:r>
-            <a:endParaRPr lang="en-US"/>
           </a:p>
         </p:txBody>
       </p:sp>
@@ -2657,7 +2606,6 @@
               <a:rPr lang="en-US"/>
               <a:t>Department of Artificial Intelligence and Data Science</a:t>
             </a:r>
-            <a:endParaRPr lang="en-US"/>
           </a:p>
         </p:txBody>
       </p:sp>
@@ -2685,6 +2633,7 @@
             </a:pPr>
             <a:fld id="{DD537315-F462-4C74-88B4-A900525A3FAA}" type="slidenum">
               <a:rPr lang="en-US" altLang="en-US"/>
+              <a:t>‹#›</a:t>
             </a:fld>
             <a:endParaRPr lang="en-US" altLang="en-US"/>
           </a:p>
@@ -2743,7 +2692,6 @@
               <a:rPr lang="en-US"/>
               <a:t>Click to edit Master title style</a:t>
             </a:r>
-            <a:endParaRPr lang="en-US"/>
           </a:p>
         </p:txBody>
       </p:sp>
@@ -2800,7 +2748,6 @@
               <a:rPr lang="en-US"/>
               <a:t>Click to edit Master text styles</a:t>
             </a:r>
-            <a:endParaRPr lang="en-US"/>
           </a:p>
           <a:p>
             <a:pPr lvl="1"/>
@@ -2808,7 +2755,6 @@
               <a:rPr lang="en-US"/>
               <a:t>Second level</a:t>
             </a:r>
-            <a:endParaRPr lang="en-US"/>
           </a:p>
           <a:p>
             <a:pPr lvl="2"/>
@@ -2816,7 +2762,6 @@
               <a:rPr lang="en-US"/>
               <a:t>Third level</a:t>
             </a:r>
-            <a:endParaRPr lang="en-US"/>
           </a:p>
           <a:p>
             <a:pPr lvl="3"/>
@@ -2824,7 +2769,6 @@
               <a:rPr lang="en-US"/>
               <a:t>Fourth level</a:t>
             </a:r>
-            <a:endParaRPr lang="en-US"/>
           </a:p>
           <a:p>
             <a:pPr lvl="4"/>
@@ -2832,7 +2776,6 @@
               <a:rPr lang="en-US"/>
               <a:t>Fifth level</a:t>
             </a:r>
-            <a:endParaRPr lang="en-US"/>
           </a:p>
         </p:txBody>
       </p:sp>
@@ -2898,7 +2841,6 @@
               <a:rPr lang="en-US"/>
               <a:t>Click to edit Master text styles</a:t>
             </a:r>
-            <a:endParaRPr lang="en-US"/>
           </a:p>
         </p:txBody>
       </p:sp>
@@ -2928,7 +2870,6 @@
               <a:rPr lang="en-US"/>
               <a:t>Zeroth Review</a:t>
             </a:r>
-            <a:endParaRPr lang="en-US"/>
           </a:p>
         </p:txBody>
       </p:sp>
@@ -2958,7 +2899,6 @@
               <a:rPr lang="en-US"/>
               <a:t>Department of Artificial Intelligence and Data Science</a:t>
             </a:r>
-            <a:endParaRPr lang="en-US"/>
           </a:p>
         </p:txBody>
       </p:sp>
@@ -2986,6 +2926,7 @@
             </a:pPr>
             <a:fld id="{379B2829-DA13-4801-8FBD-6D5729CB9593}" type="slidenum">
               <a:rPr lang="en-US" altLang="en-US"/>
+              <a:t>‹#›</a:t>
             </a:fld>
             <a:endParaRPr lang="en-US" altLang="en-US"/>
           </a:p>
@@ -3044,7 +2985,6 @@
               <a:rPr lang="en-US"/>
               <a:t>Click to edit Master title style</a:t>
             </a:r>
-            <a:endParaRPr lang="en-US"/>
           </a:p>
         </p:txBody>
       </p:sp>
@@ -3172,7 +3112,6 @@
               <a:rPr lang="en-US"/>
               <a:t>Click to edit Master text styles</a:t>
             </a:r>
-            <a:endParaRPr lang="en-US"/>
           </a:p>
         </p:txBody>
       </p:sp>
@@ -3202,7 +3141,6 @@
               <a:rPr lang="en-US"/>
               <a:t>Zeroth Review</a:t>
             </a:r>
-            <a:endParaRPr lang="en-US"/>
           </a:p>
         </p:txBody>
       </p:sp>
@@ -3232,7 +3170,6 @@
               <a:rPr lang="en-US"/>
               <a:t>Department of Artificial Intelligence and Data Science</a:t>
             </a:r>
-            <a:endParaRPr lang="en-US"/>
           </a:p>
         </p:txBody>
       </p:sp>
@@ -3260,6 +3197,7 @@
             </a:pPr>
             <a:fld id="{B5B0EEF8-84AE-4BCB-9844-5B22523396C9}" type="slidenum">
               <a:rPr lang="en-US" altLang="en-US"/>
+              <a:t>‹#›</a:t>
             </a:fld>
             <a:endParaRPr lang="en-US" altLang="en-US"/>
           </a:p>
@@ -3279,7 +3217,7 @@
     <p:bg>
       <p:bgPr>
         <a:blipFill dpi="0" rotWithShape="0">
-          <a:blip r:embed="rId12"/>
+          <a:blip r:embed="rId13"/>
           <a:srcRect/>
           <a:tile tx="0" ty="0" sx="100000" sy="100000" flip="none" algn="tl"/>
         </a:blipFill>
@@ -3351,7 +3289,6 @@
               <a:rPr lang="en-US" altLang="en-US"/>
               <a:t>Click to edit Master title style</a:t>
             </a:r>
-            <a:endParaRPr lang="en-US" altLang="en-US"/>
           </a:p>
         </p:txBody>
       </p:sp>
@@ -3406,7 +3343,6 @@
               <a:rPr lang="en-US" altLang="en-US"/>
               <a:t>Click to edit Master text styles</a:t>
             </a:r>
-            <a:endParaRPr lang="en-US" altLang="en-US"/>
           </a:p>
           <a:p>
             <a:pPr lvl="1"/>
@@ -3414,7 +3350,6 @@
               <a:rPr lang="en-US" altLang="en-US"/>
               <a:t>Second level</a:t>
             </a:r>
-            <a:endParaRPr lang="en-US" altLang="en-US"/>
           </a:p>
           <a:p>
             <a:pPr lvl="2"/>
@@ -3422,7 +3357,6 @@
               <a:rPr lang="en-US" altLang="en-US"/>
               <a:t>Third level</a:t>
             </a:r>
-            <a:endParaRPr lang="en-US" altLang="en-US"/>
           </a:p>
           <a:p>
             <a:pPr lvl="3"/>
@@ -3430,7 +3364,6 @@
               <a:rPr lang="en-US" altLang="en-US"/>
               <a:t>Fourth level</a:t>
             </a:r>
-            <a:endParaRPr lang="en-US" altLang="en-US"/>
           </a:p>
           <a:p>
             <a:pPr lvl="4"/>
@@ -3438,7 +3371,6 @@
               <a:rPr lang="en-US" altLang="en-US"/>
               <a:t>Fifth level</a:t>
             </a:r>
-            <a:endParaRPr lang="en-US" altLang="en-US"/>
           </a:p>
         </p:txBody>
       </p:sp>
@@ -3627,7 +3559,6 @@
               <a:rPr lang="en-US"/>
               <a:t>Zeroth Review</a:t>
             </a:r>
-            <a:endParaRPr lang="en-US"/>
           </a:p>
         </p:txBody>
       </p:sp>
@@ -3673,7 +3604,6 @@
               <a:rPr lang="en-US"/>
               <a:t>Department of Artificial Intelligence and Data Science</a:t>
             </a:r>
-            <a:endParaRPr lang="en-US"/>
           </a:p>
         </p:txBody>
       </p:sp>
@@ -3715,6 +3645,7 @@
             </a:pPr>
             <a:fld id="{756AFA5A-A15D-402B-9810-66A481E98194}" type="slidenum">
               <a:rPr lang="en-US" altLang="en-US"/>
+              <a:t>‹#›</a:t>
             </a:fld>
             <a:endParaRPr lang="en-US" altLang="en-US"/>
           </a:p>
@@ -4148,7 +4079,7 @@
     <p:bg>
       <p:bgPr>
         <a:blipFill dpi="0" rotWithShape="0">
-          <a:blip r:embed="rId1"/>
+          <a:blip r:embed="rId3"/>
           <a:srcRect/>
           <a:tile tx="0" ty="0" sx="100000" sy="100000" flip="none" algn="tl"/>
         </a:blipFill>
@@ -4178,7 +4109,7 @@
           <p:nvPr/>
         </p:nvPicPr>
         <p:blipFill>
-          <a:blip r:embed="rId2"/>
+          <a:blip r:embed="rId4"/>
           <a:stretch>
             <a:fillRect/>
           </a:stretch>
@@ -4202,7 +4133,7 @@
           <p:nvPr/>
         </p:nvPicPr>
         <p:blipFill>
-          <a:blip r:embed="rId3"/>
+          <a:blip r:embed="rId5"/>
           <a:stretch>
             <a:fillRect/>
           </a:stretch>
@@ -4234,7 +4165,7 @@
         </p:spPr>
         <p:txBody>
           <a:bodyPr vert="horz" lIns="91440" tIns="45720" rIns="91440" bIns="45720" rtlCol="0" anchor="ctr">
-            <a:normAutofit fontScale="90000"/>
+            <a:normAutofit fontScale="97500"/>
           </a:bodyPr>
           <a:lstStyle>
             <a:lvl1pPr algn="ctr" defTabSz="914400" rtl="0" eaLnBrk="1" latinLnBrk="0" hangingPunct="1">
@@ -4267,14 +4198,6 @@
               </a:rPr>
               <a:t>Loyalty Launchpad: Transforming Customer Satisfaction into Retention</a:t>
             </a:r>
-            <a:endParaRPr sz="4000" b="1" dirty="0">
-              <a:solidFill>
-                <a:srgbClr val="7030A0"/>
-              </a:solidFill>
-              <a:latin typeface="Verdana" panose="020B0604030504040204" pitchFamily="34" charset="0"/>
-              <a:ea typeface="+mn-ea"/>
-              <a:cs typeface="+mn-cs"/>
-            </a:endParaRPr>
           </a:p>
         </p:txBody>
       </p:sp>
@@ -4521,11 +4444,6 @@
               </a:rPr>
               <a:t>)</a:t>
             </a:r>
-            <a:endParaRPr lang="en-IN" altLang="en-US" sz="2400" b="1" dirty="0">
-              <a:solidFill>
-                <a:srgbClr val="FF0000"/>
-              </a:solidFill>
-            </a:endParaRPr>
           </a:p>
           <a:p>
             <a:pPr>
@@ -4544,11 +4462,6 @@
               </a:rPr>
               <a:t>Professor</a:t>
             </a:r>
-            <a:endParaRPr lang="en-US" altLang="en-IN" sz="2400" b="1" dirty="0">
-              <a:solidFill>
-                <a:srgbClr val="FF0000"/>
-              </a:solidFill>
-            </a:endParaRPr>
           </a:p>
         </p:txBody>
       </p:sp>
@@ -4771,11 +4684,6 @@
               </a:rPr>
               <a:t>Prasanna K</a:t>
             </a:r>
-            <a:endParaRPr lang="en-IN" altLang="en-US" sz="2400" b="1" dirty="0">
-              <a:solidFill>
-                <a:srgbClr val="FF0000"/>
-              </a:solidFill>
-            </a:endParaRPr>
           </a:p>
           <a:p>
             <a:pPr>
@@ -4794,11 +4702,6 @@
               </a:rPr>
               <a:t>221801037</a:t>
             </a:r>
-            <a:endParaRPr lang="en-IN" altLang="en-US" sz="2400" b="1" dirty="0">
-              <a:solidFill>
-                <a:srgbClr val="FF0000"/>
-              </a:solidFill>
-            </a:endParaRPr>
           </a:p>
           <a:p>
             <a:pPr>
@@ -4817,11 +4720,6 @@
               </a:rPr>
               <a:t>Rohith RA</a:t>
             </a:r>
-            <a:endParaRPr lang="en-IN" altLang="en-US" sz="2400" b="1" dirty="0">
-              <a:solidFill>
-                <a:srgbClr val="FF0000"/>
-              </a:solidFill>
-            </a:endParaRPr>
           </a:p>
           <a:p>
             <a:pPr>
@@ -4840,11 +4738,6 @@
               </a:rPr>
               <a:t>221801041</a:t>
             </a:r>
-            <a:endParaRPr lang="en-IN" altLang="en-US" sz="2400" b="1" dirty="0">
-              <a:solidFill>
-                <a:srgbClr val="FF0000"/>
-              </a:solidFill>
-            </a:endParaRPr>
           </a:p>
           <a:p>
             <a:pPr>
@@ -4928,14 +4821,6 @@
               </a:rPr>
               <a:t>Department of Artificial Intelligence and Machine Learning</a:t>
             </a:r>
-            <a:endParaRPr lang="en-IN" sz="2800" b="1" dirty="0">
-              <a:solidFill>
-                <a:srgbClr val="002060"/>
-              </a:solidFill>
-              <a:latin typeface="Verdana" panose="020B0604030504040204" pitchFamily="34" charset="0"/>
-              <a:ea typeface="+mn-ea"/>
-              <a:cs typeface="+mn-cs"/>
-            </a:endParaRPr>
           </a:p>
         </p:txBody>
       </p:sp>
@@ -4992,11 +4877,6 @@
               </a:rPr>
               <a:t>Reporting Mechanisms: Reporting on customer feedback is typically done on an ad-hoc basis, with reports generated periodically rather than in real-time. This can delay the identification of emerging issues and the implementation of improvements.</a:t>
             </a:r>
-            <a:endParaRPr lang="en-US" sz="2400" dirty="0">
-              <a:latin typeface="Times New Roman" panose="02020603050405020304" pitchFamily="18" charset="0"/>
-              <a:cs typeface="Times New Roman" panose="02020603050405020304" pitchFamily="18" charset="0"/>
-              <a:sym typeface="+mn-ea"/>
-            </a:endParaRPr>
           </a:p>
           <a:p>
             <a:r>
@@ -5006,10 +4886,6 @@
               </a:rPr>
               <a:t>Feedback Loop: The system lacks an integrated feedback loop to monitor the impact of changes made based on customer input. As a result, there is limited ability to gauge the effectiveness of implemented improvements or make adjustments based on ongoing feedback.</a:t>
             </a:r>
-            <a:endParaRPr lang="en-US" sz="2400" dirty="0">
-              <a:latin typeface="Times New Roman" panose="02020603050405020304" pitchFamily="18" charset="0"/>
-              <a:cs typeface="Times New Roman" panose="02020603050405020304" pitchFamily="18" charset="0"/>
-            </a:endParaRPr>
           </a:p>
           <a:p>
             <a:endParaRPr lang="en-US" dirty="0"/>
@@ -5038,8 +4914,14 @@
               <a:rPr lang="en-US" dirty="0">
                 <a:sym typeface="+mn-ea"/>
               </a:rPr>
-              <a:t>Third Review</a:t>
-            </a:r>
+              <a:t>Final Review</a:t>
+            </a:r>
+            <a:endParaRPr lang="en-IN" dirty="0"/>
+          </a:p>
+          <a:p>
+            <a:pPr>
+              <a:defRPr/>
+            </a:pPr>
             <a:endParaRPr lang="en-US" dirty="0"/>
           </a:p>
         </p:txBody>
@@ -5066,7 +4948,6 @@
               <a:rPr lang="en-US"/>
               <a:t>Department of Artificial Intelligence and Data Science</a:t>
             </a:r>
-            <a:endParaRPr lang="en-US"/>
           </a:p>
         </p:txBody>
       </p:sp>
@@ -5090,6 +4971,7 @@
             </a:pPr>
             <a:fld id="{BDC2143B-610F-499C-A392-DFFBE135A7B2}" type="slidenum">
               <a:rPr lang="en-US" altLang="en-US"/>
+              <a:t>10</a:t>
             </a:fld>
             <a:endParaRPr lang="en-US" altLang="en-US"/>
           </a:p>
@@ -5139,7 +5021,6 @@
               <a:rPr lang="en-US" dirty="0"/>
               <a:t>Drawback of Existing System</a:t>
             </a:r>
-            <a:endParaRPr lang="en-US" dirty="0"/>
           </a:p>
         </p:txBody>
       </p:sp>
@@ -5170,10 +5051,6 @@
               </a:rPr>
               <a:t>The Existing system follows a traditional path,which greatly lacks in interaction level </a:t>
             </a:r>
-            <a:endParaRPr lang="en-US" sz="2400" dirty="0">
-              <a:latin typeface="Times New Roman" panose="02020603050405020304" pitchFamily="18" charset="0"/>
-              <a:cs typeface="Times New Roman" panose="02020603050405020304" pitchFamily="18" charset="0"/>
-            </a:endParaRPr>
           </a:p>
           <a:p>
             <a:r>
@@ -5183,10 +5060,6 @@
               </a:rPr>
               <a:t>Lack of integration leads to incomplete and fragmented data.</a:t>
             </a:r>
-            <a:endParaRPr lang="en-US" sz="2400" dirty="0">
-              <a:latin typeface="Times New Roman" panose="02020603050405020304" pitchFamily="18" charset="0"/>
-              <a:cs typeface="Times New Roman" panose="02020603050405020304" pitchFamily="18" charset="0"/>
-            </a:endParaRPr>
           </a:p>
           <a:p>
             <a:r>
@@ -5196,17 +5069,13 @@
               </a:rPr>
               <a:t>Different feedback sources use varied formats and structures, complicating data consolidation and analysis.</a:t>
             </a:r>
+          </a:p>
+          <a:p>
             <a:endParaRPr lang="en-US" sz="2400" dirty="0">
               <a:latin typeface="Times New Roman" panose="02020603050405020304" pitchFamily="18" charset="0"/>
               <a:cs typeface="Times New Roman" panose="02020603050405020304" pitchFamily="18" charset="0"/>
             </a:endParaRPr>
           </a:p>
-          <a:p>
-            <a:endParaRPr lang="en-US" sz="2400" dirty="0">
-              <a:latin typeface="Times New Roman" panose="02020603050405020304" pitchFamily="18" charset="0"/>
-              <a:cs typeface="Times New Roman" panose="02020603050405020304" pitchFamily="18" charset="0"/>
-            </a:endParaRPr>
-          </a:p>
         </p:txBody>
       </p:sp>
       <p:sp>
@@ -5231,8 +5100,14 @@
               <a:rPr lang="en-US" dirty="0">
                 <a:sym typeface="+mn-ea"/>
               </a:rPr>
-              <a:t>Third Review</a:t>
-            </a:r>
+              <a:t>Final Review</a:t>
+            </a:r>
+            <a:endParaRPr lang="en-IN" dirty="0"/>
+          </a:p>
+          <a:p>
+            <a:pPr>
+              <a:defRPr/>
+            </a:pPr>
             <a:endParaRPr lang="en-US" dirty="0"/>
           </a:p>
         </p:txBody>
@@ -5259,7 +5134,6 @@
               <a:rPr lang="en-US"/>
               <a:t>Department of Artificial Intelligence and Data Science</a:t>
             </a:r>
-            <a:endParaRPr lang="en-US"/>
           </a:p>
         </p:txBody>
       </p:sp>
@@ -5283,6 +5157,7 @@
             </a:pPr>
             <a:fld id="{BDC2143B-610F-499C-A392-DFFBE135A7B2}" type="slidenum">
               <a:rPr lang="en-US" altLang="en-US" smtClean="0"/>
+              <a:t>11</a:t>
             </a:fld>
             <a:endParaRPr lang="en-US" altLang="en-US"/>
           </a:p>
@@ -5336,7 +5211,6 @@
               <a:rPr lang="en-US" altLang="en-IN"/>
               <a:t> </a:t>
             </a:r>
-            <a:endParaRPr lang="en-US" altLang="en-IN"/>
           </a:p>
         </p:txBody>
       </p:sp>
@@ -5362,8 +5236,14 @@
               <a:rPr lang="en-US" dirty="0">
                 <a:sym typeface="+mn-ea"/>
               </a:rPr>
-              <a:t>Third Review</a:t>
-            </a:r>
+              <a:t>Final Review</a:t>
+            </a:r>
+            <a:endParaRPr lang="en-IN" dirty="0"/>
+          </a:p>
+          <a:p>
+            <a:pPr>
+              <a:defRPr/>
+            </a:pPr>
             <a:endParaRPr lang="en-US" dirty="0"/>
           </a:p>
         </p:txBody>
@@ -5390,7 +5270,6 @@
               <a:rPr lang="en-US"/>
               <a:t>Department of Artificial Intelligence and Data Science</a:t>
             </a:r>
-            <a:endParaRPr lang="en-US"/>
           </a:p>
         </p:txBody>
       </p:sp>
@@ -5414,6 +5293,7 @@
             </a:pPr>
             <a:fld id="{BDC2143B-610F-499C-A392-DFFBE135A7B2}" type="slidenum">
               <a:rPr lang="en-US" altLang="en-US"/>
+              <a:t>12</a:t>
             </a:fld>
             <a:endParaRPr lang="en-US" altLang="en-US"/>
           </a:p>
@@ -5533,17 +5413,6 @@
               </a:rPr>
               <a:t>The system helps banks understand and meet customer needs better, leading to happier and more satisfied customers.</a:t>
             </a:r>
-            <a:endParaRPr kumimoji="0" lang="en-US" altLang="en-US" sz="2400" b="0" i="0" u="none" strike="noStrike" cap="none" normalizeH="0" baseline="0" dirty="0">
-              <a:ln>
-                <a:noFill/>
-              </a:ln>
-              <a:solidFill>
-                <a:schemeClr val="tx1"/>
-              </a:solidFill>
-              <a:effectLst/>
-              <a:latin typeface="Times New Roman" panose="02020603050405020304" pitchFamily="18" charset="0"/>
-              <a:cs typeface="Times New Roman" panose="02020603050405020304" pitchFamily="18" charset="0"/>
-            </a:endParaRPr>
           </a:p>
           <a:p>
             <a:pPr marR="0" lvl="0" algn="l" defTabSz="914400" rtl="0" eaLnBrk="0" fontAlgn="base" latinLnBrk="0" hangingPunct="0">
@@ -5602,17 +5471,6 @@
               </a:rPr>
               <a:t>Continuous feedback analysis allows banks to quickly improve and maintain high service standards.</a:t>
             </a:r>
-            <a:endParaRPr kumimoji="0" lang="en-US" altLang="en-US" sz="2400" b="0" i="0" u="none" strike="noStrike" cap="none" normalizeH="0" baseline="0" dirty="0">
-              <a:ln>
-                <a:noFill/>
-              </a:ln>
-              <a:solidFill>
-                <a:schemeClr val="tx1"/>
-              </a:solidFill>
-              <a:effectLst/>
-              <a:latin typeface="Times New Roman" panose="02020603050405020304" pitchFamily="18" charset="0"/>
-              <a:cs typeface="Times New Roman" panose="02020603050405020304" pitchFamily="18" charset="0"/>
-            </a:endParaRPr>
           </a:p>
           <a:p>
             <a:pPr marR="0" lvl="0" algn="l" defTabSz="914400" rtl="0" eaLnBrk="0" fontAlgn="base" latinLnBrk="0" hangingPunct="0">
@@ -5671,17 +5529,6 @@
               </a:rPr>
               <a:t>By using data to offer personalized services, the system helps keep customers loyal and reduces churn.</a:t>
             </a:r>
-            <a:endParaRPr kumimoji="0" lang="en-US" altLang="en-US" sz="2400" b="0" i="0" u="none" strike="noStrike" cap="none" normalizeH="0" baseline="0" dirty="0">
-              <a:ln>
-                <a:noFill/>
-              </a:ln>
-              <a:solidFill>
-                <a:schemeClr val="tx1"/>
-              </a:solidFill>
-              <a:effectLst/>
-              <a:latin typeface="Times New Roman" panose="02020603050405020304" pitchFamily="18" charset="0"/>
-              <a:cs typeface="Times New Roman" panose="02020603050405020304" pitchFamily="18" charset="0"/>
-            </a:endParaRPr>
           </a:p>
           <a:p>
             <a:pPr marR="0" lvl="0" algn="l" defTabSz="914400" rtl="0" eaLnBrk="0" fontAlgn="base" latinLnBrk="0" hangingPunct="0">
@@ -5740,17 +5587,6 @@
               </a:rPr>
               <a:t>Automating processes and analyzing data efficiently saves time, reduces costs, and allows the system to grow with the bank's needs.</a:t>
             </a:r>
-            <a:endParaRPr kumimoji="0" lang="en-US" altLang="en-US" sz="2400" b="0" i="0" u="none" strike="noStrike" cap="none" normalizeH="0" baseline="0" dirty="0">
-              <a:ln>
-                <a:noFill/>
-              </a:ln>
-              <a:solidFill>
-                <a:schemeClr val="tx1"/>
-              </a:solidFill>
-              <a:effectLst/>
-              <a:latin typeface="Times New Roman" panose="02020603050405020304" pitchFamily="18" charset="0"/>
-              <a:cs typeface="Times New Roman" panose="02020603050405020304" pitchFamily="18" charset="0"/>
-            </a:endParaRPr>
           </a:p>
         </p:txBody>
       </p:sp>
@@ -5798,7 +5634,6 @@
               <a:rPr lang="en-IN" altLang="en-US"/>
               <a:t>System Architecture</a:t>
             </a:r>
-            <a:endParaRPr lang="en-IN" altLang="en-US"/>
           </a:p>
         </p:txBody>
       </p:sp>
@@ -5824,8 +5659,14 @@
               <a:rPr lang="en-US" dirty="0">
                 <a:sym typeface="+mn-ea"/>
               </a:rPr>
-              <a:t>Third Review</a:t>
-            </a:r>
+              <a:t>Final Review</a:t>
+            </a:r>
+            <a:endParaRPr lang="en-IN" dirty="0"/>
+          </a:p>
+          <a:p>
+            <a:pPr>
+              <a:defRPr/>
+            </a:pPr>
             <a:endParaRPr lang="en-US" dirty="0"/>
           </a:p>
         </p:txBody>
@@ -5852,7 +5693,6 @@
               <a:rPr lang="en-US"/>
               <a:t>Department of Artificial Intelligence and Data Science</a:t>
             </a:r>
-            <a:endParaRPr lang="en-US"/>
           </a:p>
         </p:txBody>
       </p:sp>
@@ -5876,6 +5716,7 @@
             </a:pPr>
             <a:fld id="{BDC2143B-610F-499C-A392-DFFBE135A7B2}" type="slidenum">
               <a:rPr lang="en-US" altLang="en-US"/>
+              <a:t>13</a:t>
             </a:fld>
             <a:endParaRPr lang="en-US" altLang="en-US"/>
           </a:p>
@@ -5885,14 +5726,14 @@
         <p:nvPicPr>
           <p:cNvPr id="8" name="Content Placeholder 7"/>
           <p:cNvPicPr>
-            <a:picLocks noChangeAspect="1"/>
+            <a:picLocks noGrp="1" noChangeAspect="1"/>
           </p:cNvPicPr>
           <p:nvPr>
             <p:ph idx="1"/>
           </p:nvPr>
         </p:nvPicPr>
         <p:blipFill>
-          <a:blip r:embed="rId1"/>
+          <a:blip r:embed="rId2"/>
           <a:stretch>
             <a:fillRect/>
           </a:stretch>
@@ -5951,7 +5792,6 @@
               <a:rPr lang="en-IN" altLang="en-US"/>
               <a:t>List of modules</a:t>
             </a:r>
-            <a:endParaRPr lang="en-IN" altLang="en-US"/>
           </a:p>
         </p:txBody>
       </p:sp>
@@ -5991,10 +5831,6 @@
               </a:rPr>
               <a:t>Data Preprocessing Module</a:t>
             </a:r>
-            <a:endParaRPr lang="en-IN" sz="2400" dirty="0">
-              <a:latin typeface="Times New Roman" panose="02020603050405020304" pitchFamily="18" charset="0"/>
-              <a:cs typeface="Times New Roman" panose="02020603050405020304" pitchFamily="18" charset="0"/>
-            </a:endParaRPr>
           </a:p>
           <a:p>
             <a:r>
@@ -6004,10 +5840,6 @@
               </a:rPr>
               <a:t>Dimensionality Reduction Module</a:t>
             </a:r>
-            <a:endParaRPr lang="en-IN" sz="2400" dirty="0">
-              <a:latin typeface="Times New Roman" panose="02020603050405020304" pitchFamily="18" charset="0"/>
-              <a:cs typeface="Times New Roman" panose="02020603050405020304" pitchFamily="18" charset="0"/>
-            </a:endParaRPr>
           </a:p>
           <a:p>
             <a:r>
@@ -6017,10 +5849,6 @@
               </a:rPr>
               <a:t>LDA (Latent Dirichlet Allocation) Module</a:t>
             </a:r>
-            <a:endParaRPr lang="en-IN" sz="2400" dirty="0">
-              <a:latin typeface="Times New Roman" panose="02020603050405020304" pitchFamily="18" charset="0"/>
-              <a:cs typeface="Times New Roman" panose="02020603050405020304" pitchFamily="18" charset="0"/>
-            </a:endParaRPr>
           </a:p>
         </p:txBody>
       </p:sp>
@@ -6046,8 +5874,14 @@
               <a:rPr lang="en-US" dirty="0">
                 <a:sym typeface="+mn-ea"/>
               </a:rPr>
-              <a:t>Third Review</a:t>
-            </a:r>
+              <a:t>Final Review</a:t>
+            </a:r>
+            <a:endParaRPr lang="en-IN" dirty="0"/>
+          </a:p>
+          <a:p>
+            <a:pPr>
+              <a:defRPr/>
+            </a:pPr>
             <a:endParaRPr lang="en-US" dirty="0"/>
           </a:p>
         </p:txBody>
@@ -6074,7 +5908,6 @@
               <a:rPr lang="en-US"/>
               <a:t>Department of Artificial Intelligence and Data Science</a:t>
             </a:r>
-            <a:endParaRPr lang="en-US"/>
           </a:p>
         </p:txBody>
       </p:sp>
@@ -6098,6 +5931,7 @@
             </a:pPr>
             <a:fld id="{BDC2143B-610F-499C-A392-DFFBE135A7B2}" type="slidenum">
               <a:rPr lang="en-US" altLang="en-US"/>
+              <a:t>14</a:t>
             </a:fld>
             <a:endParaRPr lang="en-US" altLang="en-US"/>
           </a:p>
@@ -6120,7 +5954,14 @@
         <p:cNvGrpSpPr/>
         <p:nvPr/>
       </p:nvGrpSpPr>
-      <p:grpSpPr/>
+      <p:grpSpPr>
+        <a:xfrm>
+          <a:off x="0" y="0"/>
+          <a:ext cx="0" cy="0"/>
+          <a:chOff x="0" y="0"/>
+          <a:chExt cx="0" cy="0"/>
+        </a:xfrm>
+      </p:grpSpPr>
       <p:sp>
         <p:nvSpPr>
           <p:cNvPr id="2" name="Title 1"/>
@@ -6134,12 +5975,12 @@
         <p:spPr/>
         <p:txBody>
           <a:bodyPr/>
+          <a:lstStyle/>
           <a:p>
             <a:r>
               <a:rPr lang="en-US"/>
               <a:t>DFD for Preprocessing module</a:t>
             </a:r>
-            <a:endParaRPr lang="en-US"/>
           </a:p>
         </p:txBody>
       </p:sp>
@@ -6156,15 +5997,24 @@
         <p:spPr/>
         <p:txBody>
           <a:bodyPr/>
-          <a:p>
-            <a:pPr>
-              <a:defRPr/>
-            </a:pPr>
-            <a:r>
-              <a:rPr lang="en-US"/>
-              <a:t>Zeroth Review</a:t>
-            </a:r>
-            <a:endParaRPr lang="en-US"/>
+          <a:lstStyle/>
+          <a:p>
+            <a:pPr>
+              <a:defRPr/>
+            </a:pPr>
+            <a:r>
+              <a:rPr lang="en-US" dirty="0">
+                <a:sym typeface="+mn-ea"/>
+              </a:rPr>
+              <a:t>Final Review</a:t>
+            </a:r>
+            <a:endParaRPr lang="en-IN" dirty="0"/>
+          </a:p>
+          <a:p>
+            <a:pPr>
+              <a:defRPr/>
+            </a:pPr>
+            <a:endParaRPr lang="en-US" dirty="0"/>
           </a:p>
         </p:txBody>
       </p:sp>
@@ -6181,6 +6031,7 @@
         <p:spPr/>
         <p:txBody>
           <a:bodyPr/>
+          <a:lstStyle/>
           <a:p>
             <a:pPr>
               <a:defRPr/>
@@ -6189,7 +6040,6 @@
               <a:rPr lang="en-US"/>
               <a:t>Department of Artificial Intelligence and Data Science</a:t>
             </a:r>
-            <a:endParaRPr lang="en-US"/>
           </a:p>
         </p:txBody>
       </p:sp>
@@ -6206,12 +6056,14 @@
         <p:spPr/>
         <p:txBody>
           <a:bodyPr/>
+          <a:lstStyle/>
           <a:p>
             <a:pPr>
               <a:defRPr/>
             </a:pPr>
             <a:fld id="{BDC2143B-610F-499C-A392-DFFBE135A7B2}" type="slidenum">
               <a:rPr lang="en-US" altLang="en-US"/>
+              <a:t>15</a:t>
             </a:fld>
             <a:endParaRPr lang="en-US" altLang="en-US"/>
           </a:p>
@@ -6221,14 +6073,14 @@
         <p:nvPicPr>
           <p:cNvPr id="8" name="Content Placeholder 7"/>
           <p:cNvPicPr>
-            <a:picLocks noChangeAspect="1"/>
+            <a:picLocks noGrp="1" noChangeAspect="1"/>
           </p:cNvPicPr>
           <p:nvPr>
             <p:ph idx="1"/>
           </p:nvPr>
         </p:nvPicPr>
         <p:blipFill>
-          <a:blip r:embed="rId1"/>
+          <a:blip r:embed="rId2"/>
           <a:stretch>
             <a:fillRect/>
           </a:stretch>
@@ -6260,7 +6112,14 @@
         <p:cNvGrpSpPr/>
         <p:nvPr/>
       </p:nvGrpSpPr>
-      <p:grpSpPr/>
+      <p:grpSpPr>
+        <a:xfrm>
+          <a:off x="0" y="0"/>
+          <a:ext cx="0" cy="0"/>
+          <a:chOff x="0" y="0"/>
+          <a:chExt cx="0" cy="0"/>
+        </a:xfrm>
+      </p:grpSpPr>
       <p:sp>
         <p:nvSpPr>
           <p:cNvPr id="2" name="Title 1"/>
@@ -6274,12 +6133,12 @@
         <p:spPr/>
         <p:txBody>
           <a:bodyPr/>
+          <a:lstStyle/>
           <a:p>
             <a:r>
               <a:rPr lang="en-US"/>
               <a:t>DFD for NMF Module</a:t>
             </a:r>
-            <a:endParaRPr lang="en-US"/>
           </a:p>
         </p:txBody>
       </p:sp>
@@ -6296,15 +6155,24 @@
         <p:spPr/>
         <p:txBody>
           <a:bodyPr/>
-          <a:p>
-            <a:pPr>
-              <a:defRPr/>
-            </a:pPr>
-            <a:r>
-              <a:rPr lang="en-US"/>
-              <a:t>Zeroth Review</a:t>
-            </a:r>
-            <a:endParaRPr lang="en-US"/>
+          <a:lstStyle/>
+          <a:p>
+            <a:pPr>
+              <a:defRPr/>
+            </a:pPr>
+            <a:r>
+              <a:rPr lang="en-US" dirty="0">
+                <a:sym typeface="+mn-ea"/>
+              </a:rPr>
+              <a:t>Final Review</a:t>
+            </a:r>
+            <a:endParaRPr lang="en-IN" dirty="0"/>
+          </a:p>
+          <a:p>
+            <a:pPr>
+              <a:defRPr/>
+            </a:pPr>
+            <a:endParaRPr lang="en-US" dirty="0"/>
           </a:p>
         </p:txBody>
       </p:sp>
@@ -6321,6 +6189,7 @@
         <p:spPr/>
         <p:txBody>
           <a:bodyPr/>
+          <a:lstStyle/>
           <a:p>
             <a:pPr>
               <a:defRPr/>
@@ -6329,7 +6198,6 @@
               <a:rPr lang="en-US"/>
               <a:t>Department of Artificial Intelligence and Data Science</a:t>
             </a:r>
-            <a:endParaRPr lang="en-US"/>
           </a:p>
         </p:txBody>
       </p:sp>
@@ -6346,12 +6214,14 @@
         <p:spPr/>
         <p:txBody>
           <a:bodyPr/>
+          <a:lstStyle/>
           <a:p>
             <a:pPr>
               <a:defRPr/>
             </a:pPr>
             <a:fld id="{BDC2143B-610F-499C-A392-DFFBE135A7B2}" type="slidenum">
               <a:rPr lang="en-US" altLang="en-US"/>
+              <a:t>16</a:t>
             </a:fld>
             <a:endParaRPr lang="en-US" altLang="en-US"/>
           </a:p>
@@ -6361,14 +6231,14 @@
         <p:nvPicPr>
           <p:cNvPr id="8" name="Content Placeholder 7"/>
           <p:cNvPicPr>
-            <a:picLocks noChangeAspect="1"/>
+            <a:picLocks noGrp="1" noChangeAspect="1"/>
           </p:cNvPicPr>
           <p:nvPr>
             <p:ph idx="1"/>
           </p:nvPr>
         </p:nvPicPr>
         <p:blipFill>
-          <a:blip r:embed="rId1"/>
+          <a:blip r:embed="rId2"/>
           <a:stretch>
             <a:fillRect/>
           </a:stretch>
@@ -6400,7 +6270,14 @@
         <p:cNvGrpSpPr/>
         <p:nvPr/>
       </p:nvGrpSpPr>
-      <p:grpSpPr/>
+      <p:grpSpPr>
+        <a:xfrm>
+          <a:off x="0" y="0"/>
+          <a:ext cx="0" cy="0"/>
+          <a:chOff x="0" y="0"/>
+          <a:chExt cx="0" cy="0"/>
+        </a:xfrm>
+      </p:grpSpPr>
       <p:sp>
         <p:nvSpPr>
           <p:cNvPr id="2" name="Title 1"/>
@@ -6414,12 +6291,12 @@
         <p:spPr/>
         <p:txBody>
           <a:bodyPr/>
+          <a:lstStyle/>
           <a:p>
             <a:r>
               <a:rPr lang="en-US"/>
               <a:t>Algorithm for NMF</a:t>
             </a:r>
-            <a:endParaRPr lang="en-US"/>
           </a:p>
         </p:txBody>
       </p:sp>
@@ -6436,12 +6313,12 @@
         <p:spPr/>
         <p:txBody>
           <a:bodyPr/>
+          <a:lstStyle/>
           <a:p>
             <a:r>
               <a:rPr lang="en-US" sz="2000"/>
               <a:t>Step 1:Receive Text Data as Input</a:t>
             </a:r>
-            <a:endParaRPr lang="en-US" sz="2000"/>
           </a:p>
           <a:p>
             <a:r>
@@ -6454,7 +6331,6 @@
               <a:rPr lang="en-US" sz="2000"/>
               <a:t>Preprocess Text Data from the preprocessing module</a:t>
             </a:r>
-            <a:endParaRPr lang="en-US" sz="2000"/>
           </a:p>
           <a:p>
             <a:r>
@@ -6467,7 +6343,6 @@
               <a:rPr lang="en-US" sz="2000"/>
               <a:t>Convert Text to Document-Term Matrix using in-built Function</a:t>
             </a:r>
-            <a:endParaRPr lang="en-US" sz="2000"/>
           </a:p>
           <a:p>
             <a:r>
@@ -6480,7 +6355,6 @@
               <a:rPr lang="en-US" sz="2000"/>
               <a:t>Initialize NMF Model ,to start the Model</a:t>
             </a:r>
-            <a:endParaRPr lang="en-US" sz="2000"/>
           </a:p>
           <a:p>
             <a:endParaRPr lang="en-US" sz="2000"/>
@@ -6505,7 +6379,6 @@
               <a:rPr lang="en-US" sz="2000"/>
               <a:t>Fit the NMF Model ,execute the model</a:t>
             </a:r>
-            <a:endParaRPr lang="en-US" sz="2000"/>
           </a:p>
           <a:p>
             <a:r>
@@ -6518,7 +6391,6 @@
               <a:rPr lang="en-US" sz="2000"/>
               <a:t>Extract Features</a:t>
             </a:r>
-            <a:endParaRPr lang="en-US" sz="2000"/>
           </a:p>
           <a:p>
             <a:r>
@@ -6531,7 +6403,6 @@
               <a:rPr lang="en-US" sz="2000"/>
               <a:t>Generate Reduced Matrix</a:t>
             </a:r>
-            <a:endParaRPr lang="en-US" sz="2000"/>
           </a:p>
           <a:p>
             <a:pPr marL="0" indent="0">
@@ -6554,15 +6425,24 @@
         <p:spPr/>
         <p:txBody>
           <a:bodyPr/>
-          <a:p>
-            <a:pPr>
-              <a:defRPr/>
-            </a:pPr>
-            <a:r>
-              <a:rPr lang="en-US"/>
-              <a:t>Zeroth Review</a:t>
-            </a:r>
-            <a:endParaRPr lang="en-US"/>
+          <a:lstStyle/>
+          <a:p>
+            <a:pPr>
+              <a:defRPr/>
+            </a:pPr>
+            <a:r>
+              <a:rPr lang="en-US" dirty="0">
+                <a:sym typeface="+mn-ea"/>
+              </a:rPr>
+              <a:t>Final Review</a:t>
+            </a:r>
+            <a:endParaRPr lang="en-IN" dirty="0"/>
+          </a:p>
+          <a:p>
+            <a:pPr>
+              <a:defRPr/>
+            </a:pPr>
+            <a:endParaRPr lang="en-US" dirty="0"/>
           </a:p>
         </p:txBody>
       </p:sp>
@@ -6579,6 +6459,7 @@
         <p:spPr/>
         <p:txBody>
           <a:bodyPr/>
+          <a:lstStyle/>
           <a:p>
             <a:pPr>
               <a:defRPr/>
@@ -6587,7 +6468,6 @@
               <a:rPr lang="en-US"/>
               <a:t>Department of Artificial Intelligence and Data Science</a:t>
             </a:r>
-            <a:endParaRPr lang="en-US"/>
           </a:p>
         </p:txBody>
       </p:sp>
@@ -6604,12 +6484,14 @@
         <p:spPr/>
         <p:txBody>
           <a:bodyPr/>
+          <a:lstStyle/>
           <a:p>
             <a:pPr>
               <a:defRPr/>
             </a:pPr>
             <a:fld id="{BDC2143B-610F-499C-A392-DFFBE135A7B2}" type="slidenum">
               <a:rPr lang="en-US" altLang="en-US"/>
+              <a:t>17</a:t>
             </a:fld>
             <a:endParaRPr lang="en-US" altLang="en-US"/>
           </a:p>
@@ -6624,7 +6506,7 @@
           <p:nvPr/>
         </p:nvPicPr>
         <p:blipFill>
-          <a:blip r:embed="rId1"/>
+          <a:blip r:embed="rId2"/>
           <a:stretch>
             <a:fillRect/>
           </a:stretch>
@@ -6656,7 +6538,14 @@
         <p:cNvGrpSpPr/>
         <p:nvPr/>
       </p:nvGrpSpPr>
-      <p:grpSpPr/>
+      <p:grpSpPr>
+        <a:xfrm>
+          <a:off x="0" y="0"/>
+          <a:ext cx="0" cy="0"/>
+          <a:chOff x="0" y="0"/>
+          <a:chExt cx="0" cy="0"/>
+        </a:xfrm>
+      </p:grpSpPr>
       <p:sp>
         <p:nvSpPr>
           <p:cNvPr id="2" name="Title 1"/>
@@ -6670,12 +6559,12 @@
         <p:spPr/>
         <p:txBody>
           <a:bodyPr/>
+          <a:lstStyle/>
           <a:p>
             <a:r>
               <a:rPr lang="en-US"/>
               <a:t>Output for NMF</a:t>
             </a:r>
-            <a:endParaRPr lang="en-US"/>
           </a:p>
         </p:txBody>
       </p:sp>
@@ -6683,14 +6572,14 @@
         <p:nvPicPr>
           <p:cNvPr id="7" name="Content Placeholder 6"/>
           <p:cNvPicPr>
-            <a:picLocks noChangeAspect="1"/>
+            <a:picLocks noGrp="1" noChangeAspect="1"/>
           </p:cNvPicPr>
           <p:nvPr>
             <p:ph idx="1"/>
           </p:nvPr>
         </p:nvPicPr>
         <p:blipFill>
-          <a:blip r:embed="rId1"/>
+          <a:blip r:embed="rId2"/>
           <a:stretch>
             <a:fillRect/>
           </a:stretch>
@@ -6718,15 +6607,24 @@
         <p:spPr/>
         <p:txBody>
           <a:bodyPr/>
-          <a:p>
-            <a:pPr>
-              <a:defRPr/>
-            </a:pPr>
-            <a:r>
-              <a:rPr lang="en-US"/>
-              <a:t>Zeroth Review</a:t>
-            </a:r>
-            <a:endParaRPr lang="en-US"/>
+          <a:lstStyle/>
+          <a:p>
+            <a:pPr>
+              <a:defRPr/>
+            </a:pPr>
+            <a:r>
+              <a:rPr lang="en-US" dirty="0">
+                <a:sym typeface="+mn-ea"/>
+              </a:rPr>
+              <a:t>Final Review</a:t>
+            </a:r>
+            <a:endParaRPr lang="en-IN" dirty="0"/>
+          </a:p>
+          <a:p>
+            <a:pPr>
+              <a:defRPr/>
+            </a:pPr>
+            <a:endParaRPr lang="en-US" dirty="0"/>
           </a:p>
         </p:txBody>
       </p:sp>
@@ -6743,6 +6641,7 @@
         <p:spPr/>
         <p:txBody>
           <a:bodyPr/>
+          <a:lstStyle/>
           <a:p>
             <a:pPr>
               <a:defRPr/>
@@ -6751,7 +6650,6 @@
               <a:rPr lang="en-US"/>
               <a:t>Department of Artificial Intelligence and Data Science</a:t>
             </a:r>
-            <a:endParaRPr lang="en-US"/>
           </a:p>
         </p:txBody>
       </p:sp>
@@ -6768,12 +6666,14 @@
         <p:spPr/>
         <p:txBody>
           <a:bodyPr/>
+          <a:lstStyle/>
           <a:p>
             <a:pPr>
               <a:defRPr/>
             </a:pPr>
             <a:fld id="{BDC2143B-610F-499C-A392-DFFBE135A7B2}" type="slidenum">
               <a:rPr lang="en-US" altLang="en-US"/>
+              <a:t>18</a:t>
             </a:fld>
             <a:endParaRPr lang="en-US" altLang="en-US"/>
           </a:p>
@@ -6796,7 +6696,14 @@
         <p:cNvGrpSpPr/>
         <p:nvPr/>
       </p:nvGrpSpPr>
-      <p:grpSpPr/>
+      <p:grpSpPr>
+        <a:xfrm>
+          <a:off x="0" y="0"/>
+          <a:ext cx="0" cy="0"/>
+          <a:chOff x="0" y="0"/>
+          <a:chExt cx="0" cy="0"/>
+        </a:xfrm>
+      </p:grpSpPr>
       <p:sp>
         <p:nvSpPr>
           <p:cNvPr id="2" name="Title 1"/>
@@ -6810,6 +6717,7 @@
         <p:spPr/>
         <p:txBody>
           <a:bodyPr/>
+          <a:lstStyle/>
           <a:p>
             <a:r>
               <a:rPr lang="en-US">
@@ -6834,15 +6742,24 @@
         <p:spPr/>
         <p:txBody>
           <a:bodyPr/>
-          <a:p>
-            <a:pPr>
-              <a:defRPr/>
-            </a:pPr>
-            <a:r>
-              <a:rPr lang="en-US"/>
-              <a:t>Zeroth Review</a:t>
-            </a:r>
-            <a:endParaRPr lang="en-US"/>
+          <a:lstStyle/>
+          <a:p>
+            <a:pPr>
+              <a:defRPr/>
+            </a:pPr>
+            <a:r>
+              <a:rPr lang="en-US" dirty="0">
+                <a:sym typeface="+mn-ea"/>
+              </a:rPr>
+              <a:t>Final Review</a:t>
+            </a:r>
+            <a:endParaRPr lang="en-IN" dirty="0"/>
+          </a:p>
+          <a:p>
+            <a:pPr>
+              <a:defRPr/>
+            </a:pPr>
+            <a:endParaRPr lang="en-US" dirty="0"/>
           </a:p>
         </p:txBody>
       </p:sp>
@@ -6859,6 +6776,7 @@
         <p:spPr/>
         <p:txBody>
           <a:bodyPr/>
+          <a:lstStyle/>
           <a:p>
             <a:pPr>
               <a:defRPr/>
@@ -6867,7 +6785,6 @@
               <a:rPr lang="en-US"/>
               <a:t>Department of Artificial Intelligence and Data Science</a:t>
             </a:r>
-            <a:endParaRPr lang="en-US"/>
           </a:p>
         </p:txBody>
       </p:sp>
@@ -6884,12 +6801,14 @@
         <p:spPr/>
         <p:txBody>
           <a:bodyPr/>
+          <a:lstStyle/>
           <a:p>
             <a:pPr>
               <a:defRPr/>
             </a:pPr>
             <a:fld id="{BDC2143B-610F-499C-A392-DFFBE135A7B2}" type="slidenum">
               <a:rPr lang="en-US" altLang="en-US"/>
+              <a:t>19</a:t>
             </a:fld>
             <a:endParaRPr lang="en-US" altLang="en-US"/>
           </a:p>
@@ -6899,14 +6818,14 @@
         <p:nvPicPr>
           <p:cNvPr id="8" name="Content Placeholder 7"/>
           <p:cNvPicPr>
-            <a:picLocks noChangeAspect="1"/>
+            <a:picLocks noGrp="1" noChangeAspect="1"/>
           </p:cNvPicPr>
           <p:nvPr>
             <p:ph idx="1"/>
           </p:nvPr>
         </p:nvPicPr>
         <p:blipFill>
-          <a:blip r:embed="rId1"/>
+          <a:blip r:embed="rId2"/>
           <a:stretch>
             <a:fillRect/>
           </a:stretch>
@@ -6935,7 +6854,7 @@
     <p:bg>
       <p:bgPr>
         <a:blipFill dpi="0" rotWithShape="0">
-          <a:blip r:embed="rId1"/>
+          <a:blip r:embed="rId3"/>
           <a:srcRect/>
           <a:tile tx="0" ty="0" sx="100000" sy="100000" flip="none" algn="tl"/>
         </a:blipFill>
@@ -7037,19 +6956,6 @@
               </a:rPr>
               <a:t>A bank wants to improve customer satisfaction and retention by analyzing customer feedback data. They aim to identify key factors influencing customer experience and prioritize service improvements.</a:t>
             </a:r>
-            <a:endParaRPr kumimoji="0" lang="en-US" altLang="en-US" sz="2400" b="0" i="0" u="none" strike="noStrike" kern="0" cap="none" spc="0" normalizeH="0" baseline="0" noProof="0" dirty="0">
-              <a:ln>
-                <a:noFill/>
-              </a:ln>
-              <a:solidFill>
-                <a:srgbClr val="000000"/>
-              </a:solidFill>
-              <a:effectLst/>
-              <a:uLnTx/>
-              <a:uFillTx/>
-              <a:latin typeface="Times New Roman" panose="02020603050405020304" pitchFamily="18" charset="0"/>
-              <a:cs typeface="Times New Roman" panose="02020603050405020304" pitchFamily="18" charset="0"/>
-            </a:endParaRPr>
           </a:p>
           <a:p>
             <a:pPr marL="0" marR="0" lvl="0" indent="0" algn="l" defTabSz="914400" rtl="0" eaLnBrk="0" fontAlgn="base" latinLnBrk="0" hangingPunct="0">
@@ -7176,7 +7082,7 @@
           <a:p>
             <a:r>
               <a:rPr lang="en-US" dirty="0"/>
-              <a:t>Third Review</a:t>
+              <a:t>Final Review</a:t>
             </a:r>
             <a:endParaRPr lang="en-IN" dirty="0"/>
           </a:p>
@@ -7222,6 +7128,7 @@
           <a:p>
             <a:fld id="{5AB9ECBD-B4DD-40D5-8D24-9ECCDBB1583E}" type="slidenum">
               <a:rPr lang="en-IN" smtClean="0"/>
+              <a:t>2</a:t>
             </a:fld>
             <a:endParaRPr lang="en-IN"/>
           </a:p>
@@ -7247,6 +7154,7 @@
           <a:bodyPr wrap="square" rtlCol="0">
             <a:spAutoFit/>
           </a:bodyPr>
+          <a:lstStyle/>
           <a:p>
             <a:endParaRPr lang="en-US"/>
           </a:p>
@@ -7269,7 +7177,14 @@
         <p:cNvGrpSpPr/>
         <p:nvPr/>
       </p:nvGrpSpPr>
-      <p:grpSpPr/>
+      <p:grpSpPr>
+        <a:xfrm>
+          <a:off x="0" y="0"/>
+          <a:ext cx="0" cy="0"/>
+          <a:chOff x="0" y="0"/>
+          <a:chExt cx="0" cy="0"/>
+        </a:xfrm>
+      </p:grpSpPr>
       <p:sp>
         <p:nvSpPr>
           <p:cNvPr id="2" name="Title 1"/>
@@ -7283,19 +7198,20 @@
         <p:spPr/>
         <p:txBody>
           <a:bodyPr/>
-          <a:p>
-            <a:r>
-              <a:rPr lang="en-US" dirty="0" smtClean="0">
+          <a:lstStyle/>
+          <a:p>
+            <a:r>
+              <a:rPr lang="en-US" dirty="0">
                 <a:sym typeface="+mn-ea"/>
               </a:rPr>
               <a:t>Algorithm of </a:t>
             </a:r>
             <a:r>
-              <a:rPr lang="en-US" dirty="0" smtClean="0"/>
+              <a:rPr lang="en-US" dirty="0"/>
               <a:t>Latent Dirichlet Allocation Modu</a:t>
             </a:r>
             <a:r>
-              <a:rPr lang="en-US" dirty="0" smtClean="0">
+              <a:rPr lang="en-US" dirty="0">
                 <a:sym typeface="+mn-ea"/>
               </a:rPr>
               <a:t>le </a:t>
@@ -7322,12 +7238,12 @@
         </p:spPr>
         <p:txBody>
           <a:bodyPr/>
+          <a:lstStyle/>
           <a:p>
             <a:r>
               <a:rPr lang="en-US" sz="1800"/>
               <a:t>Step-1:Preprocessed Data(Cleaned text and tokens ready for analysis)</a:t>
             </a:r>
-            <a:endParaRPr lang="en-US" sz="1800"/>
           </a:p>
           <a:p>
             <a:endParaRPr lang="en-US" sz="1800"/>
@@ -7343,7 +7259,6 @@
               <a:rPr lang="en-US" sz="1800"/>
               <a:t>LDA Input Preparation(Convert tokens to a document-term matrix)</a:t>
             </a:r>
-            <a:endParaRPr lang="en-US" sz="1800"/>
           </a:p>
           <a:p>
             <a:endParaRPr lang="en-US" sz="1800"/>
@@ -7359,7 +7274,6 @@
               <a:rPr lang="en-US" sz="1800"/>
               <a:t>LDA Topic Modeling(Apply LDA algorithm to identify latent topics)</a:t>
             </a:r>
-            <a:endParaRPr lang="en-US" sz="1800"/>
           </a:p>
           <a:p>
             <a:endParaRPr lang="en-US" sz="1800"/>
@@ -7375,14 +7289,13 @@
               <a:rPr lang="en-US" sz="1800"/>
               <a:t>Topic Distribution per Document(Calculate topic probabilities for each document)</a:t>
             </a:r>
+          </a:p>
+          <a:p>
             <a:endParaRPr lang="en-US" sz="1800"/>
           </a:p>
           <a:p>
             <a:endParaRPr lang="en-US" sz="1800"/>
           </a:p>
-          <a:p>
-            <a:endParaRPr lang="en-US" sz="1800"/>
-          </a:p>
         </p:txBody>
       </p:sp>
       <p:sp>
@@ -7398,15 +7311,24 @@
         <p:spPr/>
         <p:txBody>
           <a:bodyPr/>
-          <a:p>
-            <a:pPr>
-              <a:defRPr/>
-            </a:pPr>
-            <a:r>
-              <a:rPr lang="en-US"/>
-              <a:t>Zeroth Review</a:t>
-            </a:r>
-            <a:endParaRPr lang="en-US"/>
+          <a:lstStyle/>
+          <a:p>
+            <a:pPr>
+              <a:defRPr/>
+            </a:pPr>
+            <a:r>
+              <a:rPr lang="en-US" dirty="0">
+                <a:sym typeface="+mn-ea"/>
+              </a:rPr>
+              <a:t>Final Review</a:t>
+            </a:r>
+            <a:endParaRPr lang="en-IN" dirty="0"/>
+          </a:p>
+          <a:p>
+            <a:pPr>
+              <a:defRPr/>
+            </a:pPr>
+            <a:endParaRPr lang="en-US" dirty="0"/>
           </a:p>
         </p:txBody>
       </p:sp>
@@ -7423,6 +7345,7 @@
         <p:spPr/>
         <p:txBody>
           <a:bodyPr/>
+          <a:lstStyle/>
           <a:p>
             <a:pPr>
               <a:defRPr/>
@@ -7431,7 +7354,6 @@
               <a:rPr lang="en-US"/>
               <a:t>Department of Artificial Intelligence and Data Science</a:t>
             </a:r>
-            <a:endParaRPr lang="en-US"/>
           </a:p>
         </p:txBody>
       </p:sp>
@@ -7448,12 +7370,14 @@
         <p:spPr/>
         <p:txBody>
           <a:bodyPr/>
+          <a:lstStyle/>
           <a:p>
             <a:pPr>
               <a:defRPr/>
             </a:pPr>
             <a:fld id="{BDC2143B-610F-499C-A392-DFFBE135A7B2}" type="slidenum">
               <a:rPr lang="en-US" altLang="en-US"/>
+              <a:t>20</a:t>
             </a:fld>
             <a:endParaRPr lang="en-US" altLang="en-US"/>
           </a:p>
@@ -7468,7 +7392,7 @@
           <p:nvPr/>
         </p:nvPicPr>
         <p:blipFill>
-          <a:blip r:embed="rId1"/>
+          <a:blip r:embed="rId2"/>
           <a:stretch>
             <a:fillRect/>
           </a:stretch>
@@ -7500,7 +7424,14 @@
         <p:cNvGrpSpPr/>
         <p:nvPr/>
       </p:nvGrpSpPr>
-      <p:grpSpPr/>
+      <p:grpSpPr>
+        <a:xfrm>
+          <a:off x="0" y="0"/>
+          <a:ext cx="0" cy="0"/>
+          <a:chOff x="0" y="0"/>
+          <a:chExt cx="0" cy="0"/>
+        </a:xfrm>
+      </p:grpSpPr>
       <p:sp>
         <p:nvSpPr>
           <p:cNvPr id="3" name="Content Placeholder 2"/>
@@ -7514,69 +7445,67 @@
         <p:spPr/>
         <p:txBody>
           <a:bodyPr/>
+          <a:lstStyle/>
           <a:p>
             <a:r>
               <a:rPr lang="en-US" sz="1800">
                 <a:sym typeface="+mn-ea"/>
               </a:rPr>
-              <a:t>Step-5:</a:t>
-            </a:r>
+              <a:t>Step-5:Word Distribution per Topic(Extract key terms and their associated probabilities for each topic)</a:t>
+            </a:r>
+            <a:endParaRPr lang="en-US" sz="1800"/>
+          </a:p>
+          <a:p>
+            <a:endParaRPr lang="en-US" sz="1800"/>
+          </a:p>
+          <a:p>
             <a:r>
               <a:rPr lang="en-US" sz="1800">
                 <a:sym typeface="+mn-ea"/>
               </a:rPr>
-              <a:t>Word Distribution per Topic(Extract key terms and their associated probabilities for each topic)</a:t>
+              <a:t>Step-6:Extracted Topics(Output the discovered topics and the corresponding key terms)</a:t>
             </a:r>
             <a:endParaRPr lang="en-US" sz="1800"/>
           </a:p>
           <a:p>
+            <a:pPr marL="0" indent="0">
+              <a:buNone/>
+            </a:pPr>
             <a:endParaRPr lang="en-US" sz="1800"/>
           </a:p>
-          <a:p>
-            <a:r>
-              <a:rPr lang="en-US" sz="1800">
+        </p:txBody>
+      </p:sp>
+      <p:sp>
+        <p:nvSpPr>
+          <p:cNvPr id="4" name="Date Placeholder 3"/>
+          <p:cNvSpPr>
+            <a:spLocks noGrp="1"/>
+          </p:cNvSpPr>
+          <p:nvPr>
+            <p:ph type="dt" sz="half" idx="10"/>
+          </p:nvPr>
+        </p:nvSpPr>
+        <p:spPr/>
+        <p:txBody>
+          <a:bodyPr/>
+          <a:lstStyle/>
+          <a:p>
+            <a:pPr>
+              <a:defRPr/>
+            </a:pPr>
+            <a:r>
+              <a:rPr lang="en-US" dirty="0">
                 <a:sym typeface="+mn-ea"/>
               </a:rPr>
-              <a:t>Step-6:</a:t>
-            </a:r>
-            <a:r>
-              <a:rPr lang="en-US" sz="1800">
-                <a:sym typeface="+mn-ea"/>
-              </a:rPr>
-              <a:t>Extracted Topics(Output the discovered topics and the corresponding key terms)</a:t>
-            </a:r>
-            <a:endParaRPr lang="en-US" sz="1800"/>
-          </a:p>
-          <a:p>
-            <a:pPr marL="0" indent="0">
-              <a:buNone/>
-            </a:pPr>
-            <a:endParaRPr lang="en-US" sz="1800"/>
-          </a:p>
-        </p:txBody>
-      </p:sp>
-      <p:sp>
-        <p:nvSpPr>
-          <p:cNvPr id="4" name="Date Placeholder 3"/>
-          <p:cNvSpPr>
-            <a:spLocks noGrp="1"/>
-          </p:cNvSpPr>
-          <p:nvPr>
-            <p:ph type="dt" sz="half" idx="10"/>
-          </p:nvPr>
-        </p:nvSpPr>
-        <p:spPr/>
-        <p:txBody>
-          <a:bodyPr/>
-          <a:p>
-            <a:pPr>
-              <a:defRPr/>
-            </a:pPr>
-            <a:r>
-              <a:rPr lang="en-US"/>
-              <a:t>Zeroth Review</a:t>
-            </a:r>
-            <a:endParaRPr lang="en-US"/>
+              <a:t>Final Review</a:t>
+            </a:r>
+            <a:endParaRPr lang="en-IN" dirty="0"/>
+          </a:p>
+          <a:p>
+            <a:pPr>
+              <a:defRPr/>
+            </a:pPr>
+            <a:endParaRPr lang="en-US" dirty="0"/>
           </a:p>
         </p:txBody>
       </p:sp>
@@ -7593,6 +7522,7 @@
         <p:spPr/>
         <p:txBody>
           <a:bodyPr/>
+          <a:lstStyle/>
           <a:p>
             <a:pPr>
               <a:defRPr/>
@@ -7601,7 +7531,6 @@
               <a:rPr lang="en-US"/>
               <a:t>Department of Artificial Intelligence and Data Science</a:t>
             </a:r>
-            <a:endParaRPr lang="en-US"/>
           </a:p>
         </p:txBody>
       </p:sp>
@@ -7618,12 +7547,14 @@
         <p:spPr/>
         <p:txBody>
           <a:bodyPr/>
+          <a:lstStyle/>
           <a:p>
             <a:pPr>
               <a:defRPr/>
             </a:pPr>
             <a:fld id="{BDC2143B-610F-499C-A392-DFFBE135A7B2}" type="slidenum">
               <a:rPr lang="en-US" altLang="en-US"/>
+              <a:t>21</a:t>
             </a:fld>
             <a:endParaRPr lang="en-US" altLang="en-US"/>
           </a:p>
@@ -7649,12 +7580,12 @@
           <a:bodyPr wrap="square" rtlCol="0">
             <a:spAutoFit/>
           </a:bodyPr>
+          <a:lstStyle/>
           <a:p>
             <a:r>
               <a:rPr lang="en-US"/>
               <a:t>Contd.</a:t>
             </a:r>
-            <a:endParaRPr lang="en-US"/>
           </a:p>
         </p:txBody>
       </p:sp>
@@ -7675,7 +7606,14 @@
         <p:cNvGrpSpPr/>
         <p:nvPr/>
       </p:nvGrpSpPr>
-      <p:grpSpPr/>
+      <p:grpSpPr>
+        <a:xfrm>
+          <a:off x="0" y="0"/>
+          <a:ext cx="0" cy="0"/>
+          <a:chOff x="0" y="0"/>
+          <a:chExt cx="0" cy="0"/>
+        </a:xfrm>
+      </p:grpSpPr>
       <p:sp>
         <p:nvSpPr>
           <p:cNvPr id="2" name="Title 1"/>
@@ -7689,12 +7627,12 @@
         <p:spPr/>
         <p:txBody>
           <a:bodyPr/>
+          <a:lstStyle/>
           <a:p>
             <a:r>
               <a:rPr lang="en-US"/>
               <a:t>Formulations</a:t>
             </a:r>
-            <a:endParaRPr lang="en-US"/>
           </a:p>
         </p:txBody>
       </p:sp>
@@ -7702,14 +7640,14 @@
         <p:nvPicPr>
           <p:cNvPr id="7" name="Content Placeholder 6"/>
           <p:cNvPicPr>
-            <a:picLocks noChangeAspect="1"/>
+            <a:picLocks noGrp="1" noChangeAspect="1"/>
           </p:cNvPicPr>
           <p:nvPr>
             <p:ph idx="1"/>
           </p:nvPr>
         </p:nvPicPr>
         <p:blipFill>
-          <a:blip r:embed="rId1"/>
+          <a:blip r:embed="rId2"/>
           <a:stretch>
             <a:fillRect/>
           </a:stretch>
@@ -7737,15 +7675,24 @@
         <p:spPr/>
         <p:txBody>
           <a:bodyPr/>
-          <a:p>
-            <a:pPr>
-              <a:defRPr/>
-            </a:pPr>
-            <a:r>
-              <a:rPr lang="en-US"/>
-              <a:t>Zeroth Review</a:t>
-            </a:r>
-            <a:endParaRPr lang="en-US"/>
+          <a:lstStyle/>
+          <a:p>
+            <a:pPr>
+              <a:defRPr/>
+            </a:pPr>
+            <a:r>
+              <a:rPr lang="en-US" dirty="0">
+                <a:sym typeface="+mn-ea"/>
+              </a:rPr>
+              <a:t>Final Review</a:t>
+            </a:r>
+            <a:endParaRPr lang="en-IN" dirty="0"/>
+          </a:p>
+          <a:p>
+            <a:pPr>
+              <a:defRPr/>
+            </a:pPr>
+            <a:endParaRPr lang="en-US" dirty="0"/>
           </a:p>
         </p:txBody>
       </p:sp>
@@ -7762,6 +7709,7 @@
         <p:spPr/>
         <p:txBody>
           <a:bodyPr/>
+          <a:lstStyle/>
           <a:p>
             <a:pPr>
               <a:defRPr/>
@@ -7770,7 +7718,6 @@
               <a:rPr lang="en-US"/>
               <a:t>Department of Artificial Intelligence and Data Science</a:t>
             </a:r>
-            <a:endParaRPr lang="en-US"/>
           </a:p>
         </p:txBody>
       </p:sp>
@@ -7787,12 +7734,14 @@
         <p:spPr/>
         <p:txBody>
           <a:bodyPr/>
+          <a:lstStyle/>
           <a:p>
             <a:pPr>
               <a:defRPr/>
             </a:pPr>
             <a:fld id="{BDC2143B-610F-499C-A392-DFFBE135A7B2}" type="slidenum">
               <a:rPr lang="en-US" altLang="en-US"/>
+              <a:t>22</a:t>
             </a:fld>
             <a:endParaRPr lang="en-US" altLang="en-US"/>
           </a:p>
@@ -7815,7 +7764,14 @@
         <p:cNvGrpSpPr/>
         <p:nvPr/>
       </p:nvGrpSpPr>
-      <p:grpSpPr/>
+      <p:grpSpPr>
+        <a:xfrm>
+          <a:off x="0" y="0"/>
+          <a:ext cx="0" cy="0"/>
+          <a:chOff x="0" y="0"/>
+          <a:chExt cx="0" cy="0"/>
+        </a:xfrm>
+      </p:grpSpPr>
       <p:sp>
         <p:nvSpPr>
           <p:cNvPr id="2" name="Title 1"/>
@@ -7829,12 +7785,12 @@
         <p:spPr/>
         <p:txBody>
           <a:bodyPr/>
-          <a:p>
-            <a:r>
-              <a:rPr lang="en-US"/>
+          <a:lstStyle/>
+          <a:p>
+            <a:r>
+              <a:rPr lang="en-US" dirty="0"/>
               <a:t>Output for LDA</a:t>
             </a:r>
-            <a:endParaRPr lang="en-US"/>
           </a:p>
         </p:txBody>
       </p:sp>
@@ -7842,14 +7798,14 @@
         <p:nvPicPr>
           <p:cNvPr id="7" name="Content Placeholder 6"/>
           <p:cNvPicPr>
-            <a:picLocks noChangeAspect="1"/>
+            <a:picLocks noGrp="1" noChangeAspect="1"/>
           </p:cNvPicPr>
           <p:nvPr>
             <p:ph idx="1"/>
           </p:nvPr>
         </p:nvPicPr>
         <p:blipFill>
-          <a:blip r:embed="rId1"/>
+          <a:blip r:embed="rId2"/>
           <a:stretch>
             <a:fillRect/>
           </a:stretch>
@@ -7877,15 +7833,24 @@
         <p:spPr/>
         <p:txBody>
           <a:bodyPr/>
-          <a:p>
-            <a:pPr>
-              <a:defRPr/>
-            </a:pPr>
-            <a:r>
-              <a:rPr lang="en-US"/>
-              <a:t>Zeroth Review</a:t>
-            </a:r>
-            <a:endParaRPr lang="en-US"/>
+          <a:lstStyle/>
+          <a:p>
+            <a:pPr>
+              <a:defRPr/>
+            </a:pPr>
+            <a:r>
+              <a:rPr lang="en-US" dirty="0">
+                <a:sym typeface="+mn-ea"/>
+              </a:rPr>
+              <a:t>Final Review</a:t>
+            </a:r>
+            <a:endParaRPr lang="en-IN" dirty="0"/>
+          </a:p>
+          <a:p>
+            <a:pPr>
+              <a:defRPr/>
+            </a:pPr>
+            <a:endParaRPr lang="en-US" dirty="0"/>
           </a:p>
         </p:txBody>
       </p:sp>
@@ -7902,6 +7867,7 @@
         <p:spPr/>
         <p:txBody>
           <a:bodyPr/>
+          <a:lstStyle/>
           <a:p>
             <a:pPr>
               <a:defRPr/>
@@ -7910,7 +7876,6 @@
               <a:rPr lang="en-US"/>
               <a:t>Department of Artificial Intelligence and Data Science</a:t>
             </a:r>
-            <a:endParaRPr lang="en-US"/>
           </a:p>
         </p:txBody>
       </p:sp>
@@ -7927,12 +7892,14 @@
         <p:spPr/>
         <p:txBody>
           <a:bodyPr/>
+          <a:lstStyle/>
           <a:p>
             <a:pPr>
               <a:defRPr/>
             </a:pPr>
             <a:fld id="{BDC2143B-610F-499C-A392-DFFBE135A7B2}" type="slidenum">
               <a:rPr lang="en-US" altLang="en-US"/>
+              <a:t>23</a:t>
             </a:fld>
             <a:endParaRPr lang="en-US" altLang="en-US"/>
           </a:p>
@@ -7951,14 +7918,33 @@
   <p:cSld>
     <p:spTree>
       <p:nvGrpSpPr>
-        <p:cNvPr id="1" name=""/>
+        <p:cNvPr id="1" name="">
+          <a:extLst>
+            <a:ext uri="{FF2B5EF4-FFF2-40B4-BE49-F238E27FC236}">
+              <a16:creationId xmlns:a16="http://schemas.microsoft.com/office/drawing/2014/main" id="{E56B8B1D-D45D-5AA5-10A7-9E4F90CC00C8}"/>
+            </a:ext>
+          </a:extLst>
+        </p:cNvPr>
         <p:cNvGrpSpPr/>
         <p:nvPr/>
       </p:nvGrpSpPr>
-      <p:grpSpPr/>
-      <p:sp>
-        <p:nvSpPr>
-          <p:cNvPr id="2" name="Title 1"/>
+      <p:grpSpPr>
+        <a:xfrm>
+          <a:off x="0" y="0"/>
+          <a:ext cx="0" cy="0"/>
+          <a:chOff x="0" y="0"/>
+          <a:chExt cx="0" cy="0"/>
+        </a:xfrm>
+      </p:grpSpPr>
+      <p:sp>
+        <p:nvSpPr>
+          <p:cNvPr id="2" name="Title 1">
+            <a:extLst>
+              <a:ext uri="{FF2B5EF4-FFF2-40B4-BE49-F238E27FC236}">
+                <a16:creationId xmlns:a16="http://schemas.microsoft.com/office/drawing/2014/main" id="{0DB098F3-A0D8-16AB-8A91-5DA8A7D54906}"/>
+              </a:ext>
+            </a:extLst>
+          </p:cNvPr>
           <p:cNvSpPr>
             <a:spLocks noGrp="1"/>
           </p:cNvSpPr>
@@ -7969,93 +7955,64 @@
         <p:spPr/>
         <p:txBody>
           <a:bodyPr/>
-          <a:p>
-            <a:r>
-              <a:rPr lang="en-US">
+          <a:lstStyle/>
+          <a:p>
+            <a:r>
+              <a:rPr lang="en-US" dirty="0"/>
+              <a:t>Output </a:t>
+            </a:r>
+          </a:p>
+        </p:txBody>
+      </p:sp>
+      <p:sp>
+        <p:nvSpPr>
+          <p:cNvPr id="4" name="Date Placeholder 3">
+            <a:extLst>
+              <a:ext uri="{FF2B5EF4-FFF2-40B4-BE49-F238E27FC236}">
+                <a16:creationId xmlns:a16="http://schemas.microsoft.com/office/drawing/2014/main" id="{155FA835-151C-A8CA-AB0F-4EBCF082780B}"/>
+              </a:ext>
+            </a:extLst>
+          </p:cNvPr>
+          <p:cNvSpPr>
+            <a:spLocks noGrp="1"/>
+          </p:cNvSpPr>
+          <p:nvPr>
+            <p:ph type="dt" sz="half" idx="10"/>
+          </p:nvPr>
+        </p:nvSpPr>
+        <p:spPr/>
+        <p:txBody>
+          <a:bodyPr/>
+          <a:lstStyle/>
+          <a:p>
+            <a:pPr>
+              <a:defRPr/>
+            </a:pPr>
+            <a:r>
+              <a:rPr lang="en-US" dirty="0">
                 <a:sym typeface="+mn-ea"/>
               </a:rPr>
-              <a:t>Result and Discussion</a:t>
-            </a:r>
-            <a:endParaRPr lang="en-US"/>
-          </a:p>
-        </p:txBody>
-      </p:sp>
-      <p:sp>
-        <p:nvSpPr>
-          <p:cNvPr id="3" name="Content Placeholder 2"/>
-          <p:cNvSpPr>
-            <a:spLocks noGrp="1"/>
-          </p:cNvSpPr>
-          <p:nvPr>
-            <p:ph idx="1"/>
-          </p:nvPr>
-        </p:nvSpPr>
-        <p:spPr/>
-        <p:txBody>
-          <a:bodyPr/>
-          <a:p>
-            <a:endParaRPr lang="en-US" sz="1800"/>
-          </a:p>
-          <a:p>
-            <a:r>
-              <a:rPr lang="en-US" sz="1800"/>
-              <a:t>The system classified feedback with 90% accuracy, identifying 65% positive, 20% neutral, and 15% negative feedback. The negative feedback highlighted issues like service delays and poor communication.</a:t>
-            </a:r>
-            <a:endParaRPr lang="en-US" sz="1800"/>
-          </a:p>
-          <a:p>
-            <a:endParaRPr lang="en-US" sz="1800"/>
-          </a:p>
-          <a:p>
-            <a:r>
-              <a:rPr lang="en-US" sz="1800"/>
-              <a:t>LDA and NMF revealed 5 major topics: service efficiency, customer support, digital experience, account management, and service accessibility, allowing the bank to target specific areas for improvement.</a:t>
-            </a:r>
-            <a:endParaRPr lang="en-US" sz="1800"/>
-          </a:p>
-          <a:p>
-            <a:pPr marL="0" indent="0">
-              <a:buNone/>
-            </a:pPr>
-            <a:endParaRPr lang="en-US" sz="1800"/>
-          </a:p>
-          <a:p>
-            <a:r>
-              <a:rPr lang="en-US" sz="1800"/>
-              <a:t>After implementing feedback-driven changes, customer satisfaction scores improved by 12%, and customer retention increased by 8%.</a:t>
-            </a:r>
-            <a:endParaRPr lang="en-US" sz="1800"/>
-          </a:p>
-        </p:txBody>
-      </p:sp>
-      <p:sp>
-        <p:nvSpPr>
-          <p:cNvPr id="4" name="Date Placeholder 3"/>
-          <p:cNvSpPr>
-            <a:spLocks noGrp="1"/>
-          </p:cNvSpPr>
-          <p:nvPr>
-            <p:ph type="dt" sz="half" idx="10"/>
-          </p:nvPr>
-        </p:nvSpPr>
-        <p:spPr/>
-        <p:txBody>
-          <a:bodyPr/>
-          <a:p>
-            <a:pPr>
-              <a:defRPr/>
-            </a:pPr>
-            <a:r>
-              <a:rPr lang="en-US"/>
-              <a:t>Zeroth Review</a:t>
-            </a:r>
-            <a:endParaRPr lang="en-US"/>
-          </a:p>
-        </p:txBody>
-      </p:sp>
-      <p:sp>
-        <p:nvSpPr>
-          <p:cNvPr id="5" name="Footer Placeholder 4"/>
+              <a:t>Final Review</a:t>
+            </a:r>
+            <a:endParaRPr lang="en-IN" dirty="0"/>
+          </a:p>
+          <a:p>
+            <a:pPr>
+              <a:defRPr/>
+            </a:pPr>
+            <a:endParaRPr lang="en-US" dirty="0"/>
+          </a:p>
+        </p:txBody>
+      </p:sp>
+      <p:sp>
+        <p:nvSpPr>
+          <p:cNvPr id="5" name="Footer Placeholder 4">
+            <a:extLst>
+              <a:ext uri="{FF2B5EF4-FFF2-40B4-BE49-F238E27FC236}">
+                <a16:creationId xmlns:a16="http://schemas.microsoft.com/office/drawing/2014/main" id="{F13D93C0-409F-1269-FA45-66EACA5E08CF}"/>
+              </a:ext>
+            </a:extLst>
+          </p:cNvPr>
           <p:cNvSpPr>
             <a:spLocks noGrp="1"/>
           </p:cNvSpPr>
@@ -8066,6 +8023,7 @@
         <p:spPr/>
         <p:txBody>
           <a:bodyPr/>
+          <a:lstStyle/>
           <a:p>
             <a:pPr>
               <a:defRPr/>
@@ -8074,13 +8032,18 @@
               <a:rPr lang="en-US"/>
               <a:t>Department of Artificial Intelligence and Data Science</a:t>
             </a:r>
-            <a:endParaRPr lang="en-US"/>
-          </a:p>
-        </p:txBody>
-      </p:sp>
-      <p:sp>
-        <p:nvSpPr>
-          <p:cNvPr id="6" name="Slide Number Placeholder 5"/>
+          </a:p>
+        </p:txBody>
+      </p:sp>
+      <p:sp>
+        <p:nvSpPr>
+          <p:cNvPr id="6" name="Slide Number Placeholder 5">
+            <a:extLst>
+              <a:ext uri="{FF2B5EF4-FFF2-40B4-BE49-F238E27FC236}">
+                <a16:creationId xmlns:a16="http://schemas.microsoft.com/office/drawing/2014/main" id="{B31713ED-A038-3FDE-6ED1-FABE8CFF4A29}"/>
+              </a:ext>
+            </a:extLst>
+          </p:cNvPr>
           <p:cNvSpPr>
             <a:spLocks noGrp="1"/>
           </p:cNvSpPr>
@@ -8091,18 +8054,54 @@
         <p:spPr/>
         <p:txBody>
           <a:bodyPr/>
+          <a:lstStyle/>
           <a:p>
             <a:pPr>
               <a:defRPr/>
             </a:pPr>
             <a:fld id="{BDC2143B-610F-499C-A392-DFFBE135A7B2}" type="slidenum">
               <a:rPr lang="en-US" altLang="en-US"/>
+              <a:t>24</a:t>
             </a:fld>
             <a:endParaRPr lang="en-US" altLang="en-US"/>
           </a:p>
         </p:txBody>
       </p:sp>
+      <p:pic>
+        <p:nvPicPr>
+          <p:cNvPr id="9" name="Content Placeholder 8">
+            <a:extLst>
+              <a:ext uri="{FF2B5EF4-FFF2-40B4-BE49-F238E27FC236}">
+                <a16:creationId xmlns:a16="http://schemas.microsoft.com/office/drawing/2014/main" id="{B8B6BB2F-19B3-4A51-BB89-0EF1E3E013CA}"/>
+              </a:ext>
+            </a:extLst>
+          </p:cNvPr>
+          <p:cNvPicPr>
+            <a:picLocks noGrp="1" noChangeAspect="1"/>
+          </p:cNvPicPr>
+          <p:nvPr>
+            <p:ph idx="1"/>
+          </p:nvPr>
+        </p:nvPicPr>
+        <p:blipFill>
+          <a:blip r:embed="rId2"/>
+          <a:stretch>
+            <a:fillRect/>
+          </a:stretch>
+        </p:blipFill>
+        <p:spPr>
+          <a:xfrm>
+            <a:off x="1628698" y="1752600"/>
+            <a:ext cx="8921903" cy="4267200"/>
+          </a:xfrm>
+        </p:spPr>
+      </p:pic>
     </p:spTree>
+    <p:extLst>
+      <p:ext uri="{BB962C8B-B14F-4D97-AF65-F5344CB8AC3E}">
+        <p14:creationId xmlns:p14="http://schemas.microsoft.com/office/powerpoint/2010/main" val="70867166"/>
+      </p:ext>
+    </p:extLst>
   </p:cSld>
   <p:clrMapOvr>
     <a:masterClrMapping/>
@@ -8115,7 +8114,13 @@
   <p:cSld>
     <p:spTree>
       <p:nvGrpSpPr>
-        <p:cNvPr id="1" name=""/>
+        <p:cNvPr id="1" name="">
+          <a:extLst>
+            <a:ext uri="{FF2B5EF4-FFF2-40B4-BE49-F238E27FC236}">
+              <a16:creationId xmlns:a16="http://schemas.microsoft.com/office/drawing/2014/main" id="{9A9CDA55-8840-0E03-B2B2-7B62B2245846}"/>
+            </a:ext>
+          </a:extLst>
+        </p:cNvPr>
         <p:cNvGrpSpPr/>
         <p:nvPr/>
       </p:nvGrpSpPr>
@@ -8129,7 +8134,13 @@
       </p:grpSpPr>
       <p:sp>
         <p:nvSpPr>
-          <p:cNvPr id="2" name="Title 1"/>
+          <p:cNvPr id="2" name="Title 1">
+            <a:extLst>
+              <a:ext uri="{FF2B5EF4-FFF2-40B4-BE49-F238E27FC236}">
+                <a16:creationId xmlns:a16="http://schemas.microsoft.com/office/drawing/2014/main" id="{12BE88C6-781D-C132-B49C-51BA4FCF2DFF}"/>
+              </a:ext>
+            </a:extLst>
+          </p:cNvPr>
           <p:cNvSpPr>
             <a:spLocks noGrp="1"/>
           </p:cNvSpPr>
@@ -8144,333 +8155,149 @@
           <a:p>
             <a:r>
               <a:rPr lang="en-US" dirty="0"/>
-              <a:t>References.</a:t>
-            </a:r>
+              <a:t>Output </a:t>
+            </a:r>
+          </a:p>
+        </p:txBody>
+      </p:sp>
+      <p:sp>
+        <p:nvSpPr>
+          <p:cNvPr id="4" name="Date Placeholder 3">
+            <a:extLst>
+              <a:ext uri="{FF2B5EF4-FFF2-40B4-BE49-F238E27FC236}">
+                <a16:creationId xmlns:a16="http://schemas.microsoft.com/office/drawing/2014/main" id="{3AA84E61-80F3-5DC2-3B63-6F36506E8FC2}"/>
+              </a:ext>
+            </a:extLst>
+          </p:cNvPr>
+          <p:cNvSpPr>
+            <a:spLocks noGrp="1"/>
+          </p:cNvSpPr>
+          <p:nvPr>
+            <p:ph type="dt" sz="half" idx="10"/>
+          </p:nvPr>
+        </p:nvSpPr>
+        <p:spPr/>
+        <p:txBody>
+          <a:bodyPr/>
+          <a:lstStyle/>
+          <a:p>
+            <a:pPr>
+              <a:defRPr/>
+            </a:pPr>
+            <a:r>
+              <a:rPr lang="en-US" dirty="0">
+                <a:sym typeface="+mn-ea"/>
+              </a:rPr>
+              <a:t>Final Review</a:t>
+            </a:r>
+            <a:endParaRPr lang="en-IN" dirty="0"/>
+          </a:p>
+          <a:p>
+            <a:pPr>
+              <a:defRPr/>
+            </a:pPr>
             <a:endParaRPr lang="en-US" dirty="0"/>
           </a:p>
         </p:txBody>
       </p:sp>
       <p:sp>
         <p:nvSpPr>
-          <p:cNvPr id="3" name="Content Placeholder 2"/>
-          <p:cNvSpPr>
-            <a:spLocks noGrp="1"/>
-          </p:cNvSpPr>
+          <p:cNvPr id="5" name="Footer Placeholder 4">
+            <a:extLst>
+              <a:ext uri="{FF2B5EF4-FFF2-40B4-BE49-F238E27FC236}">
+                <a16:creationId xmlns:a16="http://schemas.microsoft.com/office/drawing/2014/main" id="{56F7A79D-D42F-504A-066F-BF96EA8CCF93}"/>
+              </a:ext>
+            </a:extLst>
+          </p:cNvPr>
+          <p:cNvSpPr>
+            <a:spLocks noGrp="1"/>
+          </p:cNvSpPr>
+          <p:nvPr>
+            <p:ph type="ftr" sz="quarter" idx="11"/>
+          </p:nvPr>
+        </p:nvSpPr>
+        <p:spPr/>
+        <p:txBody>
+          <a:bodyPr/>
+          <a:lstStyle/>
+          <a:p>
+            <a:pPr>
+              <a:defRPr/>
+            </a:pPr>
+            <a:r>
+              <a:rPr lang="en-US"/>
+              <a:t>Department of Artificial Intelligence and Data Science</a:t>
+            </a:r>
+          </a:p>
+        </p:txBody>
+      </p:sp>
+      <p:sp>
+        <p:nvSpPr>
+          <p:cNvPr id="6" name="Slide Number Placeholder 5">
+            <a:extLst>
+              <a:ext uri="{FF2B5EF4-FFF2-40B4-BE49-F238E27FC236}">
+                <a16:creationId xmlns:a16="http://schemas.microsoft.com/office/drawing/2014/main" id="{746BE6E0-A0F2-8C4C-0CD4-89E06726DB11}"/>
+              </a:ext>
+            </a:extLst>
+          </p:cNvPr>
+          <p:cNvSpPr>
+            <a:spLocks noGrp="1"/>
+          </p:cNvSpPr>
+          <p:nvPr>
+            <p:ph type="sldNum" sz="quarter" idx="12"/>
+          </p:nvPr>
+        </p:nvSpPr>
+        <p:spPr/>
+        <p:txBody>
+          <a:bodyPr/>
+          <a:lstStyle/>
+          <a:p>
+            <a:pPr>
+              <a:defRPr/>
+            </a:pPr>
+            <a:fld id="{BDC2143B-610F-499C-A392-DFFBE135A7B2}" type="slidenum">
+              <a:rPr lang="en-US" altLang="en-US"/>
+              <a:t>25</a:t>
+            </a:fld>
+            <a:endParaRPr lang="en-US" altLang="en-US"/>
+          </a:p>
+        </p:txBody>
+      </p:sp>
+      <p:pic>
+        <p:nvPicPr>
+          <p:cNvPr id="8" name="Content Placeholder 7">
+            <a:extLst>
+              <a:ext uri="{FF2B5EF4-FFF2-40B4-BE49-F238E27FC236}">
+                <a16:creationId xmlns:a16="http://schemas.microsoft.com/office/drawing/2014/main" id="{1B51AAEE-95FA-42AD-5C94-5DA060A21C17}"/>
+              </a:ext>
+            </a:extLst>
+          </p:cNvPr>
+          <p:cNvPicPr>
+            <a:picLocks noGrp="1" noChangeAspect="1"/>
+          </p:cNvPicPr>
           <p:nvPr>
             <p:ph idx="1"/>
           </p:nvPr>
-        </p:nvSpPr>
+        </p:nvPicPr>
+        <p:blipFill>
+          <a:blip r:embed="rId2"/>
+          <a:stretch>
+            <a:fillRect/>
+          </a:stretch>
+        </p:blipFill>
         <p:spPr>
           <a:xfrm>
-            <a:off x="755651" y="1903444"/>
-            <a:ext cx="10668000" cy="4116355"/>
+            <a:off x="2031334" y="1752600"/>
+            <a:ext cx="8116631" cy="4267200"/>
           </a:xfrm>
         </p:spPr>
-        <p:txBody>
-          <a:bodyPr/>
-          <a:lstStyle/>
-          <a:p>
-            <a:r>
-              <a:rPr lang="en-US" sz="2400" dirty="0">
-                <a:solidFill>
-                  <a:srgbClr val="000000"/>
-                </a:solidFill>
-                <a:latin typeface="Times New Roman" panose="02020603050405020304" pitchFamily="18" charset="0"/>
-              </a:rPr>
-              <a:t>[</a:t>
-            </a:r>
-            <a:r>
-              <a:rPr lang="en-US" sz="2400">
-                <a:solidFill>
-                  <a:srgbClr val="000000"/>
-                </a:solidFill>
-                <a:latin typeface="Times New Roman" panose="02020603050405020304" pitchFamily="18" charset="0"/>
-              </a:rPr>
-              <a:t>1]</a:t>
-            </a:r>
-            <a:r>
-              <a:rPr lang="en-US" sz="2400" dirty="0">
-                <a:solidFill>
-                  <a:srgbClr val="000000"/>
-                </a:solidFill>
-                <a:latin typeface="Times New Roman" panose="02020603050405020304" pitchFamily="18" charset="0"/>
-              </a:rPr>
-              <a:t> Khan, M.A., and Adil, M. "Impact of Customer Feedback on Service Quality and Customer Satisfaction: A Case of Digital Banking</a:t>
-            </a:r>
-            <a:r>
-              <a:rPr lang="en-US" sz="2400">
-                <a:solidFill>
-                  <a:srgbClr val="000000"/>
-                </a:solidFill>
-                <a:latin typeface="Times New Roman" panose="02020603050405020304" pitchFamily="18" charset="0"/>
-              </a:rPr>
-              <a:t>." </a:t>
-            </a:r>
-            <a:r>
-              <a:rPr lang="en-US" sz="2400" dirty="0">
-                <a:solidFill>
-                  <a:srgbClr val="000000"/>
-                </a:solidFill>
-                <a:latin typeface="Times New Roman" panose="02020603050405020304" pitchFamily="18" charset="0"/>
-              </a:rPr>
-              <a:t>Journal of Financial </a:t>
-            </a:r>
-            <a:r>
-              <a:rPr lang="en-US" sz="2400">
-                <a:solidFill>
-                  <a:srgbClr val="000000"/>
-                </a:solidFill>
-                <a:latin typeface="Times New Roman" panose="02020603050405020304" pitchFamily="18" charset="0"/>
-              </a:rPr>
-              <a:t>Services Marketing</a:t>
-            </a:r>
-            <a:r>
-              <a:rPr lang="en-US" sz="2400" dirty="0">
-                <a:solidFill>
-                  <a:srgbClr val="000000"/>
-                </a:solidFill>
-                <a:latin typeface="Times New Roman" panose="02020603050405020304" pitchFamily="18" charset="0"/>
-              </a:rPr>
-              <a:t>, vol. 27, 2022.</a:t>
-            </a:r>
-            <a:endParaRPr lang="en-US" sz="2400" dirty="0">
-              <a:solidFill>
-                <a:srgbClr val="000000"/>
-              </a:solidFill>
-              <a:latin typeface="Times New Roman" panose="02020603050405020304" pitchFamily="18" charset="0"/>
-            </a:endParaRPr>
-          </a:p>
-          <a:p>
-            <a:r>
-              <a:rPr lang="en-US" sz="2400" dirty="0">
-                <a:solidFill>
-                  <a:srgbClr val="000000"/>
-                </a:solidFill>
-                <a:latin typeface="Times New Roman" panose="02020603050405020304" pitchFamily="18" charset="0"/>
-              </a:rPr>
-              <a:t>[2</a:t>
-            </a:r>
-            <a:r>
-              <a:rPr lang="en-US" sz="2400">
-                <a:solidFill>
-                  <a:srgbClr val="000000"/>
-                </a:solidFill>
-                <a:latin typeface="Times New Roman" panose="02020603050405020304" pitchFamily="18" charset="0"/>
-              </a:rPr>
-              <a:t>] </a:t>
-            </a:r>
-            <a:r>
-              <a:rPr lang="en-US" sz="2400" dirty="0">
-                <a:solidFill>
-                  <a:srgbClr val="000000"/>
-                </a:solidFill>
-                <a:latin typeface="Times New Roman" panose="02020603050405020304" pitchFamily="18" charset="0"/>
-              </a:rPr>
-              <a:t>Gupta, A., and Mukherjee, S. "Sentiment Analysis of Social Media Feedback in Banking Sector: A Machine Learning Approach</a:t>
-            </a:r>
-            <a:r>
-              <a:rPr lang="en-US" sz="2400">
-                <a:solidFill>
-                  <a:srgbClr val="000000"/>
-                </a:solidFill>
-                <a:latin typeface="Times New Roman" panose="02020603050405020304" pitchFamily="18" charset="0"/>
-              </a:rPr>
-              <a:t>." </a:t>
-            </a:r>
-            <a:r>
-              <a:rPr lang="en-US" sz="2400" dirty="0">
-                <a:solidFill>
-                  <a:srgbClr val="000000"/>
-                </a:solidFill>
-                <a:latin typeface="Times New Roman" panose="02020603050405020304" pitchFamily="18" charset="0"/>
-              </a:rPr>
-              <a:t>Journal of </a:t>
-            </a:r>
-            <a:r>
-              <a:rPr lang="en-US" sz="2400">
-                <a:solidFill>
-                  <a:srgbClr val="000000"/>
-                </a:solidFill>
-                <a:latin typeface="Times New Roman" panose="02020603050405020304" pitchFamily="18" charset="0"/>
-              </a:rPr>
-              <a:t>Business Research</a:t>
-            </a:r>
-            <a:r>
-              <a:rPr lang="en-US" sz="2400" dirty="0">
-                <a:solidFill>
-                  <a:srgbClr val="000000"/>
-                </a:solidFill>
-                <a:latin typeface="Times New Roman" panose="02020603050405020304" pitchFamily="18" charset="0"/>
-              </a:rPr>
-              <a:t>, vol. 136, 2021</a:t>
-            </a:r>
-            <a:endParaRPr lang="en-US" sz="2400" dirty="0">
-              <a:solidFill>
-                <a:srgbClr val="000000"/>
-              </a:solidFill>
-              <a:latin typeface="Times New Roman" panose="02020603050405020304" pitchFamily="18" charset="0"/>
-            </a:endParaRPr>
-          </a:p>
-          <a:p>
-            <a:r>
-              <a:rPr lang="en-US" sz="2400" dirty="0">
-                <a:solidFill>
-                  <a:srgbClr val="000000"/>
-                </a:solidFill>
-                <a:latin typeface="Times New Roman" panose="02020603050405020304" pitchFamily="18" charset="0"/>
-              </a:rPr>
-              <a:t>[</a:t>
-            </a:r>
-            <a:r>
-              <a:rPr lang="en-US" sz="2400">
-                <a:solidFill>
-                  <a:srgbClr val="000000"/>
-                </a:solidFill>
-                <a:latin typeface="Times New Roman" panose="02020603050405020304" pitchFamily="18" charset="0"/>
-              </a:rPr>
-              <a:t>3] </a:t>
-            </a:r>
-            <a:r>
-              <a:rPr lang="en-US" sz="2400" dirty="0">
-                <a:solidFill>
-                  <a:srgbClr val="000000"/>
-                </a:solidFill>
-                <a:latin typeface="Times New Roman" panose="02020603050405020304" pitchFamily="18" charset="0"/>
-              </a:rPr>
-              <a:t>Zhang, Y., and Liu, H. "Customer Experience in Mobile Banking: The Role of Trust and Service Quality</a:t>
-            </a:r>
-            <a:r>
-              <a:rPr lang="en-US" sz="2400">
-                <a:solidFill>
-                  <a:srgbClr val="000000"/>
-                </a:solidFill>
-                <a:latin typeface="Times New Roman" panose="02020603050405020304" pitchFamily="18" charset="0"/>
-              </a:rPr>
-              <a:t>." </a:t>
-            </a:r>
-            <a:r>
-              <a:rPr lang="en-US" sz="2400" dirty="0">
-                <a:solidFill>
-                  <a:srgbClr val="000000"/>
-                </a:solidFill>
-                <a:latin typeface="Times New Roman" panose="02020603050405020304" pitchFamily="18" charset="0"/>
-              </a:rPr>
-              <a:t>International Journal of </a:t>
-            </a:r>
-            <a:r>
-              <a:rPr lang="en-US" sz="2400">
-                <a:solidFill>
-                  <a:srgbClr val="000000"/>
-                </a:solidFill>
-                <a:latin typeface="Times New Roman" panose="02020603050405020304" pitchFamily="18" charset="0"/>
-              </a:rPr>
-              <a:t>Bank Marketing</a:t>
-            </a:r>
-            <a:r>
-              <a:rPr lang="en-US" sz="2400" dirty="0">
-                <a:solidFill>
-                  <a:srgbClr val="000000"/>
-                </a:solidFill>
-                <a:latin typeface="Times New Roman" panose="02020603050405020304" pitchFamily="18" charset="0"/>
-              </a:rPr>
-              <a:t>, vol. 40, no. 1, </a:t>
-            </a:r>
-            <a:r>
-              <a:rPr lang="en-US" sz="2400">
-                <a:solidFill>
-                  <a:srgbClr val="000000"/>
-                </a:solidFill>
-                <a:latin typeface="Times New Roman" panose="02020603050405020304" pitchFamily="18" charset="0"/>
-              </a:rPr>
-              <a:t>2022.</a:t>
-            </a:r>
-            <a:endParaRPr lang="en-US" sz="2400" dirty="0">
-              <a:solidFill>
-                <a:srgbClr val="000000"/>
-              </a:solidFill>
-              <a:latin typeface="Times New Roman" panose="02020603050405020304" pitchFamily="18" charset="0"/>
-            </a:endParaRPr>
-          </a:p>
-        </p:txBody>
-      </p:sp>
-      <p:sp>
-        <p:nvSpPr>
-          <p:cNvPr id="4" name="Date Placeholder 3"/>
-          <p:cNvSpPr>
-            <a:spLocks noGrp="1"/>
-          </p:cNvSpPr>
-          <p:nvPr>
-            <p:ph type="dt" sz="half" idx="10"/>
-          </p:nvPr>
-        </p:nvSpPr>
-        <p:spPr/>
-        <p:txBody>
-          <a:bodyPr/>
-          <a:lstStyle/>
-          <a:p>
-            <a:pPr>
-              <a:defRPr/>
-            </a:pPr>
-            <a:r>
-              <a:rPr lang="en-US" dirty="0"/>
-              <a:t>Third Review</a:t>
-            </a:r>
-            <a:endParaRPr lang="en-US" dirty="0"/>
-          </a:p>
-        </p:txBody>
-      </p:sp>
-      <p:sp>
-        <p:nvSpPr>
-          <p:cNvPr id="5" name="Footer Placeholder 4"/>
-          <p:cNvSpPr>
-            <a:spLocks noGrp="1"/>
-          </p:cNvSpPr>
-          <p:nvPr>
-            <p:ph type="ftr" sz="quarter" idx="11"/>
-          </p:nvPr>
-        </p:nvSpPr>
-        <p:spPr/>
-        <p:txBody>
-          <a:bodyPr/>
-          <a:lstStyle/>
-          <a:p>
-            <a:pPr>
-              <a:defRPr/>
-            </a:pPr>
-            <a:r>
-              <a:rPr lang="en-US"/>
-              <a:t>Department of Artificial Intelligence and Data Science</a:t>
-            </a:r>
-            <a:endParaRPr lang="en-US"/>
-          </a:p>
-        </p:txBody>
-      </p:sp>
-      <p:sp>
-        <p:nvSpPr>
-          <p:cNvPr id="6" name="Slide Number Placeholder 5"/>
-          <p:cNvSpPr>
-            <a:spLocks noGrp="1"/>
-          </p:cNvSpPr>
-          <p:nvPr>
-            <p:ph type="sldNum" sz="quarter" idx="12"/>
-          </p:nvPr>
-        </p:nvSpPr>
-        <p:spPr/>
-        <p:txBody>
-          <a:bodyPr/>
-          <a:lstStyle/>
-          <a:p>
-            <a:pPr>
-              <a:defRPr/>
-            </a:pPr>
-            <a:fld id="{BDC2143B-610F-499C-A392-DFFBE135A7B2}" type="slidenum">
-              <a:rPr lang="en-US" altLang="en-US" smtClean="0"/>
-            </a:fld>
-            <a:endParaRPr lang="en-US" altLang="en-US"/>
-          </a:p>
-        </p:txBody>
-      </p:sp>
+      </p:pic>
     </p:spTree>
+    <p:extLst>
+      <p:ext uri="{BB962C8B-B14F-4D97-AF65-F5344CB8AC3E}">
+        <p14:creationId xmlns:p14="http://schemas.microsoft.com/office/powerpoint/2010/main" val="2803550171"/>
+      </p:ext>
+    </p:extLst>
   </p:cSld>
   <p:clrMapOvr>
     <a:masterClrMapping/>
@@ -8483,7 +8310,13 @@
   <p:cSld>
     <p:spTree>
       <p:nvGrpSpPr>
-        <p:cNvPr id="1" name=""/>
+        <p:cNvPr id="1" name="">
+          <a:extLst>
+            <a:ext uri="{FF2B5EF4-FFF2-40B4-BE49-F238E27FC236}">
+              <a16:creationId xmlns:a16="http://schemas.microsoft.com/office/drawing/2014/main" id="{49230F85-20D6-E86B-99E8-35C8806F0CBE}"/>
+            </a:ext>
+          </a:extLst>
+        </p:cNvPr>
         <p:cNvGrpSpPr/>
         <p:nvPr/>
       </p:nvGrpSpPr>
@@ -8497,7 +8330,13 @@
       </p:grpSpPr>
       <p:sp>
         <p:nvSpPr>
-          <p:cNvPr id="2" name="Title 1"/>
+          <p:cNvPr id="2" name="Title 1">
+            <a:extLst>
+              <a:ext uri="{FF2B5EF4-FFF2-40B4-BE49-F238E27FC236}">
+                <a16:creationId xmlns:a16="http://schemas.microsoft.com/office/drawing/2014/main" id="{E5583A65-8E34-0FAA-38A1-31AA3FC7A363}"/>
+              </a:ext>
+            </a:extLst>
+          </p:cNvPr>
           <p:cNvSpPr>
             <a:spLocks noGrp="1"/>
           </p:cNvSpPr>
@@ -8505,83 +8344,27 @@
             <p:ph type="title"/>
           </p:nvPr>
         </p:nvSpPr>
-        <p:spPr>
-          <a:xfrm>
-            <a:off x="711200" y="3168074"/>
-            <a:ext cx="10668000" cy="1216025"/>
-          </a:xfrm>
-        </p:spPr>
-        <p:txBody>
-          <a:bodyPr anchor="ctr"/>
-          <a:lstStyle/>
-          <a:p>
-            <a:pPr algn="ctr"/>
-            <a:r>
-              <a:rPr lang="en-IN" altLang="en-US" sz="4000" b="1" dirty="0">
-                <a:solidFill>
-                  <a:srgbClr val="FF0000"/>
-                </a:solidFill>
-              </a:rPr>
-              <a:t>Thank You</a:t>
-            </a:r>
-            <a:endParaRPr lang="en-IN" dirty="0"/>
-          </a:p>
-        </p:txBody>
-      </p:sp>
-      <p:sp>
-        <p:nvSpPr>
-          <p:cNvPr id="3" name="Footer Placeholder 2"/>
-          <p:cNvSpPr>
-            <a:spLocks noGrp="1"/>
-          </p:cNvSpPr>
-          <p:nvPr>
-            <p:ph type="ftr" sz="quarter" idx="11"/>
-          </p:nvPr>
-        </p:nvSpPr>
-        <p:spPr/>
-        <p:txBody>
-          <a:bodyPr/>
-          <a:lstStyle/>
-          <a:p>
-            <a:pPr>
-              <a:defRPr/>
-            </a:pPr>
-            <a:r>
-              <a:rPr lang="en-US"/>
-              <a:t>Department of Artificial Intelligence and Data Science</a:t>
-            </a:r>
-            <a:endParaRPr lang="en-US"/>
-          </a:p>
-        </p:txBody>
-      </p:sp>
-      <p:sp>
-        <p:nvSpPr>
-          <p:cNvPr id="4" name="Slide Number Placeholder 3"/>
-          <p:cNvSpPr>
-            <a:spLocks noGrp="1"/>
-          </p:cNvSpPr>
-          <p:nvPr>
-            <p:ph type="sldNum" sz="quarter" idx="12"/>
-          </p:nvPr>
-        </p:nvSpPr>
-        <p:spPr/>
-        <p:txBody>
-          <a:bodyPr/>
-          <a:lstStyle/>
-          <a:p>
-            <a:pPr>
-              <a:defRPr/>
-            </a:pPr>
-            <a:fld id="{F583B680-F650-469F-A231-392F163461F6}" type="slidenum">
-              <a:rPr lang="en-US" altLang="en-US" smtClean="0"/>
-            </a:fld>
-            <a:endParaRPr lang="en-US" altLang="en-US" dirty="0"/>
-          </a:p>
-        </p:txBody>
-      </p:sp>
-      <p:sp>
-        <p:nvSpPr>
-          <p:cNvPr id="5" name="Date Placeholder 4"/>
+        <p:spPr/>
+        <p:txBody>
+          <a:bodyPr/>
+          <a:lstStyle/>
+          <a:p>
+            <a:r>
+              <a:rPr lang="en-US" dirty="0"/>
+              <a:t>Output </a:t>
+            </a:r>
+          </a:p>
+        </p:txBody>
+      </p:sp>
+      <p:sp>
+        <p:nvSpPr>
+          <p:cNvPr id="4" name="Date Placeholder 3">
+            <a:extLst>
+              <a:ext uri="{FF2B5EF4-FFF2-40B4-BE49-F238E27FC236}">
+                <a16:creationId xmlns:a16="http://schemas.microsoft.com/office/drawing/2014/main" id="{72041F4A-A8E7-D68E-5809-B6AFE5054846}"/>
+              </a:ext>
+            </a:extLst>
+          </p:cNvPr>
           <p:cNvSpPr>
             <a:spLocks noGrp="1"/>
           </p:cNvSpPr>
@@ -8601,13 +8384,704 @@
               <a:rPr lang="en-US" dirty="0">
                 <a:sym typeface="+mn-ea"/>
               </a:rPr>
-              <a:t>Third Review</a:t>
-            </a:r>
+              <a:t>Final Review</a:t>
+            </a:r>
+            <a:endParaRPr lang="en-IN" dirty="0"/>
+          </a:p>
+          <a:p>
+            <a:pPr>
+              <a:defRPr/>
+            </a:pPr>
             <a:endParaRPr lang="en-US" dirty="0"/>
           </a:p>
         </p:txBody>
       </p:sp>
+      <p:sp>
+        <p:nvSpPr>
+          <p:cNvPr id="5" name="Footer Placeholder 4">
+            <a:extLst>
+              <a:ext uri="{FF2B5EF4-FFF2-40B4-BE49-F238E27FC236}">
+                <a16:creationId xmlns:a16="http://schemas.microsoft.com/office/drawing/2014/main" id="{212FE8C8-AE17-A8B0-2EBB-06FDAF4EAB65}"/>
+              </a:ext>
+            </a:extLst>
+          </p:cNvPr>
+          <p:cNvSpPr>
+            <a:spLocks noGrp="1"/>
+          </p:cNvSpPr>
+          <p:nvPr>
+            <p:ph type="ftr" sz="quarter" idx="11"/>
+          </p:nvPr>
+        </p:nvSpPr>
+        <p:spPr/>
+        <p:txBody>
+          <a:bodyPr/>
+          <a:lstStyle/>
+          <a:p>
+            <a:pPr>
+              <a:defRPr/>
+            </a:pPr>
+            <a:r>
+              <a:rPr lang="en-US"/>
+              <a:t>Department of Artificial Intelligence and Data Science</a:t>
+            </a:r>
+          </a:p>
+        </p:txBody>
+      </p:sp>
+      <p:sp>
+        <p:nvSpPr>
+          <p:cNvPr id="6" name="Slide Number Placeholder 5">
+            <a:extLst>
+              <a:ext uri="{FF2B5EF4-FFF2-40B4-BE49-F238E27FC236}">
+                <a16:creationId xmlns:a16="http://schemas.microsoft.com/office/drawing/2014/main" id="{E02C39D0-0385-207E-D6C1-9B4F92309F1C}"/>
+              </a:ext>
+            </a:extLst>
+          </p:cNvPr>
+          <p:cNvSpPr>
+            <a:spLocks noGrp="1"/>
+          </p:cNvSpPr>
+          <p:nvPr>
+            <p:ph type="sldNum" sz="quarter" idx="12"/>
+          </p:nvPr>
+        </p:nvSpPr>
+        <p:spPr/>
+        <p:txBody>
+          <a:bodyPr/>
+          <a:lstStyle/>
+          <a:p>
+            <a:pPr>
+              <a:defRPr/>
+            </a:pPr>
+            <a:fld id="{BDC2143B-610F-499C-A392-DFFBE135A7B2}" type="slidenum">
+              <a:rPr lang="en-US" altLang="en-US"/>
+              <a:t>26</a:t>
+            </a:fld>
+            <a:endParaRPr lang="en-US" altLang="en-US"/>
+          </a:p>
+        </p:txBody>
+      </p:sp>
+      <p:pic>
+        <p:nvPicPr>
+          <p:cNvPr id="8" name="Content Placeholder 7">
+            <a:extLst>
+              <a:ext uri="{FF2B5EF4-FFF2-40B4-BE49-F238E27FC236}">
+                <a16:creationId xmlns:a16="http://schemas.microsoft.com/office/drawing/2014/main" id="{9C0F9F81-5E58-6027-7B9A-2B1EE2EB1296}"/>
+              </a:ext>
+            </a:extLst>
+          </p:cNvPr>
+          <p:cNvPicPr>
+            <a:picLocks noGrp="1" noChangeAspect="1"/>
+          </p:cNvPicPr>
+          <p:nvPr>
+            <p:ph idx="1"/>
+          </p:nvPr>
+        </p:nvPicPr>
+        <p:blipFill>
+          <a:blip r:embed="rId2"/>
+          <a:stretch>
+            <a:fillRect/>
+          </a:stretch>
+        </p:blipFill>
+        <p:spPr>
+          <a:xfrm>
+            <a:off x="1885976" y="1752600"/>
+            <a:ext cx="8407347" cy="4267200"/>
+          </a:xfrm>
+        </p:spPr>
+      </p:pic>
     </p:spTree>
+    <p:extLst>
+      <p:ext uri="{BB962C8B-B14F-4D97-AF65-F5344CB8AC3E}">
+        <p14:creationId xmlns:p14="http://schemas.microsoft.com/office/powerpoint/2010/main" val="1460458715"/>
+      </p:ext>
+    </p:extLst>
+  </p:cSld>
+  <p:clrMapOvr>
+    <a:masterClrMapping/>
+  </p:clrMapOvr>
+</p:sld>
+</file>
+
+<file path=ppt/slides/slide27.xml><?xml version="1.0" encoding="utf-8"?>
+<p:sld xmlns:a="http://schemas.openxmlformats.org/drawingml/2006/main" xmlns:r="http://schemas.openxmlformats.org/officeDocument/2006/relationships" xmlns:p="http://schemas.openxmlformats.org/presentationml/2006/main">
+  <p:cSld>
+    <p:spTree>
+      <p:nvGrpSpPr>
+        <p:cNvPr id="1" name="">
+          <a:extLst>
+            <a:ext uri="{FF2B5EF4-FFF2-40B4-BE49-F238E27FC236}">
+              <a16:creationId xmlns:a16="http://schemas.microsoft.com/office/drawing/2014/main" id="{C4FCC828-6BAE-7767-57D9-E44935270CE7}"/>
+            </a:ext>
+          </a:extLst>
+        </p:cNvPr>
+        <p:cNvGrpSpPr/>
+        <p:nvPr/>
+      </p:nvGrpSpPr>
+      <p:grpSpPr>
+        <a:xfrm>
+          <a:off x="0" y="0"/>
+          <a:ext cx="0" cy="0"/>
+          <a:chOff x="0" y="0"/>
+          <a:chExt cx="0" cy="0"/>
+        </a:xfrm>
+      </p:grpSpPr>
+      <p:sp>
+        <p:nvSpPr>
+          <p:cNvPr id="2" name="Title 1">
+            <a:extLst>
+              <a:ext uri="{FF2B5EF4-FFF2-40B4-BE49-F238E27FC236}">
+                <a16:creationId xmlns:a16="http://schemas.microsoft.com/office/drawing/2014/main" id="{B9C93AE4-610B-D660-6B34-3885FEB7C42F}"/>
+              </a:ext>
+            </a:extLst>
+          </p:cNvPr>
+          <p:cNvSpPr>
+            <a:spLocks noGrp="1"/>
+          </p:cNvSpPr>
+          <p:nvPr>
+            <p:ph type="title"/>
+          </p:nvPr>
+        </p:nvSpPr>
+        <p:spPr/>
+        <p:txBody>
+          <a:bodyPr/>
+          <a:lstStyle/>
+          <a:p>
+            <a:r>
+              <a:rPr lang="en-US" dirty="0"/>
+              <a:t>Output </a:t>
+            </a:r>
+          </a:p>
+        </p:txBody>
+      </p:sp>
+      <p:sp>
+        <p:nvSpPr>
+          <p:cNvPr id="4" name="Date Placeholder 3">
+            <a:extLst>
+              <a:ext uri="{FF2B5EF4-FFF2-40B4-BE49-F238E27FC236}">
+                <a16:creationId xmlns:a16="http://schemas.microsoft.com/office/drawing/2014/main" id="{FEC1B98D-EEDC-1B5D-E20F-3863B52AC14C}"/>
+              </a:ext>
+            </a:extLst>
+          </p:cNvPr>
+          <p:cNvSpPr>
+            <a:spLocks noGrp="1"/>
+          </p:cNvSpPr>
+          <p:nvPr>
+            <p:ph type="dt" sz="half" idx="10"/>
+          </p:nvPr>
+        </p:nvSpPr>
+        <p:spPr/>
+        <p:txBody>
+          <a:bodyPr/>
+          <a:lstStyle/>
+          <a:p>
+            <a:pPr>
+              <a:defRPr/>
+            </a:pPr>
+            <a:r>
+              <a:rPr lang="en-US" dirty="0">
+                <a:sym typeface="+mn-ea"/>
+              </a:rPr>
+              <a:t>Final Review</a:t>
+            </a:r>
+            <a:endParaRPr lang="en-IN" dirty="0"/>
+          </a:p>
+          <a:p>
+            <a:pPr>
+              <a:defRPr/>
+            </a:pPr>
+            <a:endParaRPr lang="en-US" dirty="0"/>
+          </a:p>
+        </p:txBody>
+      </p:sp>
+      <p:sp>
+        <p:nvSpPr>
+          <p:cNvPr id="5" name="Footer Placeholder 4">
+            <a:extLst>
+              <a:ext uri="{FF2B5EF4-FFF2-40B4-BE49-F238E27FC236}">
+                <a16:creationId xmlns:a16="http://schemas.microsoft.com/office/drawing/2014/main" id="{AD1CE7C0-A3D9-BFD0-CF92-07CFDF0DD4FF}"/>
+              </a:ext>
+            </a:extLst>
+          </p:cNvPr>
+          <p:cNvSpPr>
+            <a:spLocks noGrp="1"/>
+          </p:cNvSpPr>
+          <p:nvPr>
+            <p:ph type="ftr" sz="quarter" idx="11"/>
+          </p:nvPr>
+        </p:nvSpPr>
+        <p:spPr/>
+        <p:txBody>
+          <a:bodyPr/>
+          <a:lstStyle/>
+          <a:p>
+            <a:pPr>
+              <a:defRPr/>
+            </a:pPr>
+            <a:r>
+              <a:rPr lang="en-US"/>
+              <a:t>Department of Artificial Intelligence and Data Science</a:t>
+            </a:r>
+          </a:p>
+        </p:txBody>
+      </p:sp>
+      <p:sp>
+        <p:nvSpPr>
+          <p:cNvPr id="6" name="Slide Number Placeholder 5">
+            <a:extLst>
+              <a:ext uri="{FF2B5EF4-FFF2-40B4-BE49-F238E27FC236}">
+                <a16:creationId xmlns:a16="http://schemas.microsoft.com/office/drawing/2014/main" id="{30B619F2-835B-CFDF-7526-C20347F18492}"/>
+              </a:ext>
+            </a:extLst>
+          </p:cNvPr>
+          <p:cNvSpPr>
+            <a:spLocks noGrp="1"/>
+          </p:cNvSpPr>
+          <p:nvPr>
+            <p:ph type="sldNum" sz="quarter" idx="12"/>
+          </p:nvPr>
+        </p:nvSpPr>
+        <p:spPr/>
+        <p:txBody>
+          <a:bodyPr/>
+          <a:lstStyle/>
+          <a:p>
+            <a:pPr>
+              <a:defRPr/>
+            </a:pPr>
+            <a:fld id="{BDC2143B-610F-499C-A392-DFFBE135A7B2}" type="slidenum">
+              <a:rPr lang="en-US" altLang="en-US"/>
+              <a:t>27</a:t>
+            </a:fld>
+            <a:endParaRPr lang="en-US" altLang="en-US"/>
+          </a:p>
+        </p:txBody>
+      </p:sp>
+      <p:pic>
+        <p:nvPicPr>
+          <p:cNvPr id="12" name="Content Placeholder 11">
+            <a:extLst>
+              <a:ext uri="{FF2B5EF4-FFF2-40B4-BE49-F238E27FC236}">
+                <a16:creationId xmlns:a16="http://schemas.microsoft.com/office/drawing/2014/main" id="{8E82F098-29B3-FA2D-61AB-A184362A3144}"/>
+              </a:ext>
+            </a:extLst>
+          </p:cNvPr>
+          <p:cNvPicPr>
+            <a:picLocks noGrp="1" noChangeAspect="1"/>
+          </p:cNvPicPr>
+          <p:nvPr>
+            <p:ph idx="1"/>
+          </p:nvPr>
+        </p:nvPicPr>
+        <p:blipFill>
+          <a:blip r:embed="rId2"/>
+          <a:stretch>
+            <a:fillRect/>
+          </a:stretch>
+        </p:blipFill>
+        <p:spPr>
+          <a:xfrm>
+            <a:off x="2063511" y="1752600"/>
+            <a:ext cx="8052278" cy="4267200"/>
+          </a:xfrm>
+        </p:spPr>
+      </p:pic>
+    </p:spTree>
+    <p:extLst>
+      <p:ext uri="{BB962C8B-B14F-4D97-AF65-F5344CB8AC3E}">
+        <p14:creationId xmlns:p14="http://schemas.microsoft.com/office/powerpoint/2010/main" val="2982108338"/>
+      </p:ext>
+    </p:extLst>
+  </p:cSld>
+  <p:clrMapOvr>
+    <a:masterClrMapping/>
+  </p:clrMapOvr>
+</p:sld>
+</file>
+
+<file path=ppt/slides/slide28.xml><?xml version="1.0" encoding="utf-8"?>
+<p:sld xmlns:a="http://schemas.openxmlformats.org/drawingml/2006/main" xmlns:r="http://schemas.openxmlformats.org/officeDocument/2006/relationships" xmlns:p="http://schemas.openxmlformats.org/presentationml/2006/main">
+  <p:cSld>
+    <p:spTree>
+      <p:nvGrpSpPr>
+        <p:cNvPr id="1" name="">
+          <a:extLst>
+            <a:ext uri="{FF2B5EF4-FFF2-40B4-BE49-F238E27FC236}">
+              <a16:creationId xmlns:a16="http://schemas.microsoft.com/office/drawing/2014/main" id="{D31A4449-A49F-FCAB-8CF8-D495D6A5F3F2}"/>
+            </a:ext>
+          </a:extLst>
+        </p:cNvPr>
+        <p:cNvGrpSpPr/>
+        <p:nvPr/>
+      </p:nvGrpSpPr>
+      <p:grpSpPr>
+        <a:xfrm>
+          <a:off x="0" y="0"/>
+          <a:ext cx="0" cy="0"/>
+          <a:chOff x="0" y="0"/>
+          <a:chExt cx="0" cy="0"/>
+        </a:xfrm>
+      </p:grpSpPr>
+      <p:sp>
+        <p:nvSpPr>
+          <p:cNvPr id="2" name="Title 1">
+            <a:extLst>
+              <a:ext uri="{FF2B5EF4-FFF2-40B4-BE49-F238E27FC236}">
+                <a16:creationId xmlns:a16="http://schemas.microsoft.com/office/drawing/2014/main" id="{8AA3B600-3895-78AF-87AC-C0D62FCC6292}"/>
+              </a:ext>
+            </a:extLst>
+          </p:cNvPr>
+          <p:cNvSpPr>
+            <a:spLocks noGrp="1"/>
+          </p:cNvSpPr>
+          <p:nvPr>
+            <p:ph type="title"/>
+          </p:nvPr>
+        </p:nvSpPr>
+        <p:spPr/>
+        <p:txBody>
+          <a:bodyPr/>
+          <a:lstStyle/>
+          <a:p>
+            <a:r>
+              <a:rPr lang="en-US" dirty="0"/>
+              <a:t>Output </a:t>
+            </a:r>
+          </a:p>
+        </p:txBody>
+      </p:sp>
+      <p:sp>
+        <p:nvSpPr>
+          <p:cNvPr id="4" name="Date Placeholder 3">
+            <a:extLst>
+              <a:ext uri="{FF2B5EF4-FFF2-40B4-BE49-F238E27FC236}">
+                <a16:creationId xmlns:a16="http://schemas.microsoft.com/office/drawing/2014/main" id="{B0B33A5B-973D-5D81-7E6D-4F15992CCC80}"/>
+              </a:ext>
+            </a:extLst>
+          </p:cNvPr>
+          <p:cNvSpPr>
+            <a:spLocks noGrp="1"/>
+          </p:cNvSpPr>
+          <p:nvPr>
+            <p:ph type="dt" sz="half" idx="10"/>
+          </p:nvPr>
+        </p:nvSpPr>
+        <p:spPr/>
+        <p:txBody>
+          <a:bodyPr/>
+          <a:lstStyle/>
+          <a:p>
+            <a:pPr>
+              <a:defRPr/>
+            </a:pPr>
+            <a:r>
+              <a:rPr lang="en-US" dirty="0">
+                <a:sym typeface="+mn-ea"/>
+              </a:rPr>
+              <a:t>Final Review</a:t>
+            </a:r>
+            <a:endParaRPr lang="en-IN" dirty="0"/>
+          </a:p>
+          <a:p>
+            <a:pPr>
+              <a:defRPr/>
+            </a:pPr>
+            <a:endParaRPr lang="en-US" dirty="0"/>
+          </a:p>
+        </p:txBody>
+      </p:sp>
+      <p:sp>
+        <p:nvSpPr>
+          <p:cNvPr id="5" name="Footer Placeholder 4">
+            <a:extLst>
+              <a:ext uri="{FF2B5EF4-FFF2-40B4-BE49-F238E27FC236}">
+                <a16:creationId xmlns:a16="http://schemas.microsoft.com/office/drawing/2014/main" id="{E881B851-F8D1-4903-F937-7BC4573FCCD8}"/>
+              </a:ext>
+            </a:extLst>
+          </p:cNvPr>
+          <p:cNvSpPr>
+            <a:spLocks noGrp="1"/>
+          </p:cNvSpPr>
+          <p:nvPr>
+            <p:ph type="ftr" sz="quarter" idx="11"/>
+          </p:nvPr>
+        </p:nvSpPr>
+        <p:spPr/>
+        <p:txBody>
+          <a:bodyPr/>
+          <a:lstStyle/>
+          <a:p>
+            <a:pPr>
+              <a:defRPr/>
+            </a:pPr>
+            <a:r>
+              <a:rPr lang="en-US"/>
+              <a:t>Department of Artificial Intelligence and Data Science</a:t>
+            </a:r>
+          </a:p>
+        </p:txBody>
+      </p:sp>
+      <p:sp>
+        <p:nvSpPr>
+          <p:cNvPr id="6" name="Slide Number Placeholder 5">
+            <a:extLst>
+              <a:ext uri="{FF2B5EF4-FFF2-40B4-BE49-F238E27FC236}">
+                <a16:creationId xmlns:a16="http://schemas.microsoft.com/office/drawing/2014/main" id="{B22B90AD-268A-0564-ACB0-B8DD95C1C07B}"/>
+              </a:ext>
+            </a:extLst>
+          </p:cNvPr>
+          <p:cNvSpPr>
+            <a:spLocks noGrp="1"/>
+          </p:cNvSpPr>
+          <p:nvPr>
+            <p:ph type="sldNum" sz="quarter" idx="12"/>
+          </p:nvPr>
+        </p:nvSpPr>
+        <p:spPr/>
+        <p:txBody>
+          <a:bodyPr/>
+          <a:lstStyle/>
+          <a:p>
+            <a:pPr>
+              <a:defRPr/>
+            </a:pPr>
+            <a:fld id="{BDC2143B-610F-499C-A392-DFFBE135A7B2}" type="slidenum">
+              <a:rPr lang="en-US" altLang="en-US"/>
+              <a:t>28</a:t>
+            </a:fld>
+            <a:endParaRPr lang="en-US" altLang="en-US"/>
+          </a:p>
+        </p:txBody>
+      </p:sp>
+      <p:pic>
+        <p:nvPicPr>
+          <p:cNvPr id="10" name="Content Placeholder 9">
+            <a:extLst>
+              <a:ext uri="{FF2B5EF4-FFF2-40B4-BE49-F238E27FC236}">
+                <a16:creationId xmlns:a16="http://schemas.microsoft.com/office/drawing/2014/main" id="{E46B6163-1DAE-9879-0EB9-C1F52254709B}"/>
+              </a:ext>
+            </a:extLst>
+          </p:cNvPr>
+          <p:cNvPicPr>
+            <a:picLocks noGrp="1" noChangeAspect="1"/>
+          </p:cNvPicPr>
+          <p:nvPr>
+            <p:ph idx="1"/>
+          </p:nvPr>
+        </p:nvPicPr>
+        <p:blipFill>
+          <a:blip r:embed="rId2"/>
+          <a:stretch>
+            <a:fillRect/>
+          </a:stretch>
+        </p:blipFill>
+        <p:spPr>
+          <a:xfrm>
+            <a:off x="2080496" y="1752600"/>
+            <a:ext cx="8018308" cy="4267200"/>
+          </a:xfrm>
+        </p:spPr>
+      </p:pic>
+    </p:spTree>
+    <p:extLst>
+      <p:ext uri="{BB962C8B-B14F-4D97-AF65-F5344CB8AC3E}">
+        <p14:creationId xmlns:p14="http://schemas.microsoft.com/office/powerpoint/2010/main" val="3712510659"/>
+      </p:ext>
+    </p:extLst>
+  </p:cSld>
+  <p:clrMapOvr>
+    <a:masterClrMapping/>
+  </p:clrMapOvr>
+</p:sld>
+</file>
+
+<file path=ppt/slides/slide29.xml><?xml version="1.0" encoding="utf-8"?>
+<p:sld xmlns:a="http://schemas.openxmlformats.org/drawingml/2006/main" xmlns:r="http://schemas.openxmlformats.org/officeDocument/2006/relationships" xmlns:p="http://schemas.openxmlformats.org/presentationml/2006/main">
+  <p:cSld>
+    <p:spTree>
+      <p:nvGrpSpPr>
+        <p:cNvPr id="1" name="">
+          <a:extLst>
+            <a:ext uri="{FF2B5EF4-FFF2-40B4-BE49-F238E27FC236}">
+              <a16:creationId xmlns:a16="http://schemas.microsoft.com/office/drawing/2014/main" id="{34D8628A-B43E-A952-793F-0A131BED7FFF}"/>
+            </a:ext>
+          </a:extLst>
+        </p:cNvPr>
+        <p:cNvGrpSpPr/>
+        <p:nvPr/>
+      </p:nvGrpSpPr>
+      <p:grpSpPr>
+        <a:xfrm>
+          <a:off x="0" y="0"/>
+          <a:ext cx="0" cy="0"/>
+          <a:chOff x="0" y="0"/>
+          <a:chExt cx="0" cy="0"/>
+        </a:xfrm>
+      </p:grpSpPr>
+      <p:sp>
+        <p:nvSpPr>
+          <p:cNvPr id="2" name="Title 1">
+            <a:extLst>
+              <a:ext uri="{FF2B5EF4-FFF2-40B4-BE49-F238E27FC236}">
+                <a16:creationId xmlns:a16="http://schemas.microsoft.com/office/drawing/2014/main" id="{13C8B292-6A1E-F992-83F5-9DE991DAD233}"/>
+              </a:ext>
+            </a:extLst>
+          </p:cNvPr>
+          <p:cNvSpPr>
+            <a:spLocks noGrp="1"/>
+          </p:cNvSpPr>
+          <p:nvPr>
+            <p:ph type="title"/>
+          </p:nvPr>
+        </p:nvSpPr>
+        <p:spPr/>
+        <p:txBody>
+          <a:bodyPr/>
+          <a:lstStyle/>
+          <a:p>
+            <a:r>
+              <a:rPr lang="en-US" dirty="0"/>
+              <a:t>Output </a:t>
+            </a:r>
+          </a:p>
+        </p:txBody>
+      </p:sp>
+      <p:sp>
+        <p:nvSpPr>
+          <p:cNvPr id="4" name="Date Placeholder 3">
+            <a:extLst>
+              <a:ext uri="{FF2B5EF4-FFF2-40B4-BE49-F238E27FC236}">
+                <a16:creationId xmlns:a16="http://schemas.microsoft.com/office/drawing/2014/main" id="{C3CF0970-9FFC-A55D-F2A7-CC84E0399545}"/>
+              </a:ext>
+            </a:extLst>
+          </p:cNvPr>
+          <p:cNvSpPr>
+            <a:spLocks noGrp="1"/>
+          </p:cNvSpPr>
+          <p:nvPr>
+            <p:ph type="dt" sz="half" idx="10"/>
+          </p:nvPr>
+        </p:nvSpPr>
+        <p:spPr/>
+        <p:txBody>
+          <a:bodyPr/>
+          <a:lstStyle/>
+          <a:p>
+            <a:pPr>
+              <a:defRPr/>
+            </a:pPr>
+            <a:r>
+              <a:rPr lang="en-US" dirty="0">
+                <a:sym typeface="+mn-ea"/>
+              </a:rPr>
+              <a:t>Final Review</a:t>
+            </a:r>
+            <a:endParaRPr lang="en-IN" dirty="0"/>
+          </a:p>
+          <a:p>
+            <a:pPr>
+              <a:defRPr/>
+            </a:pPr>
+            <a:endParaRPr lang="en-US" dirty="0"/>
+          </a:p>
+        </p:txBody>
+      </p:sp>
+      <p:sp>
+        <p:nvSpPr>
+          <p:cNvPr id="5" name="Footer Placeholder 4">
+            <a:extLst>
+              <a:ext uri="{FF2B5EF4-FFF2-40B4-BE49-F238E27FC236}">
+                <a16:creationId xmlns:a16="http://schemas.microsoft.com/office/drawing/2014/main" id="{3FDE531E-42A8-8CC6-D2B1-04DA798A5F5A}"/>
+              </a:ext>
+            </a:extLst>
+          </p:cNvPr>
+          <p:cNvSpPr>
+            <a:spLocks noGrp="1"/>
+          </p:cNvSpPr>
+          <p:nvPr>
+            <p:ph type="ftr" sz="quarter" idx="11"/>
+          </p:nvPr>
+        </p:nvSpPr>
+        <p:spPr/>
+        <p:txBody>
+          <a:bodyPr/>
+          <a:lstStyle/>
+          <a:p>
+            <a:pPr>
+              <a:defRPr/>
+            </a:pPr>
+            <a:r>
+              <a:rPr lang="en-US"/>
+              <a:t>Department of Artificial Intelligence and Data Science</a:t>
+            </a:r>
+          </a:p>
+        </p:txBody>
+      </p:sp>
+      <p:sp>
+        <p:nvSpPr>
+          <p:cNvPr id="6" name="Slide Number Placeholder 5">
+            <a:extLst>
+              <a:ext uri="{FF2B5EF4-FFF2-40B4-BE49-F238E27FC236}">
+                <a16:creationId xmlns:a16="http://schemas.microsoft.com/office/drawing/2014/main" id="{B1704E68-95DB-BDA0-B62B-4C9A36FC17C3}"/>
+              </a:ext>
+            </a:extLst>
+          </p:cNvPr>
+          <p:cNvSpPr>
+            <a:spLocks noGrp="1"/>
+          </p:cNvSpPr>
+          <p:nvPr>
+            <p:ph type="sldNum" sz="quarter" idx="12"/>
+          </p:nvPr>
+        </p:nvSpPr>
+        <p:spPr/>
+        <p:txBody>
+          <a:bodyPr/>
+          <a:lstStyle/>
+          <a:p>
+            <a:pPr>
+              <a:defRPr/>
+            </a:pPr>
+            <a:fld id="{BDC2143B-610F-499C-A392-DFFBE135A7B2}" type="slidenum">
+              <a:rPr lang="en-US" altLang="en-US"/>
+              <a:t>29</a:t>
+            </a:fld>
+            <a:endParaRPr lang="en-US" altLang="en-US"/>
+          </a:p>
+        </p:txBody>
+      </p:sp>
+      <p:pic>
+        <p:nvPicPr>
+          <p:cNvPr id="10" name="Content Placeholder 9">
+            <a:extLst>
+              <a:ext uri="{FF2B5EF4-FFF2-40B4-BE49-F238E27FC236}">
+                <a16:creationId xmlns:a16="http://schemas.microsoft.com/office/drawing/2014/main" id="{E2FC9FEF-CD58-9EFC-CEED-2B7D595E1CE9}"/>
+              </a:ext>
+            </a:extLst>
+          </p:cNvPr>
+          <p:cNvPicPr>
+            <a:picLocks noGrp="1" noChangeAspect="1"/>
+          </p:cNvPicPr>
+          <p:nvPr>
+            <p:ph idx="1"/>
+          </p:nvPr>
+        </p:nvPicPr>
+        <p:blipFill>
+          <a:blip r:embed="rId2"/>
+          <a:stretch>
+            <a:fillRect/>
+          </a:stretch>
+        </p:blipFill>
+        <p:spPr>
+          <a:xfrm>
+            <a:off x="1990722" y="1752600"/>
+            <a:ext cx="8197856" cy="4267200"/>
+          </a:xfrm>
+        </p:spPr>
+      </p:pic>
+    </p:spTree>
+    <p:extLst>
+      <p:ext uri="{BB962C8B-B14F-4D97-AF65-F5344CB8AC3E}">
+        <p14:creationId xmlns:p14="http://schemas.microsoft.com/office/powerpoint/2010/main" val="462308477"/>
+      </p:ext>
+    </p:extLst>
   </p:cSld>
   <p:clrMapOvr>
     <a:masterClrMapping/>
@@ -8621,7 +9095,7 @@
     <p:bg>
       <p:bgPr>
         <a:blipFill dpi="0" rotWithShape="0">
-          <a:blip r:embed="rId1"/>
+          <a:blip r:embed="rId3"/>
           <a:srcRect/>
           <a:tile tx="0" ty="0" sx="100000" sy="100000" flip="none" algn="tl"/>
         </a:blipFill>
@@ -8724,20 +9198,6 @@
               </a:rPr>
               <a:t> Identify key factors influencing customer satisfaction through feedback analysis.</a:t>
             </a:r>
-            <a:endParaRPr kumimoji="0" lang="en-US" altLang="en-US" sz="2400" b="0" i="0" u="none" strike="noStrike" kern="0" cap="none" spc="0" normalizeH="0" baseline="0" noProof="0" dirty="0">
-              <a:ln>
-                <a:noFill/>
-              </a:ln>
-              <a:solidFill>
-                <a:srgbClr val="000000"/>
-              </a:solidFill>
-              <a:effectLst/>
-              <a:uLnTx/>
-              <a:uFillTx/>
-              <a:latin typeface="Times New Roman" panose="02020603050405020304" pitchFamily="18" charset="0"/>
-              <a:ea typeface="+mn-ea"/>
-              <a:cs typeface="Times New Roman" panose="02020603050405020304" pitchFamily="18" charset="0"/>
-            </a:endParaRPr>
           </a:p>
           <a:p>
             <a:pPr marL="469900" marR="0" lvl="0" indent="-469900" algn="l" defTabSz="914400" rtl="0" eaLnBrk="0" fontAlgn="base" latinLnBrk="0" hangingPunct="0">
@@ -8775,20 +9235,6 @@
               </a:rPr>
               <a:t>Develop actionable insights to prioritize and implement service improvements for enhanced customer retention.</a:t>
             </a:r>
-            <a:endParaRPr kumimoji="0" lang="en-US" altLang="en-US" sz="2400" b="0" i="0" u="none" strike="noStrike" kern="0" cap="none" spc="0" normalizeH="0" baseline="0" noProof="0" dirty="0">
-              <a:ln>
-                <a:noFill/>
-              </a:ln>
-              <a:solidFill>
-                <a:srgbClr val="000000"/>
-              </a:solidFill>
-              <a:effectLst/>
-              <a:uLnTx/>
-              <a:uFillTx/>
-              <a:latin typeface="Times New Roman" panose="02020603050405020304" pitchFamily="18" charset="0"/>
-              <a:ea typeface="+mn-ea"/>
-              <a:cs typeface="Times New Roman" panose="02020603050405020304" pitchFamily="18" charset="0"/>
-            </a:endParaRPr>
           </a:p>
           <a:p>
             <a:pPr marL="469900" marR="0" lvl="0" indent="-469900" algn="l" defTabSz="914400" rtl="0" eaLnBrk="0" fontAlgn="base" latinLnBrk="0" hangingPunct="0">
@@ -8826,20 +9272,6 @@
               </a:rPr>
               <a:t>Continuously monitor the impact of implemented improvements on customer satisfaction and retention, adjusting strategies as needed.</a:t>
             </a:r>
-            <a:endParaRPr kumimoji="0" lang="en-IN" altLang="en-US" sz="2400" b="0" i="0" u="none" strike="noStrike" kern="0" cap="none" spc="0" normalizeH="0" baseline="0" noProof="0" dirty="0">
-              <a:ln>
-                <a:noFill/>
-              </a:ln>
-              <a:solidFill>
-                <a:srgbClr val="000000"/>
-              </a:solidFill>
-              <a:effectLst/>
-              <a:uLnTx/>
-              <a:uFillTx/>
-              <a:latin typeface="Times New Roman" panose="02020603050405020304" pitchFamily="18" charset="0"/>
-              <a:ea typeface="+mn-ea"/>
-              <a:cs typeface="Times New Roman" panose="02020603050405020304" pitchFamily="18" charset="0"/>
-            </a:endParaRPr>
           </a:p>
           <a:p>
             <a:pPr marL="0" indent="0">
@@ -8871,7 +9303,7 @@
               <a:rPr lang="en-US" dirty="0">
                 <a:sym typeface="+mn-ea"/>
               </a:rPr>
-              <a:t>Third Review</a:t>
+              <a:t>Final Review</a:t>
             </a:r>
             <a:endParaRPr lang="en-IN" dirty="0"/>
           </a:p>
@@ -8917,6 +9349,7 @@
           <a:p>
             <a:fld id="{5AB9ECBD-B4DD-40D5-8D24-9ECCDBB1583E}" type="slidenum">
               <a:rPr lang="en-IN" smtClean="0"/>
+              <a:t>3</a:t>
             </a:fld>
             <a:endParaRPr lang="en-IN"/>
           </a:p>
@@ -8926,6 +9359,693 @@
   </p:cSld>
   <p:clrMapOvr>
     <a:overrideClrMapping bg1="lt1" tx1="dk1" bg2="lt2" tx2="dk2" accent1="accent1" accent2="accent2" accent3="accent3" accent4="accent4" accent5="accent5" accent6="accent6" hlink="hlink" folHlink="folHlink"/>
+  </p:clrMapOvr>
+</p:sld>
+</file>
+
+<file path=ppt/slides/slide30.xml><?xml version="1.0" encoding="utf-8"?>
+<p:sld xmlns:a="http://schemas.openxmlformats.org/drawingml/2006/main" xmlns:r="http://schemas.openxmlformats.org/officeDocument/2006/relationships" xmlns:p="http://schemas.openxmlformats.org/presentationml/2006/main">
+  <p:cSld>
+    <p:spTree>
+      <p:nvGrpSpPr>
+        <p:cNvPr id="1" name=""/>
+        <p:cNvGrpSpPr/>
+        <p:nvPr/>
+      </p:nvGrpSpPr>
+      <p:grpSpPr>
+        <a:xfrm>
+          <a:off x="0" y="0"/>
+          <a:ext cx="0" cy="0"/>
+          <a:chOff x="0" y="0"/>
+          <a:chExt cx="0" cy="0"/>
+        </a:xfrm>
+      </p:grpSpPr>
+      <p:sp>
+        <p:nvSpPr>
+          <p:cNvPr id="2" name="Title 1"/>
+          <p:cNvSpPr>
+            <a:spLocks noGrp="1"/>
+          </p:cNvSpPr>
+          <p:nvPr>
+            <p:ph type="title"/>
+          </p:nvPr>
+        </p:nvSpPr>
+        <p:spPr/>
+        <p:txBody>
+          <a:bodyPr/>
+          <a:lstStyle/>
+          <a:p>
+            <a:r>
+              <a:rPr lang="en-US">
+                <a:sym typeface="+mn-ea"/>
+              </a:rPr>
+              <a:t>Result and Discussion</a:t>
+            </a:r>
+            <a:endParaRPr lang="en-US"/>
+          </a:p>
+        </p:txBody>
+      </p:sp>
+      <p:sp>
+        <p:nvSpPr>
+          <p:cNvPr id="3" name="Content Placeholder 2"/>
+          <p:cNvSpPr>
+            <a:spLocks noGrp="1"/>
+          </p:cNvSpPr>
+          <p:nvPr>
+            <p:ph idx="1"/>
+          </p:nvPr>
+        </p:nvSpPr>
+        <p:spPr/>
+        <p:txBody>
+          <a:bodyPr/>
+          <a:lstStyle/>
+          <a:p>
+            <a:endParaRPr lang="en-US" sz="1800"/>
+          </a:p>
+          <a:p>
+            <a:r>
+              <a:rPr lang="en-US" sz="1800"/>
+              <a:t>The system classified feedback with 90% accuracy, identifying 65% positive, 20% neutral, and 15% negative feedback. The negative feedback highlighted issues like service delays and poor communication.</a:t>
+            </a:r>
+          </a:p>
+          <a:p>
+            <a:endParaRPr lang="en-US" sz="1800"/>
+          </a:p>
+          <a:p>
+            <a:r>
+              <a:rPr lang="en-US" sz="1800"/>
+              <a:t>LDA and NMF revealed 5 major topics: service efficiency, customer support, digital experience, account management, and service accessibility, allowing the bank to target specific areas for improvement.</a:t>
+            </a:r>
+          </a:p>
+          <a:p>
+            <a:pPr marL="0" indent="0">
+              <a:buNone/>
+            </a:pPr>
+            <a:endParaRPr lang="en-US" sz="1800"/>
+          </a:p>
+          <a:p>
+            <a:r>
+              <a:rPr lang="en-US" sz="1800"/>
+              <a:t>After implementing feedback-driven changes, customer satisfaction scores improved by 12%, and customer retention increased by 8%.</a:t>
+            </a:r>
+          </a:p>
+        </p:txBody>
+      </p:sp>
+      <p:sp>
+        <p:nvSpPr>
+          <p:cNvPr id="4" name="Date Placeholder 3"/>
+          <p:cNvSpPr>
+            <a:spLocks noGrp="1"/>
+          </p:cNvSpPr>
+          <p:nvPr>
+            <p:ph type="dt" sz="half" idx="10"/>
+          </p:nvPr>
+        </p:nvSpPr>
+        <p:spPr/>
+        <p:txBody>
+          <a:bodyPr/>
+          <a:lstStyle/>
+          <a:p>
+            <a:pPr>
+              <a:defRPr/>
+            </a:pPr>
+            <a:r>
+              <a:rPr lang="en-US" dirty="0">
+                <a:sym typeface="+mn-ea"/>
+              </a:rPr>
+              <a:t>Final Review</a:t>
+            </a:r>
+            <a:endParaRPr lang="en-IN" dirty="0"/>
+          </a:p>
+          <a:p>
+            <a:pPr>
+              <a:defRPr/>
+            </a:pPr>
+            <a:endParaRPr lang="en-US" dirty="0"/>
+          </a:p>
+        </p:txBody>
+      </p:sp>
+      <p:sp>
+        <p:nvSpPr>
+          <p:cNvPr id="5" name="Footer Placeholder 4"/>
+          <p:cNvSpPr>
+            <a:spLocks noGrp="1"/>
+          </p:cNvSpPr>
+          <p:nvPr>
+            <p:ph type="ftr" sz="quarter" idx="11"/>
+          </p:nvPr>
+        </p:nvSpPr>
+        <p:spPr/>
+        <p:txBody>
+          <a:bodyPr/>
+          <a:lstStyle/>
+          <a:p>
+            <a:pPr>
+              <a:defRPr/>
+            </a:pPr>
+            <a:r>
+              <a:rPr lang="en-US"/>
+              <a:t>Department of Artificial Intelligence and Data Science</a:t>
+            </a:r>
+          </a:p>
+        </p:txBody>
+      </p:sp>
+      <p:sp>
+        <p:nvSpPr>
+          <p:cNvPr id="6" name="Slide Number Placeholder 5"/>
+          <p:cNvSpPr>
+            <a:spLocks noGrp="1"/>
+          </p:cNvSpPr>
+          <p:nvPr>
+            <p:ph type="sldNum" sz="quarter" idx="12"/>
+          </p:nvPr>
+        </p:nvSpPr>
+        <p:spPr/>
+        <p:txBody>
+          <a:bodyPr/>
+          <a:lstStyle/>
+          <a:p>
+            <a:pPr>
+              <a:defRPr/>
+            </a:pPr>
+            <a:fld id="{BDC2143B-610F-499C-A392-DFFBE135A7B2}" type="slidenum">
+              <a:rPr lang="en-US" altLang="en-US"/>
+              <a:t>30</a:t>
+            </a:fld>
+            <a:endParaRPr lang="en-US" altLang="en-US"/>
+          </a:p>
+        </p:txBody>
+      </p:sp>
+    </p:spTree>
+  </p:cSld>
+  <p:clrMapOvr>
+    <a:masterClrMapping/>
+  </p:clrMapOvr>
+</p:sld>
+</file>
+
+<file path=ppt/slides/slide31.xml><?xml version="1.0" encoding="utf-8"?>
+<p:sld xmlns:a="http://schemas.openxmlformats.org/drawingml/2006/main" xmlns:r="http://schemas.openxmlformats.org/officeDocument/2006/relationships" xmlns:p="http://schemas.openxmlformats.org/presentationml/2006/main">
+  <p:cSld>
+    <p:spTree>
+      <p:nvGrpSpPr>
+        <p:cNvPr id="1" name=""/>
+        <p:cNvGrpSpPr/>
+        <p:nvPr/>
+      </p:nvGrpSpPr>
+      <p:grpSpPr>
+        <a:xfrm>
+          <a:off x="0" y="0"/>
+          <a:ext cx="0" cy="0"/>
+          <a:chOff x="0" y="0"/>
+          <a:chExt cx="0" cy="0"/>
+        </a:xfrm>
+      </p:grpSpPr>
+      <p:sp>
+        <p:nvSpPr>
+          <p:cNvPr id="2" name="Title 1"/>
+          <p:cNvSpPr>
+            <a:spLocks noGrp="1"/>
+          </p:cNvSpPr>
+          <p:nvPr>
+            <p:ph type="title"/>
+          </p:nvPr>
+        </p:nvSpPr>
+        <p:spPr/>
+        <p:txBody>
+          <a:bodyPr/>
+          <a:lstStyle/>
+          <a:p>
+            <a:r>
+              <a:rPr lang="en-US" dirty="0"/>
+              <a:t>References.</a:t>
+            </a:r>
+          </a:p>
+        </p:txBody>
+      </p:sp>
+      <p:sp>
+        <p:nvSpPr>
+          <p:cNvPr id="3" name="Content Placeholder 2"/>
+          <p:cNvSpPr>
+            <a:spLocks noGrp="1"/>
+          </p:cNvSpPr>
+          <p:nvPr>
+            <p:ph idx="1"/>
+          </p:nvPr>
+        </p:nvSpPr>
+        <p:spPr>
+          <a:xfrm>
+            <a:off x="755651" y="1903444"/>
+            <a:ext cx="10668000" cy="4116355"/>
+          </a:xfrm>
+        </p:spPr>
+        <p:txBody>
+          <a:bodyPr/>
+          <a:lstStyle/>
+          <a:p>
+            <a:r>
+              <a:rPr lang="en-US" sz="2400" dirty="0">
+                <a:solidFill>
+                  <a:srgbClr val="000000"/>
+                </a:solidFill>
+                <a:latin typeface="Times New Roman" panose="02020603050405020304" pitchFamily="18" charset="0"/>
+              </a:rPr>
+              <a:t>[</a:t>
+            </a:r>
+            <a:r>
+              <a:rPr lang="en-US" sz="2400">
+                <a:solidFill>
+                  <a:srgbClr val="000000"/>
+                </a:solidFill>
+                <a:latin typeface="Times New Roman" panose="02020603050405020304" pitchFamily="18" charset="0"/>
+              </a:rPr>
+              <a:t>1]</a:t>
+            </a:r>
+            <a:r>
+              <a:rPr lang="en-US" sz="2400" dirty="0">
+                <a:solidFill>
+                  <a:srgbClr val="000000"/>
+                </a:solidFill>
+                <a:latin typeface="Times New Roman" panose="02020603050405020304" pitchFamily="18" charset="0"/>
+              </a:rPr>
+              <a:t> Khan, M.A., and Adil, M. "Impact of Customer Feedback on Service Quality and Customer Satisfaction: A Case of Digital Banking</a:t>
+            </a:r>
+            <a:r>
+              <a:rPr lang="en-US" sz="2400">
+                <a:solidFill>
+                  <a:srgbClr val="000000"/>
+                </a:solidFill>
+                <a:latin typeface="Times New Roman" panose="02020603050405020304" pitchFamily="18" charset="0"/>
+              </a:rPr>
+              <a:t>." </a:t>
+            </a:r>
+            <a:r>
+              <a:rPr lang="en-US" sz="2400" dirty="0">
+                <a:solidFill>
+                  <a:srgbClr val="000000"/>
+                </a:solidFill>
+                <a:latin typeface="Times New Roman" panose="02020603050405020304" pitchFamily="18" charset="0"/>
+              </a:rPr>
+              <a:t>Journal of Financial </a:t>
+            </a:r>
+            <a:r>
+              <a:rPr lang="en-US" sz="2400">
+                <a:solidFill>
+                  <a:srgbClr val="000000"/>
+                </a:solidFill>
+                <a:latin typeface="Times New Roman" panose="02020603050405020304" pitchFamily="18" charset="0"/>
+              </a:rPr>
+              <a:t>Services Marketing</a:t>
+            </a:r>
+            <a:r>
+              <a:rPr lang="en-US" sz="2400" dirty="0">
+                <a:solidFill>
+                  <a:srgbClr val="000000"/>
+                </a:solidFill>
+                <a:latin typeface="Times New Roman" panose="02020603050405020304" pitchFamily="18" charset="0"/>
+              </a:rPr>
+              <a:t>, vol. 27, 2022.</a:t>
+            </a:r>
+          </a:p>
+          <a:p>
+            <a:r>
+              <a:rPr lang="en-US" sz="2400" dirty="0">
+                <a:solidFill>
+                  <a:srgbClr val="000000"/>
+                </a:solidFill>
+                <a:latin typeface="Times New Roman" panose="02020603050405020304" pitchFamily="18" charset="0"/>
+              </a:rPr>
+              <a:t>[2</a:t>
+            </a:r>
+            <a:r>
+              <a:rPr lang="en-US" sz="2400">
+                <a:solidFill>
+                  <a:srgbClr val="000000"/>
+                </a:solidFill>
+                <a:latin typeface="Times New Roman" panose="02020603050405020304" pitchFamily="18" charset="0"/>
+              </a:rPr>
+              <a:t>] </a:t>
+            </a:r>
+            <a:r>
+              <a:rPr lang="en-US" sz="2400" dirty="0">
+                <a:solidFill>
+                  <a:srgbClr val="000000"/>
+                </a:solidFill>
+                <a:latin typeface="Times New Roman" panose="02020603050405020304" pitchFamily="18" charset="0"/>
+              </a:rPr>
+              <a:t>Gupta, A., and Mukherjee, S. "Sentiment Analysis of Social Media Feedback in Banking Sector: A Machine Learning Approach</a:t>
+            </a:r>
+            <a:r>
+              <a:rPr lang="en-US" sz="2400">
+                <a:solidFill>
+                  <a:srgbClr val="000000"/>
+                </a:solidFill>
+                <a:latin typeface="Times New Roman" panose="02020603050405020304" pitchFamily="18" charset="0"/>
+              </a:rPr>
+              <a:t>." </a:t>
+            </a:r>
+            <a:r>
+              <a:rPr lang="en-US" sz="2400" dirty="0">
+                <a:solidFill>
+                  <a:srgbClr val="000000"/>
+                </a:solidFill>
+                <a:latin typeface="Times New Roman" panose="02020603050405020304" pitchFamily="18" charset="0"/>
+              </a:rPr>
+              <a:t>Journal of </a:t>
+            </a:r>
+            <a:r>
+              <a:rPr lang="en-US" sz="2400">
+                <a:solidFill>
+                  <a:srgbClr val="000000"/>
+                </a:solidFill>
+                <a:latin typeface="Times New Roman" panose="02020603050405020304" pitchFamily="18" charset="0"/>
+              </a:rPr>
+              <a:t>Business Research</a:t>
+            </a:r>
+            <a:r>
+              <a:rPr lang="en-US" sz="2400" dirty="0">
+                <a:solidFill>
+                  <a:srgbClr val="000000"/>
+                </a:solidFill>
+                <a:latin typeface="Times New Roman" panose="02020603050405020304" pitchFamily="18" charset="0"/>
+              </a:rPr>
+              <a:t>, vol. 136, 2021</a:t>
+            </a:r>
+          </a:p>
+          <a:p>
+            <a:r>
+              <a:rPr lang="en-US" sz="2400" dirty="0">
+                <a:solidFill>
+                  <a:srgbClr val="000000"/>
+                </a:solidFill>
+                <a:latin typeface="Times New Roman" panose="02020603050405020304" pitchFamily="18" charset="0"/>
+              </a:rPr>
+              <a:t>[</a:t>
+            </a:r>
+            <a:r>
+              <a:rPr lang="en-US" sz="2400">
+                <a:solidFill>
+                  <a:srgbClr val="000000"/>
+                </a:solidFill>
+                <a:latin typeface="Times New Roman" panose="02020603050405020304" pitchFamily="18" charset="0"/>
+              </a:rPr>
+              <a:t>3] </a:t>
+            </a:r>
+            <a:r>
+              <a:rPr lang="en-US" sz="2400" dirty="0">
+                <a:solidFill>
+                  <a:srgbClr val="000000"/>
+                </a:solidFill>
+                <a:latin typeface="Times New Roman" panose="02020603050405020304" pitchFamily="18" charset="0"/>
+              </a:rPr>
+              <a:t>Zhang, Y., and Liu, H. "Customer Experience in Mobile Banking: The Role of Trust and Service Quality</a:t>
+            </a:r>
+            <a:r>
+              <a:rPr lang="en-US" sz="2400">
+                <a:solidFill>
+                  <a:srgbClr val="000000"/>
+                </a:solidFill>
+                <a:latin typeface="Times New Roman" panose="02020603050405020304" pitchFamily="18" charset="0"/>
+              </a:rPr>
+              <a:t>." </a:t>
+            </a:r>
+            <a:r>
+              <a:rPr lang="en-US" sz="2400" dirty="0">
+                <a:solidFill>
+                  <a:srgbClr val="000000"/>
+                </a:solidFill>
+                <a:latin typeface="Times New Roman" panose="02020603050405020304" pitchFamily="18" charset="0"/>
+              </a:rPr>
+              <a:t>International Journal of </a:t>
+            </a:r>
+            <a:r>
+              <a:rPr lang="en-US" sz="2400">
+                <a:solidFill>
+                  <a:srgbClr val="000000"/>
+                </a:solidFill>
+                <a:latin typeface="Times New Roman" panose="02020603050405020304" pitchFamily="18" charset="0"/>
+              </a:rPr>
+              <a:t>Bank Marketing</a:t>
+            </a:r>
+            <a:r>
+              <a:rPr lang="en-US" sz="2400" dirty="0">
+                <a:solidFill>
+                  <a:srgbClr val="000000"/>
+                </a:solidFill>
+                <a:latin typeface="Times New Roman" panose="02020603050405020304" pitchFamily="18" charset="0"/>
+              </a:rPr>
+              <a:t>, vol. 40, no. 1, </a:t>
+            </a:r>
+            <a:r>
+              <a:rPr lang="en-US" sz="2400">
+                <a:solidFill>
+                  <a:srgbClr val="000000"/>
+                </a:solidFill>
+                <a:latin typeface="Times New Roman" panose="02020603050405020304" pitchFamily="18" charset="0"/>
+              </a:rPr>
+              <a:t>2022.</a:t>
+            </a:r>
+            <a:endParaRPr lang="en-US" sz="2400" dirty="0">
+              <a:solidFill>
+                <a:srgbClr val="000000"/>
+              </a:solidFill>
+              <a:latin typeface="Times New Roman" panose="02020603050405020304" pitchFamily="18" charset="0"/>
+            </a:endParaRPr>
+          </a:p>
+        </p:txBody>
+      </p:sp>
+      <p:sp>
+        <p:nvSpPr>
+          <p:cNvPr id="4" name="Date Placeholder 3"/>
+          <p:cNvSpPr>
+            <a:spLocks noGrp="1"/>
+          </p:cNvSpPr>
+          <p:nvPr>
+            <p:ph type="dt" sz="half" idx="10"/>
+          </p:nvPr>
+        </p:nvSpPr>
+        <p:spPr/>
+        <p:txBody>
+          <a:bodyPr/>
+          <a:lstStyle/>
+          <a:p>
+            <a:pPr>
+              <a:defRPr/>
+            </a:pPr>
+            <a:r>
+              <a:rPr lang="en-US" dirty="0">
+                <a:sym typeface="+mn-ea"/>
+              </a:rPr>
+              <a:t>Final Review</a:t>
+            </a:r>
+            <a:endParaRPr lang="en-IN" dirty="0"/>
+          </a:p>
+          <a:p>
+            <a:pPr>
+              <a:defRPr/>
+            </a:pPr>
+            <a:endParaRPr lang="en-US" dirty="0"/>
+          </a:p>
+        </p:txBody>
+      </p:sp>
+      <p:sp>
+        <p:nvSpPr>
+          <p:cNvPr id="5" name="Footer Placeholder 4"/>
+          <p:cNvSpPr>
+            <a:spLocks noGrp="1"/>
+          </p:cNvSpPr>
+          <p:nvPr>
+            <p:ph type="ftr" sz="quarter" idx="11"/>
+          </p:nvPr>
+        </p:nvSpPr>
+        <p:spPr/>
+        <p:txBody>
+          <a:bodyPr/>
+          <a:lstStyle/>
+          <a:p>
+            <a:pPr>
+              <a:defRPr/>
+            </a:pPr>
+            <a:r>
+              <a:rPr lang="en-US"/>
+              <a:t>Department of Artificial Intelligence and Data Science</a:t>
+            </a:r>
+          </a:p>
+        </p:txBody>
+      </p:sp>
+      <p:sp>
+        <p:nvSpPr>
+          <p:cNvPr id="6" name="Slide Number Placeholder 5"/>
+          <p:cNvSpPr>
+            <a:spLocks noGrp="1"/>
+          </p:cNvSpPr>
+          <p:nvPr>
+            <p:ph type="sldNum" sz="quarter" idx="12"/>
+          </p:nvPr>
+        </p:nvSpPr>
+        <p:spPr/>
+        <p:txBody>
+          <a:bodyPr/>
+          <a:lstStyle/>
+          <a:p>
+            <a:pPr>
+              <a:defRPr/>
+            </a:pPr>
+            <a:fld id="{BDC2143B-610F-499C-A392-DFFBE135A7B2}" type="slidenum">
+              <a:rPr lang="en-US" altLang="en-US" smtClean="0"/>
+              <a:t>31</a:t>
+            </a:fld>
+            <a:endParaRPr lang="en-US" altLang="en-US"/>
+          </a:p>
+        </p:txBody>
+      </p:sp>
+    </p:spTree>
+  </p:cSld>
+  <p:clrMapOvr>
+    <a:masterClrMapping/>
+  </p:clrMapOvr>
+</p:sld>
+</file>
+
+<file path=ppt/slides/slide32.xml><?xml version="1.0" encoding="utf-8"?>
+<p:sld xmlns:a="http://schemas.openxmlformats.org/drawingml/2006/main" xmlns:r="http://schemas.openxmlformats.org/officeDocument/2006/relationships" xmlns:p="http://schemas.openxmlformats.org/presentationml/2006/main">
+  <p:cSld>
+    <p:spTree>
+      <p:nvGrpSpPr>
+        <p:cNvPr id="1" name=""/>
+        <p:cNvGrpSpPr/>
+        <p:nvPr/>
+      </p:nvGrpSpPr>
+      <p:grpSpPr>
+        <a:xfrm>
+          <a:off x="0" y="0"/>
+          <a:ext cx="0" cy="0"/>
+          <a:chOff x="0" y="0"/>
+          <a:chExt cx="0" cy="0"/>
+        </a:xfrm>
+      </p:grpSpPr>
+      <p:sp>
+        <p:nvSpPr>
+          <p:cNvPr id="2" name="Title 1"/>
+          <p:cNvSpPr>
+            <a:spLocks noGrp="1"/>
+          </p:cNvSpPr>
+          <p:nvPr>
+            <p:ph type="title"/>
+          </p:nvPr>
+        </p:nvSpPr>
+        <p:spPr>
+          <a:xfrm>
+            <a:off x="711200" y="3168074"/>
+            <a:ext cx="10668000" cy="1216025"/>
+          </a:xfrm>
+        </p:spPr>
+        <p:txBody>
+          <a:bodyPr anchor="ctr"/>
+          <a:lstStyle/>
+          <a:p>
+            <a:pPr algn="ctr"/>
+            <a:r>
+              <a:rPr lang="en-IN" altLang="en-US" sz="4000" b="1" dirty="0">
+                <a:solidFill>
+                  <a:srgbClr val="FF0000"/>
+                </a:solidFill>
+              </a:rPr>
+              <a:t>Thank You</a:t>
+            </a:r>
+            <a:endParaRPr lang="en-IN" dirty="0"/>
+          </a:p>
+        </p:txBody>
+      </p:sp>
+      <p:sp>
+        <p:nvSpPr>
+          <p:cNvPr id="3" name="Footer Placeholder 2"/>
+          <p:cNvSpPr>
+            <a:spLocks noGrp="1"/>
+          </p:cNvSpPr>
+          <p:nvPr>
+            <p:ph type="ftr" sz="quarter" idx="11"/>
+          </p:nvPr>
+        </p:nvSpPr>
+        <p:spPr/>
+        <p:txBody>
+          <a:bodyPr/>
+          <a:lstStyle/>
+          <a:p>
+            <a:pPr>
+              <a:defRPr/>
+            </a:pPr>
+            <a:r>
+              <a:rPr lang="en-US"/>
+              <a:t>Department of Artificial Intelligence and Data Science</a:t>
+            </a:r>
+          </a:p>
+        </p:txBody>
+      </p:sp>
+      <p:sp>
+        <p:nvSpPr>
+          <p:cNvPr id="4" name="Slide Number Placeholder 3"/>
+          <p:cNvSpPr>
+            <a:spLocks noGrp="1"/>
+          </p:cNvSpPr>
+          <p:nvPr>
+            <p:ph type="sldNum" sz="quarter" idx="12"/>
+          </p:nvPr>
+        </p:nvSpPr>
+        <p:spPr/>
+        <p:txBody>
+          <a:bodyPr/>
+          <a:lstStyle/>
+          <a:p>
+            <a:pPr>
+              <a:defRPr/>
+            </a:pPr>
+            <a:fld id="{F583B680-F650-469F-A231-392F163461F6}" type="slidenum">
+              <a:rPr lang="en-US" altLang="en-US" smtClean="0"/>
+              <a:t>32</a:t>
+            </a:fld>
+            <a:endParaRPr lang="en-US" altLang="en-US" dirty="0"/>
+          </a:p>
+        </p:txBody>
+      </p:sp>
+      <p:sp>
+        <p:nvSpPr>
+          <p:cNvPr id="5" name="Date Placeholder 4"/>
+          <p:cNvSpPr>
+            <a:spLocks noGrp="1"/>
+          </p:cNvSpPr>
+          <p:nvPr>
+            <p:ph type="dt" sz="half" idx="10"/>
+          </p:nvPr>
+        </p:nvSpPr>
+        <p:spPr/>
+        <p:txBody>
+          <a:bodyPr/>
+          <a:lstStyle/>
+          <a:p>
+            <a:pPr>
+              <a:defRPr/>
+            </a:pPr>
+            <a:r>
+              <a:rPr lang="en-US" dirty="0">
+                <a:sym typeface="+mn-ea"/>
+              </a:rPr>
+              <a:t>Final Review</a:t>
+            </a:r>
+            <a:endParaRPr lang="en-IN" dirty="0"/>
+          </a:p>
+          <a:p>
+            <a:pPr>
+              <a:defRPr/>
+            </a:pPr>
+            <a:endParaRPr lang="en-US" dirty="0"/>
+          </a:p>
+        </p:txBody>
+      </p:sp>
+    </p:spTree>
+  </p:cSld>
+  <p:clrMapOvr>
+    <a:masterClrMapping/>
   </p:clrMapOvr>
 </p:sld>
 </file>
@@ -8936,7 +10056,7 @@
     <p:bg>
       <p:bgPr>
         <a:blipFill dpi="0" rotWithShape="0">
-          <a:blip r:embed="rId1"/>
+          <a:blip r:embed="rId4"/>
           <a:srcRect/>
           <a:tile tx="0" ty="0" sx="100000" sy="100000" flip="none" algn="tl"/>
         </a:blipFill>
@@ -9071,19 +10191,6 @@
               </a:rPr>
               <a:t>In a competitive financial landscape, customer satisfaction and retention are critical for a bank's success. This study aims to enhance these metrics by analyzing customer feedback data. By leveraging qualitative and quantitative data analysis techniques, the research seeks to identify the key factors influencing customer experience. The findings will enable the bank to prioritize service improvements strategically. Through this approach, the bank intends to foster stronger customer relationships, enhance service quality, and ultimately achieve higher customer satisfaction and retention rates.</a:t>
             </a:r>
-            <a:endParaRPr kumimoji="0" lang="en-US" altLang="en-US" sz="2400" b="0" i="0" u="none" strike="noStrike" kern="0" cap="none" spc="0" normalizeH="0" baseline="0" noProof="0" dirty="0">
-              <a:ln>
-                <a:noFill/>
-              </a:ln>
-              <a:solidFill>
-                <a:srgbClr val="000000"/>
-              </a:solidFill>
-              <a:effectLst/>
-              <a:uLnTx/>
-              <a:uFillTx/>
-              <a:latin typeface="Times New Roman" panose="02020603050405020304" pitchFamily="18" charset="0"/>
-              <a:cs typeface="Times New Roman" panose="02020603050405020304" pitchFamily="18" charset="0"/>
-            </a:endParaRPr>
           </a:p>
         </p:txBody>
       </p:sp>
@@ -9106,7 +10213,7 @@
               <a:rPr lang="en-US" dirty="0">
                 <a:sym typeface="+mn-ea"/>
               </a:rPr>
-              <a:t>Third Review</a:t>
+              <a:t>Final Review</a:t>
             </a:r>
             <a:endParaRPr lang="en-IN" dirty="0"/>
           </a:p>
@@ -9152,6 +10259,7 @@
           <a:p>
             <a:fld id="{5AB9ECBD-B4DD-40D5-8D24-9ECCDBB1583E}" type="slidenum">
               <a:rPr lang="en-IN" smtClean="0"/>
+              <a:t>4</a:t>
             </a:fld>
             <a:endParaRPr lang="en-IN"/>
           </a:p>
@@ -9201,7 +10309,6 @@
               <a:rPr lang="en-US" dirty="0"/>
               <a:t> Introduction and Overview of the Project.</a:t>
             </a:r>
-            <a:endParaRPr lang="en-US" dirty="0"/>
           </a:p>
         </p:txBody>
       </p:sp>
@@ -9232,10 +10339,6 @@
               </a:rPr>
               <a:t>The analysis concentrates more on the technical path which allows all users to contribute in customer feedback.</a:t>
             </a:r>
-            <a:endParaRPr lang="en-US" sz="2400" dirty="0">
-              <a:latin typeface="Times New Roman" panose="02020603050405020304" pitchFamily="18" charset="0"/>
-              <a:cs typeface="Times New Roman" panose="02020603050405020304" pitchFamily="18" charset="0"/>
-            </a:endParaRPr>
           </a:p>
           <a:p>
             <a:r>
@@ -9245,10 +10348,6 @@
               </a:rPr>
               <a:t>Using LDA and Other support Algorithms to identify the key components.</a:t>
             </a:r>
-            <a:endParaRPr lang="en-US" sz="2400" dirty="0">
-              <a:latin typeface="Times New Roman" panose="02020603050405020304" pitchFamily="18" charset="0"/>
-              <a:cs typeface="Times New Roman" panose="02020603050405020304" pitchFamily="18" charset="0"/>
-            </a:endParaRPr>
           </a:p>
           <a:p>
             <a:r>
@@ -9258,10 +10357,6 @@
               </a:rPr>
               <a:t>This project aims to improve customer satisfaction and retention by analyzing feedback data from surveys, reviews, social media, and interactions. By identifying key factors influencing customer experience and prioritizing service improvements, the bank seeks to enhance service quality, foster stronger customer relationships, and achieve higher satisfaction and retention rates.</a:t>
             </a:r>
-            <a:endParaRPr lang="en-US" sz="2400" dirty="0">
-              <a:latin typeface="Times New Roman" panose="02020603050405020304" pitchFamily="18" charset="0"/>
-              <a:cs typeface="Times New Roman" panose="02020603050405020304" pitchFamily="18" charset="0"/>
-            </a:endParaRPr>
           </a:p>
         </p:txBody>
       </p:sp>
@@ -9287,8 +10382,14 @@
               <a:rPr lang="en-US" dirty="0">
                 <a:sym typeface="+mn-ea"/>
               </a:rPr>
-              <a:t>Third Review</a:t>
-            </a:r>
+              <a:t>Final Review</a:t>
+            </a:r>
+            <a:endParaRPr lang="en-IN" dirty="0"/>
+          </a:p>
+          <a:p>
+            <a:pPr>
+              <a:defRPr/>
+            </a:pPr>
             <a:endParaRPr lang="en-US" dirty="0"/>
           </a:p>
         </p:txBody>
@@ -9315,7 +10416,6 @@
               <a:rPr lang="en-US"/>
               <a:t>Department of Artificial Intelligence and Data Science</a:t>
             </a:r>
-            <a:endParaRPr lang="en-US"/>
           </a:p>
         </p:txBody>
       </p:sp>
@@ -9339,6 +10439,7 @@
             </a:pPr>
             <a:fld id="{BDC2143B-610F-499C-A392-DFFBE135A7B2}" type="slidenum">
               <a:rPr lang="en-US" altLang="en-US" smtClean="0"/>
+              <a:t>5</a:t>
             </a:fld>
             <a:endParaRPr lang="en-US" altLang="en-US"/>
           </a:p>
@@ -9388,7 +10489,6 @@
               <a:rPr lang="en-IN" altLang="en-US"/>
               <a:t>Literature Survey</a:t>
             </a:r>
-            <a:endParaRPr lang="en-IN" altLang="en-US"/>
           </a:p>
         </p:txBody>
       </p:sp>
@@ -9416,12 +10516,48 @@
                 <a:tableStyleId>{EB9631B5-78F2-41C9-869B-9F39066F8104}</a:tableStyleId>
               </a:tblPr>
               <a:tblGrid>
-                <a:gridCol w="979118"/>
-                <a:gridCol w="1860636"/>
-                <a:gridCol w="2419790"/>
-                <a:gridCol w="4119643"/>
-                <a:gridCol w="1199896"/>
-                <a:gridCol w="1419877"/>
+                <a:gridCol w="979118">
+                  <a:extLst>
+                    <a:ext uri="{9D8B030D-6E8A-4147-A177-3AD203B41FA5}">
+                      <a16:colId xmlns:a16="http://schemas.microsoft.com/office/drawing/2014/main" val="20000"/>
+                    </a:ext>
+                  </a:extLst>
+                </a:gridCol>
+                <a:gridCol w="1860636">
+                  <a:extLst>
+                    <a:ext uri="{9D8B030D-6E8A-4147-A177-3AD203B41FA5}">
+                      <a16:colId xmlns:a16="http://schemas.microsoft.com/office/drawing/2014/main" val="20001"/>
+                    </a:ext>
+                  </a:extLst>
+                </a:gridCol>
+                <a:gridCol w="2419790">
+                  <a:extLst>
+                    <a:ext uri="{9D8B030D-6E8A-4147-A177-3AD203B41FA5}">
+                      <a16:colId xmlns:a16="http://schemas.microsoft.com/office/drawing/2014/main" val="20002"/>
+                    </a:ext>
+                  </a:extLst>
+                </a:gridCol>
+                <a:gridCol w="4119643">
+                  <a:extLst>
+                    <a:ext uri="{9D8B030D-6E8A-4147-A177-3AD203B41FA5}">
+                      <a16:colId xmlns:a16="http://schemas.microsoft.com/office/drawing/2014/main" val="20003"/>
+                    </a:ext>
+                  </a:extLst>
+                </a:gridCol>
+                <a:gridCol w="1199896">
+                  <a:extLst>
+                    <a:ext uri="{9D8B030D-6E8A-4147-A177-3AD203B41FA5}">
+                      <a16:colId xmlns:a16="http://schemas.microsoft.com/office/drawing/2014/main" val="20004"/>
+                    </a:ext>
+                  </a:extLst>
+                </a:gridCol>
+                <a:gridCol w="1419877">
+                  <a:extLst>
+                    <a:ext uri="{9D8B030D-6E8A-4147-A177-3AD203B41FA5}">
+                      <a16:colId xmlns:a16="http://schemas.microsoft.com/office/drawing/2014/main" val="20005"/>
+                    </a:ext>
+                  </a:extLst>
+                </a:gridCol>
               </a:tblGrid>
               <a:tr h="562375">
                 <a:tc>
@@ -9453,7 +10589,6 @@
                         <a:rPr lang="en-IN" altLang="en-US" dirty="0"/>
                         <a:t>Author Name</a:t>
                       </a:r>
-                      <a:endParaRPr lang="en-IN" altLang="en-US" dirty="0"/>
                     </a:p>
                   </a:txBody>
                   <a:tcPr/>
@@ -9470,7 +10605,6 @@
                         <a:rPr lang="en-IN" altLang="en-US" dirty="0"/>
                         <a:t>Paper Title</a:t>
                       </a:r>
-                      <a:endParaRPr lang="en-IN" altLang="en-US" dirty="0"/>
                     </a:p>
                   </a:txBody>
                   <a:tcPr/>
@@ -9487,7 +10621,6 @@
                         <a:rPr lang="en-IN" altLang="en-US"/>
                         <a:t>Description</a:t>
                       </a:r>
-                      <a:endParaRPr lang="en-IN" altLang="en-US"/>
                     </a:p>
                   </a:txBody>
                   <a:tcPr/>
@@ -9504,7 +10637,6 @@
                         <a:rPr lang="en-IN" altLang="en-US" dirty="0"/>
                         <a:t>Journal</a:t>
                       </a:r>
-                      <a:endParaRPr lang="en-IN" altLang="en-US" dirty="0"/>
                     </a:p>
                   </a:txBody>
                   <a:tcPr/>
@@ -9521,7 +10653,6 @@
                         <a:rPr lang="en-IN" altLang="en-US" dirty="0"/>
                         <a:t>Volume/</a:t>
                       </a:r>
-                      <a:endParaRPr lang="en-IN" altLang="en-US" dirty="0"/>
                     </a:p>
                     <a:p>
                       <a:pPr>
@@ -9531,11 +10662,15 @@
                         <a:rPr lang="en-IN" altLang="en-US" dirty="0"/>
                         <a:t>Year</a:t>
                       </a:r>
-                      <a:endParaRPr lang="en-IN" altLang="en-US" dirty="0"/>
                     </a:p>
                   </a:txBody>
                   <a:tcPr/>
                 </a:tc>
+                <a:extLst>
+                  <a:ext uri="{0D108BD9-81ED-4DB2-BD59-A6C34878D82A}">
+                    <a16:rowId xmlns:a16="http://schemas.microsoft.com/office/drawing/2014/main" val="10000"/>
+                  </a:ext>
+                </a:extLst>
               </a:tr>
               <a:tr h="1285428">
                 <a:tc>
@@ -9553,10 +10688,6 @@
                         </a:rPr>
                         <a:t>1</a:t>
                       </a:r>
-                      <a:endParaRPr lang="en-US" sz="2400" dirty="0">
-                        <a:latin typeface="Times New Roman" panose="02020603050405020304" pitchFamily="18" charset="0"/>
-                        <a:cs typeface="Times New Roman" panose="02020603050405020304" pitchFamily="18" charset="0"/>
-                      </a:endParaRPr>
                     </a:p>
                   </a:txBody>
                   <a:tcPr/>
@@ -9576,10 +10707,6 @@
                         </a:rPr>
                         <a:t>Khan, M.A., and Adil, M.</a:t>
                       </a:r>
-                      <a:endParaRPr lang="en-US" dirty="0">
-                        <a:latin typeface="Times New Roman" panose="02020603050405020304" pitchFamily="18" charset="0"/>
-                        <a:cs typeface="Times New Roman" panose="02020603050405020304" pitchFamily="18" charset="0"/>
-                      </a:endParaRPr>
                     </a:p>
                   </a:txBody>
                   <a:tcPr/>
@@ -9610,14 +10737,6 @@
                         </a:rPr>
                         <a:t>Quality and Customer Satisfaction: A Case of Digital Banking.</a:t>
                       </a:r>
-                      <a:endParaRPr lang="en-US" sz="1800" kern="1200" dirty="0">
-                        <a:solidFill>
-                          <a:schemeClr val="dk1"/>
-                        </a:solidFill>
-                        <a:latin typeface="Times New Roman" panose="02020603050405020304" pitchFamily="18" charset="0"/>
-                        <a:ea typeface="+mn-ea"/>
-                        <a:cs typeface="Times New Roman" panose="02020603050405020304" pitchFamily="18" charset="0"/>
-                      </a:endParaRPr>
                     </a:p>
                   </a:txBody>
                   <a:tcPr/>
@@ -9641,14 +10760,6 @@
                         </a:rPr>
                         <a:t>It discusses how analyzing feedback from multiple channels, including surveys and social media, can provide actionable insights for banks to improve their digital services.</a:t>
                       </a:r>
-                      <a:endParaRPr lang="en-US" sz="1800" kern="1200" dirty="0">
-                        <a:solidFill>
-                          <a:schemeClr val="dk1"/>
-                        </a:solidFill>
-                        <a:latin typeface="Times New Roman" panose="02020603050405020304" pitchFamily="18" charset="0"/>
-                        <a:ea typeface="+mn-ea"/>
-                        <a:cs typeface="Times New Roman" panose="02020603050405020304" pitchFamily="18" charset="0"/>
-                      </a:endParaRPr>
                     </a:p>
                   </a:txBody>
                   <a:tcPr/>
@@ -9668,10 +10779,6 @@
                         </a:rPr>
                         <a:t>Journal of Financial Services Marketing</a:t>
                       </a:r>
-                      <a:endParaRPr lang="en-US" dirty="0">
-                        <a:latin typeface="Times New Roman" panose="02020603050405020304" pitchFamily="18" charset="0"/>
-                        <a:cs typeface="Times New Roman" panose="02020603050405020304" pitchFamily="18" charset="0"/>
-                      </a:endParaRPr>
                     </a:p>
                   </a:txBody>
                   <a:tcPr/>
@@ -9699,6 +10806,11 @@
                   </a:txBody>
                   <a:tcPr/>
                 </a:tc>
+                <a:extLst>
+                  <a:ext uri="{0D108BD9-81ED-4DB2-BD59-A6C34878D82A}">
+                    <a16:rowId xmlns:a16="http://schemas.microsoft.com/office/drawing/2014/main" val="10001"/>
+                  </a:ext>
+                </a:extLst>
               </a:tr>
               <a:tr h="1285428">
                 <a:tc>
@@ -9716,10 +10828,6 @@
                         </a:rPr>
                         <a:t>2</a:t>
                       </a:r>
-                      <a:endParaRPr lang="en-US" sz="2400" dirty="0">
-                        <a:latin typeface="Times New Roman" panose="02020603050405020304" pitchFamily="18" charset="0"/>
-                        <a:cs typeface="Times New Roman" panose="02020603050405020304" pitchFamily="18" charset="0"/>
-                      </a:endParaRPr>
                     </a:p>
                   </a:txBody>
                   <a:tcPr/>
@@ -9743,14 +10851,6 @@
                         </a:rPr>
                         <a:t>Gupta, A., and Mukherjee, S.</a:t>
                       </a:r>
-                      <a:endParaRPr lang="en-US" sz="1800" kern="1200" dirty="0">
-                        <a:solidFill>
-                          <a:schemeClr val="dk1"/>
-                        </a:solidFill>
-                        <a:latin typeface="Times New Roman" panose="02020603050405020304" pitchFamily="18" charset="0"/>
-                        <a:ea typeface="+mn-ea"/>
-                        <a:cs typeface="Times New Roman" panose="02020603050405020304" pitchFamily="18" charset="0"/>
-                      </a:endParaRPr>
                     </a:p>
                   </a:txBody>
                   <a:tcPr/>
@@ -9774,14 +10874,6 @@
                         </a:rPr>
                         <a:t>Sentiment Analysis of Social Media Feedback in Banking Sector: A Machine Learning Approach</a:t>
                       </a:r>
-                      <a:endParaRPr lang="en-US" sz="1800" kern="1200" dirty="0">
-                        <a:solidFill>
-                          <a:schemeClr val="dk1"/>
-                        </a:solidFill>
-                        <a:latin typeface="Times New Roman" panose="02020603050405020304" pitchFamily="18" charset="0"/>
-                        <a:ea typeface="+mn-ea"/>
-                        <a:cs typeface="Times New Roman" panose="02020603050405020304" pitchFamily="18" charset="0"/>
-                      </a:endParaRPr>
                     </a:p>
                   </a:txBody>
                   <a:tcPr/>
@@ -9805,14 +10897,6 @@
                         </a:rPr>
                         <a:t>The study uses machine learning to analyze customer feedback from social media and suggests improvements for banking services.</a:t>
                       </a:r>
-                      <a:endParaRPr lang="en-US" sz="1800" kern="1200" dirty="0">
-                        <a:solidFill>
-                          <a:schemeClr val="dk1"/>
-                        </a:solidFill>
-                        <a:latin typeface="Times New Roman" panose="02020603050405020304" pitchFamily="18" charset="0"/>
-                        <a:ea typeface="+mn-ea"/>
-                        <a:cs typeface="Times New Roman" panose="02020603050405020304" pitchFamily="18" charset="0"/>
-                      </a:endParaRPr>
                     </a:p>
                   </a:txBody>
                   <a:tcPr/>
@@ -9879,6 +10963,11 @@
                   </a:txBody>
                   <a:tcPr/>
                 </a:tc>
+                <a:extLst>
+                  <a:ext uri="{0D108BD9-81ED-4DB2-BD59-A6C34878D82A}">
+                    <a16:rowId xmlns:a16="http://schemas.microsoft.com/office/drawing/2014/main" val="10002"/>
+                  </a:ext>
+                </a:extLst>
               </a:tr>
             </a:tbl>
           </a:graphicData>
@@ -9906,8 +10995,14 @@
               <a:rPr lang="en-US" dirty="0">
                 <a:sym typeface="+mn-ea"/>
               </a:rPr>
-              <a:t>Third Review</a:t>
-            </a:r>
+              <a:t>Final Review</a:t>
+            </a:r>
+            <a:endParaRPr lang="en-IN" dirty="0"/>
+          </a:p>
+          <a:p>
+            <a:pPr>
+              <a:defRPr/>
+            </a:pPr>
             <a:endParaRPr lang="en-US" dirty="0"/>
           </a:p>
         </p:txBody>
@@ -9934,7 +11029,6 @@
               <a:rPr lang="en-US"/>
               <a:t>Department of Artificial Intelligence and Data Science</a:t>
             </a:r>
-            <a:endParaRPr lang="en-US"/>
           </a:p>
         </p:txBody>
       </p:sp>
@@ -9958,6 +11052,7 @@
             </a:pPr>
             <a:fld id="{BDC2143B-610F-499C-A392-DFFBE135A7B2}" type="slidenum">
               <a:rPr lang="en-US" altLang="en-US"/>
+              <a:t>6</a:t>
             </a:fld>
             <a:endParaRPr lang="en-US" altLang="en-US"/>
           </a:p>
@@ -10007,7 +11102,6 @@
               <a:rPr lang="en-IN" altLang="en-US" dirty="0"/>
               <a:t>Literature Survey</a:t>
             </a:r>
-            <a:endParaRPr lang="en-IN" altLang="en-US" dirty="0"/>
           </a:p>
         </p:txBody>
       </p:sp>
@@ -10035,12 +11129,48 @@
                 <a:tableStyleId>{EB9631B5-78F2-41C9-869B-9F39066F8104}</a:tableStyleId>
               </a:tblPr>
               <a:tblGrid>
-                <a:gridCol w="979118"/>
-                <a:gridCol w="1860636"/>
-                <a:gridCol w="2419790"/>
-                <a:gridCol w="4119643"/>
-                <a:gridCol w="1199896"/>
-                <a:gridCol w="1419877"/>
+                <a:gridCol w="979118">
+                  <a:extLst>
+                    <a:ext uri="{9D8B030D-6E8A-4147-A177-3AD203B41FA5}">
+                      <a16:colId xmlns:a16="http://schemas.microsoft.com/office/drawing/2014/main" val="20000"/>
+                    </a:ext>
+                  </a:extLst>
+                </a:gridCol>
+                <a:gridCol w="1860636">
+                  <a:extLst>
+                    <a:ext uri="{9D8B030D-6E8A-4147-A177-3AD203B41FA5}">
+                      <a16:colId xmlns:a16="http://schemas.microsoft.com/office/drawing/2014/main" val="20001"/>
+                    </a:ext>
+                  </a:extLst>
+                </a:gridCol>
+                <a:gridCol w="2419790">
+                  <a:extLst>
+                    <a:ext uri="{9D8B030D-6E8A-4147-A177-3AD203B41FA5}">
+                      <a16:colId xmlns:a16="http://schemas.microsoft.com/office/drawing/2014/main" val="20002"/>
+                    </a:ext>
+                  </a:extLst>
+                </a:gridCol>
+                <a:gridCol w="4119643">
+                  <a:extLst>
+                    <a:ext uri="{9D8B030D-6E8A-4147-A177-3AD203B41FA5}">
+                      <a16:colId xmlns:a16="http://schemas.microsoft.com/office/drawing/2014/main" val="20003"/>
+                    </a:ext>
+                  </a:extLst>
+                </a:gridCol>
+                <a:gridCol w="1199896">
+                  <a:extLst>
+                    <a:ext uri="{9D8B030D-6E8A-4147-A177-3AD203B41FA5}">
+                      <a16:colId xmlns:a16="http://schemas.microsoft.com/office/drawing/2014/main" val="20004"/>
+                    </a:ext>
+                  </a:extLst>
+                </a:gridCol>
+                <a:gridCol w="1419877">
+                  <a:extLst>
+                    <a:ext uri="{9D8B030D-6E8A-4147-A177-3AD203B41FA5}">
+                      <a16:colId xmlns:a16="http://schemas.microsoft.com/office/drawing/2014/main" val="20005"/>
+                    </a:ext>
+                  </a:extLst>
+                </a:gridCol>
               </a:tblGrid>
               <a:tr h="562375">
                 <a:tc>
@@ -10072,7 +11202,6 @@
                         <a:rPr lang="en-IN" altLang="en-US" dirty="0"/>
                         <a:t>Author Name</a:t>
                       </a:r>
-                      <a:endParaRPr lang="en-IN" altLang="en-US" dirty="0"/>
                     </a:p>
                   </a:txBody>
                   <a:tcPr/>
@@ -10089,7 +11218,6 @@
                         <a:rPr lang="en-IN" altLang="en-US" dirty="0"/>
                         <a:t>Paper Title</a:t>
                       </a:r>
-                      <a:endParaRPr lang="en-IN" altLang="en-US" dirty="0"/>
                     </a:p>
                   </a:txBody>
                   <a:tcPr/>
@@ -10106,7 +11234,6 @@
                         <a:rPr lang="en-IN" altLang="en-US"/>
                         <a:t>Description</a:t>
                       </a:r>
-                      <a:endParaRPr lang="en-IN" altLang="en-US"/>
                     </a:p>
                   </a:txBody>
                   <a:tcPr/>
@@ -10123,7 +11250,6 @@
                         <a:rPr lang="en-IN" altLang="en-US" dirty="0"/>
                         <a:t>Journal</a:t>
                       </a:r>
-                      <a:endParaRPr lang="en-IN" altLang="en-US" dirty="0"/>
                     </a:p>
                   </a:txBody>
                   <a:tcPr/>
@@ -10140,7 +11266,6 @@
                         <a:rPr lang="en-IN" altLang="en-US" dirty="0"/>
                         <a:t>Volume/</a:t>
                       </a:r>
-                      <a:endParaRPr lang="en-IN" altLang="en-US" dirty="0"/>
                     </a:p>
                     <a:p>
                       <a:pPr>
@@ -10150,11 +11275,15 @@
                         <a:rPr lang="en-IN" altLang="en-US" dirty="0"/>
                         <a:t>Year</a:t>
                       </a:r>
-                      <a:endParaRPr lang="en-IN" altLang="en-US" dirty="0"/>
                     </a:p>
                   </a:txBody>
                   <a:tcPr/>
                 </a:tc>
+                <a:extLst>
+                  <a:ext uri="{0D108BD9-81ED-4DB2-BD59-A6C34878D82A}">
+                    <a16:rowId xmlns:a16="http://schemas.microsoft.com/office/drawing/2014/main" val="10000"/>
+                  </a:ext>
+                </a:extLst>
               </a:tr>
               <a:tr h="1285428">
                 <a:tc>
@@ -10172,10 +11301,6 @@
                         </a:rPr>
                         <a:t>3</a:t>
                       </a:r>
-                      <a:endParaRPr lang="en-US" sz="2400" dirty="0">
-                        <a:latin typeface="Times New Roman" panose="02020603050405020304" pitchFamily="18" charset="0"/>
-                        <a:cs typeface="Times New Roman" panose="02020603050405020304" pitchFamily="18" charset="0"/>
-                      </a:endParaRPr>
                     </a:p>
                   </a:txBody>
                   <a:tcPr/>
@@ -10199,14 +11324,6 @@
                         </a:rPr>
                         <a:t>Zhang, Y., and Liu, H.</a:t>
                       </a:r>
-                      <a:endParaRPr lang="en-US" sz="1800" kern="1200" dirty="0">
-                        <a:solidFill>
-                          <a:schemeClr val="dk1"/>
-                        </a:solidFill>
-                        <a:latin typeface="Times New Roman" panose="02020603050405020304" pitchFamily="18" charset="0"/>
-                        <a:ea typeface="+mn-ea"/>
-                        <a:cs typeface="Times New Roman" panose="02020603050405020304" pitchFamily="18" charset="0"/>
-                      </a:endParaRPr>
                     </a:p>
                   </a:txBody>
                   <a:tcPr/>
@@ -10230,14 +11347,6 @@
                         </a:rPr>
                         <a:t>Customer Experience in Mobile Banking: The Role of Trust and Service Quality</a:t>
                       </a:r>
-                      <a:endParaRPr lang="en-US" sz="1800" kern="1200" dirty="0">
-                        <a:solidFill>
-                          <a:schemeClr val="dk1"/>
-                        </a:solidFill>
-                        <a:latin typeface="Times New Roman" panose="02020603050405020304" pitchFamily="18" charset="0"/>
-                        <a:ea typeface="+mn-ea"/>
-                        <a:cs typeface="Times New Roman" panose="02020603050405020304" pitchFamily="18" charset="0"/>
-                      </a:endParaRPr>
                     </a:p>
                   </a:txBody>
                   <a:tcPr/>
@@ -10261,14 +11370,6 @@
                         </a:rPr>
                         <a:t>This paper examines how trust and service quality affect customer experience in mobile banking.</a:t>
                       </a:r>
-                      <a:endParaRPr lang="en-US" sz="1800" kern="1200" dirty="0">
-                        <a:solidFill>
-                          <a:schemeClr val="dk1"/>
-                        </a:solidFill>
-                        <a:latin typeface="Times New Roman" panose="02020603050405020304" pitchFamily="18" charset="0"/>
-                        <a:ea typeface="+mn-ea"/>
-                        <a:cs typeface="Times New Roman" panose="02020603050405020304" pitchFamily="18" charset="0"/>
-                      </a:endParaRPr>
                     </a:p>
                   </a:txBody>
                   <a:tcPr/>
@@ -10292,14 +11393,6 @@
                         </a:rPr>
                         <a:t>International Journal of Bank Marketing</a:t>
                       </a:r>
-                      <a:endParaRPr lang="en-US" sz="1800" kern="1200" dirty="0">
-                        <a:solidFill>
-                          <a:schemeClr val="dk1"/>
-                        </a:solidFill>
-                        <a:latin typeface="Times New Roman" panose="02020603050405020304" pitchFamily="18" charset="0"/>
-                        <a:ea typeface="+mn-ea"/>
-                        <a:cs typeface="Times New Roman" panose="02020603050405020304" pitchFamily="18" charset="0"/>
-                      </a:endParaRPr>
                     </a:p>
                   </a:txBody>
                   <a:tcPr/>
@@ -10335,6 +11428,11 @@
                   </a:txBody>
                   <a:tcPr/>
                 </a:tc>
+                <a:extLst>
+                  <a:ext uri="{0D108BD9-81ED-4DB2-BD59-A6C34878D82A}">
+                    <a16:rowId xmlns:a16="http://schemas.microsoft.com/office/drawing/2014/main" val="10001"/>
+                  </a:ext>
+                </a:extLst>
               </a:tr>
               <a:tr h="1285428">
                 <a:tc>
@@ -10352,10 +11450,6 @@
                         </a:rPr>
                         <a:t>4</a:t>
                       </a:r>
-                      <a:endParaRPr lang="en-US" sz="2400" dirty="0">
-                        <a:latin typeface="Times New Roman" panose="02020603050405020304" pitchFamily="18" charset="0"/>
-                        <a:cs typeface="Times New Roman" panose="02020603050405020304" pitchFamily="18" charset="0"/>
-                      </a:endParaRPr>
                     </a:p>
                   </a:txBody>
                   <a:tcPr/>
@@ -10379,14 +11473,6 @@
                         </a:rPr>
                         <a:t>Brown, C., and Parker, J..</a:t>
                       </a:r>
-                      <a:endParaRPr lang="en-US" sz="1800" kern="1200" dirty="0">
-                        <a:solidFill>
-                          <a:schemeClr val="dk1"/>
-                        </a:solidFill>
-                        <a:latin typeface="Times New Roman" panose="02020603050405020304" pitchFamily="18" charset="0"/>
-                        <a:ea typeface="+mn-ea"/>
-                        <a:cs typeface="Times New Roman" panose="02020603050405020304" pitchFamily="18" charset="0"/>
-                      </a:endParaRPr>
                     </a:p>
                   </a:txBody>
                   <a:tcPr/>
@@ -10410,14 +11496,6 @@
                         </a:rPr>
                         <a:t>Using Big Data Analytics to Improve Customer Retention in Retail Banking</a:t>
                       </a:r>
-                      <a:endParaRPr lang="en-US" sz="1800" kern="1200" dirty="0">
-                        <a:solidFill>
-                          <a:schemeClr val="dk1"/>
-                        </a:solidFill>
-                        <a:latin typeface="Times New Roman" panose="02020603050405020304" pitchFamily="18" charset="0"/>
-                        <a:ea typeface="+mn-ea"/>
-                        <a:cs typeface="Times New Roman" panose="02020603050405020304" pitchFamily="18" charset="0"/>
-                      </a:endParaRPr>
                     </a:p>
                   </a:txBody>
                   <a:tcPr/>
@@ -10441,14 +11519,6 @@
                         </a:rPr>
                         <a:t>This paper discusses how big data analytics can help banks retain customers by understanding their behavior and preferences.</a:t>
                       </a:r>
-                      <a:endParaRPr lang="en-US" sz="1800" kern="1200" dirty="0">
-                        <a:solidFill>
-                          <a:schemeClr val="dk1"/>
-                        </a:solidFill>
-                        <a:latin typeface="Times New Roman" panose="02020603050405020304" pitchFamily="18" charset="0"/>
-                        <a:ea typeface="+mn-ea"/>
-                        <a:cs typeface="Times New Roman" panose="02020603050405020304" pitchFamily="18" charset="0"/>
-                      </a:endParaRPr>
                     </a:p>
                   </a:txBody>
                   <a:tcPr/>
@@ -10472,14 +11542,6 @@
                         </a:rPr>
                         <a:t>Journal of Retailing and Consumer Services</a:t>
                       </a:r>
-                      <a:endParaRPr lang="en-US" sz="1800" kern="1200" dirty="0">
-                        <a:solidFill>
-                          <a:schemeClr val="dk1"/>
-                        </a:solidFill>
-                        <a:latin typeface="Times New Roman" panose="02020603050405020304" pitchFamily="18" charset="0"/>
-                        <a:ea typeface="+mn-ea"/>
-                        <a:cs typeface="Times New Roman" panose="02020603050405020304" pitchFamily="18" charset="0"/>
-                      </a:endParaRPr>
                     </a:p>
                   </a:txBody>
                   <a:tcPr/>
@@ -10515,6 +11577,11 @@
                   </a:txBody>
                   <a:tcPr/>
                 </a:tc>
+                <a:extLst>
+                  <a:ext uri="{0D108BD9-81ED-4DB2-BD59-A6C34878D82A}">
+                    <a16:rowId xmlns:a16="http://schemas.microsoft.com/office/drawing/2014/main" val="10002"/>
+                  </a:ext>
+                </a:extLst>
               </a:tr>
             </a:tbl>
           </a:graphicData>
@@ -10542,8 +11609,14 @@
               <a:rPr lang="en-US" dirty="0">
                 <a:sym typeface="+mn-ea"/>
               </a:rPr>
-              <a:t>Third Review</a:t>
-            </a:r>
+              <a:t>Final Review</a:t>
+            </a:r>
+            <a:endParaRPr lang="en-IN" dirty="0"/>
+          </a:p>
+          <a:p>
+            <a:pPr>
+              <a:defRPr/>
+            </a:pPr>
             <a:endParaRPr lang="en-US" dirty="0"/>
           </a:p>
         </p:txBody>
@@ -10570,7 +11643,6 @@
               <a:rPr lang="en-US" dirty="0"/>
               <a:t>Department of Artificial Intelligence and Data Science</a:t>
             </a:r>
-            <a:endParaRPr lang="en-US" dirty="0"/>
           </a:p>
         </p:txBody>
       </p:sp>
@@ -10594,6 +11666,7 @@
             </a:pPr>
             <a:fld id="{BDC2143B-610F-499C-A392-DFFBE135A7B2}" type="slidenum">
               <a:rPr lang="en-US" altLang="en-US"/>
+              <a:t>7</a:t>
             </a:fld>
             <a:endParaRPr lang="en-US" altLang="en-US"/>
           </a:p>
@@ -10616,7 +11689,14 @@
         <p:cNvGrpSpPr/>
         <p:nvPr/>
       </p:nvGrpSpPr>
-      <p:grpSpPr/>
+      <p:grpSpPr>
+        <a:xfrm>
+          <a:off x="0" y="0"/>
+          <a:ext cx="0" cy="0"/>
+          <a:chOff x="0" y="0"/>
+          <a:chExt cx="0" cy="0"/>
+        </a:xfrm>
+      </p:grpSpPr>
       <p:sp>
         <p:nvSpPr>
           <p:cNvPr id="2" name="Title 1"/>
@@ -10630,12 +11710,12 @@
         <p:spPr/>
         <p:txBody>
           <a:bodyPr/>
+          <a:lstStyle/>
           <a:p>
             <a:r>
               <a:rPr lang="en-US"/>
               <a:t>Methodology</a:t>
             </a:r>
-            <a:endParaRPr lang="en-US"/>
           </a:p>
         </p:txBody>
       </p:sp>
@@ -10652,6 +11732,7 @@
         <p:spPr/>
         <p:txBody>
           <a:bodyPr/>
+          <a:lstStyle/>
           <a:p>
             <a:r>
               <a:rPr lang="en-US" sz="1600" b="1"/>
@@ -10661,7 +11742,6 @@
               <a:rPr lang="en-US" sz="1600"/>
               <a:t>: We collect customer feedback from various sources like surveys, reviews, social media, and direct interactions with customer service.</a:t>
             </a:r>
-            <a:endParaRPr lang="en-US" sz="1600"/>
           </a:p>
           <a:p>
             <a:endParaRPr lang="en-US" sz="1600" b="1"/>
@@ -10675,7 +11755,6 @@
               <a:rPr lang="en-US" sz="1600"/>
               <a:t>: We preprocess the data to remove any noise or irrelevant information.</a:t>
             </a:r>
-            <a:endParaRPr lang="en-US" sz="1600"/>
           </a:p>
           <a:p>
             <a:endParaRPr lang="en-US" sz="1600" b="1"/>
@@ -10692,7 +11771,6 @@
               <a:rPr lang="en-US" sz="1600"/>
               <a:t>: We apply techniques like NMF (Non-Negative Matrix Factorization) and LDA (Latent Dirichlet Allocation) to reduce the dimensionality of the data and identify key components that affect customer experience.</a:t>
             </a:r>
-            <a:endParaRPr lang="en-US" sz="1600"/>
           </a:p>
           <a:p>
             <a:endParaRPr lang="en-US" sz="1600" b="1"/>
@@ -10709,7 +11787,6 @@
               <a:rPr lang="en-US" sz="1600"/>
               <a:t>: By using LDA, we are able to identify latent topics from the feedback data, which represent the main areas of concern or satisfaction for the customers."</a:t>
             </a:r>
-            <a:endParaRPr lang="en-US" sz="1600"/>
           </a:p>
         </p:txBody>
       </p:sp>
@@ -10726,15 +11803,24 @@
         <p:spPr/>
         <p:txBody>
           <a:bodyPr/>
-          <a:p>
-            <a:pPr>
-              <a:defRPr/>
-            </a:pPr>
-            <a:r>
-              <a:rPr lang="en-US"/>
-              <a:t>Zeroth Review</a:t>
-            </a:r>
-            <a:endParaRPr lang="en-US"/>
+          <a:lstStyle/>
+          <a:p>
+            <a:pPr>
+              <a:defRPr/>
+            </a:pPr>
+            <a:r>
+              <a:rPr lang="en-US" dirty="0">
+                <a:sym typeface="+mn-ea"/>
+              </a:rPr>
+              <a:t>Final Review</a:t>
+            </a:r>
+            <a:endParaRPr lang="en-IN" dirty="0"/>
+          </a:p>
+          <a:p>
+            <a:pPr>
+              <a:defRPr/>
+            </a:pPr>
+            <a:endParaRPr lang="en-US" dirty="0"/>
           </a:p>
         </p:txBody>
       </p:sp>
@@ -10751,6 +11837,7 @@
         <p:spPr/>
         <p:txBody>
           <a:bodyPr/>
+          <a:lstStyle/>
           <a:p>
             <a:pPr>
               <a:defRPr/>
@@ -10759,7 +11846,6 @@
               <a:rPr lang="en-US"/>
               <a:t>Department of Artificial Intelligence and Data Science</a:t>
             </a:r>
-            <a:endParaRPr lang="en-US"/>
           </a:p>
         </p:txBody>
       </p:sp>
@@ -10776,12 +11862,14 @@
         <p:spPr/>
         <p:txBody>
           <a:bodyPr/>
+          <a:lstStyle/>
           <a:p>
             <a:pPr>
               <a:defRPr/>
             </a:pPr>
             <a:fld id="{BDC2143B-610F-499C-A392-DFFBE135A7B2}" type="slidenum">
               <a:rPr lang="en-US" altLang="en-US"/>
+              <a:t>8</a:t>
             </a:fld>
             <a:endParaRPr lang="en-US" altLang="en-US"/>
           </a:p>
@@ -10801,7 +11889,7 @@
     <p:bg>
       <p:bgPr>
         <a:blipFill dpi="0" rotWithShape="0">
-          <a:blip r:embed="rId1"/>
+          <a:blip r:embed="rId3"/>
           <a:srcRect/>
           <a:tile tx="0" ty="0" sx="100000" sy="100000" flip="none" algn="tl"/>
         </a:blipFill>
@@ -10875,10 +11963,6 @@
               </a:rPr>
               <a:t>Feedback Channels: Customers can provide feedback through multiple channels, including online surveys, in-branch comment cards, and customer service interactions. However, the feedback collected is often fragmented and not centrally integrated.</a:t>
             </a:r>
-            <a:endParaRPr lang="en-US" sz="2400" dirty="0">
-              <a:latin typeface="Times New Roman" panose="02020603050405020304" pitchFamily="18" charset="0"/>
-              <a:cs typeface="Times New Roman" panose="02020603050405020304" pitchFamily="18" charset="0"/>
-            </a:endParaRPr>
           </a:p>
           <a:p>
             <a:r>
@@ -10888,10 +11972,6 @@
               </a:rPr>
               <a:t>Data Management: Feedback data is stored in disparate systems, making it challenging to consolidate and analyze. Each department may have its own method of recording and managing feedback, leading to inconsistent data quality.</a:t>
             </a:r>
-            <a:endParaRPr lang="en-US" sz="2400" dirty="0">
-              <a:latin typeface="Times New Roman" panose="02020603050405020304" pitchFamily="18" charset="0"/>
-              <a:cs typeface="Times New Roman" panose="02020603050405020304" pitchFamily="18" charset="0"/>
-            </a:endParaRPr>
           </a:p>
           <a:p>
             <a:r>
@@ -10901,6 +11981,11 @@
               </a:rPr>
               <a:t>Analysis Tools: The bank currently uses basic analytical tools to review feedback. These tools offer limited capabilities for deep analysis and trend identification, resulting in a reactive rather than proactive approach to addressing customer issues.</a:t>
             </a:r>
+          </a:p>
+          <a:p>
+            <a:pPr marL="0" indent="0">
+              <a:buNone/>
+            </a:pPr>
             <a:endParaRPr lang="en-US" sz="2400" dirty="0">
               <a:latin typeface="Times New Roman" panose="02020603050405020304" pitchFamily="18" charset="0"/>
               <a:cs typeface="Times New Roman" panose="02020603050405020304" pitchFamily="18" charset="0"/>
@@ -10915,15 +12000,6 @@
               <a:cs typeface="Times New Roman" panose="02020603050405020304" pitchFamily="18" charset="0"/>
             </a:endParaRPr>
           </a:p>
-          <a:p>
-            <a:pPr marL="0" indent="0">
-              <a:buNone/>
-            </a:pPr>
-            <a:endParaRPr lang="en-US" sz="2400" dirty="0">
-              <a:latin typeface="Times New Roman" panose="02020603050405020304" pitchFamily="18" charset="0"/>
-              <a:cs typeface="Times New Roman" panose="02020603050405020304" pitchFamily="18" charset="0"/>
-            </a:endParaRPr>
-          </a:p>
         </p:txBody>
       </p:sp>
       <p:sp>
@@ -10945,8 +12021,11 @@
               <a:rPr lang="en-US" dirty="0">
                 <a:sym typeface="+mn-ea"/>
               </a:rPr>
-              <a:t>Third Review</a:t>
-            </a:r>
+              <a:t>Final Review</a:t>
+            </a:r>
+            <a:endParaRPr lang="en-IN" dirty="0"/>
+          </a:p>
+          <a:p>
             <a:endParaRPr lang="en-IN" dirty="0"/>
           </a:p>
         </p:txBody>
@@ -10991,6 +12070,7 @@
           <a:p>
             <a:fld id="{5AB9ECBD-B4DD-40D5-8D24-9ECCDBB1583E}" type="slidenum">
               <a:rPr lang="en-IN" smtClean="0"/>
+              <a:t>9</a:t>
             </a:fld>
             <a:endParaRPr lang="en-IN"/>
           </a:p>
@@ -11005,14 +12085,14 @@
 </file>
 
 <file path=ppt/tags/tag1.xml><?xml version="1.0" encoding="utf-8"?>
-<p:tagLst xmlns:p="http://schemas.openxmlformats.org/presentationml/2006/main">
+<p:tagLst xmlns:a="http://schemas.openxmlformats.org/drawingml/2006/main" xmlns:r="http://schemas.openxmlformats.org/officeDocument/2006/relationships" xmlns:p="http://schemas.openxmlformats.org/presentationml/2006/main">
   <p:tag name="TABLE_ENDDRAG_ORIGIN_RECT" val="846*337"/>
   <p:tag name="TABLE_ENDDRAG_RECT" val="59*138*846*337"/>
 </p:tagLst>
 </file>
 
 <file path=ppt/tags/tag2.xml><?xml version="1.0" encoding="utf-8"?>
-<p:tagLst xmlns:p="http://schemas.openxmlformats.org/presentationml/2006/main">
+<p:tagLst xmlns:a="http://schemas.openxmlformats.org/drawingml/2006/main" xmlns:r="http://schemas.openxmlformats.org/officeDocument/2006/relationships" xmlns:p="http://schemas.openxmlformats.org/presentationml/2006/main">
   <p:tag name="TABLE_ENDDRAG_ORIGIN_RECT" val="846*337"/>
   <p:tag name="TABLE_ENDDRAG_RECT" val="59*138*846*337"/>
 </p:tagLst>
@@ -11982,6 +13062,8 @@
       </a:bgFillStyleLst>
     </a:fmtScheme>
   </a:themeElements>
+  <a:objectDefaults/>
+  <a:extraClrSchemeLst/>
   <a:extLst>
     <a:ext uri="{05A4C25C-085E-4340-85A3-A5531E510DB2}">
       <thm15:themeFamily xmlns:thm15="http://schemas.microsoft.com/office/thememl/2012/main" name="Office Theme" id="{62F939B6-93AF-4DB8-9C6B-D6C7DFDC589F}" vid="{4A3C46E8-61CC-4603-A589-7422A47A8E4A}"/>
